--- a/slide/AWS料金体系グランドマスター王者決定戦.pptx
+++ b/slide/AWS料金体系グランドマスター王者決定戦.pptx
@@ -309,9 +309,9 @@
           <a:p>
             <a:fld id="{87A20906-838A-FE42-BD73-11DF18A1784C}" type="datetimeFigureOut">
               <a:rPr kumimoji="1" lang="ja-JP" altLang="en-US" smtClean="0"/>
-              <a:t>14/03/02</a:t>
+              <a:t>14/03/09</a:t>
             </a:fld>
-            <a:endParaRPr kumimoji="1" lang="ja-JP" altLang="en-US"/>
+            <a:endParaRPr kumimoji="1" lang="ja-JP" altLang="en-US" dirty="0"/>
           </a:p>
         </p:txBody>
       </p:sp>
@@ -562,7 +562,7 @@
           <a:p>
             <a:fld id="{87A20906-838A-FE42-BD73-11DF18A1784C}" type="datetimeFigureOut">
               <a:rPr kumimoji="1" lang="ja-JP" altLang="en-US" smtClean="0"/>
-              <a:t>14/03/02</a:t>
+              <a:t>14/03/09</a:t>
             </a:fld>
             <a:endParaRPr kumimoji="1" lang="ja-JP" altLang="en-US"/>
           </a:p>
@@ -764,7 +764,7 @@
           <a:p>
             <a:fld id="{87A20906-838A-FE42-BD73-11DF18A1784C}" type="datetimeFigureOut">
               <a:rPr kumimoji="1" lang="ja-JP" altLang="en-US" smtClean="0"/>
-              <a:t>14/03/02</a:t>
+              <a:t>14/03/09</a:t>
             </a:fld>
             <a:endParaRPr kumimoji="1" lang="ja-JP" altLang="en-US"/>
           </a:p>
@@ -976,7 +976,7 @@
           <a:p>
             <a:fld id="{87A20906-838A-FE42-BD73-11DF18A1784C}" type="datetimeFigureOut">
               <a:rPr kumimoji="1" lang="ja-JP" altLang="en-US" smtClean="0"/>
-              <a:t>14/03/02</a:t>
+              <a:t>14/03/09</a:t>
             </a:fld>
             <a:endParaRPr kumimoji="1" lang="ja-JP" altLang="en-US"/>
           </a:p>
@@ -1178,7 +1178,7 @@
           <a:p>
             <a:fld id="{87A20906-838A-FE42-BD73-11DF18A1784C}" type="datetimeFigureOut">
               <a:rPr kumimoji="1" lang="ja-JP" altLang="en-US" smtClean="0"/>
-              <a:t>14/03/02</a:t>
+              <a:t>14/03/09</a:t>
             </a:fld>
             <a:endParaRPr kumimoji="1" lang="ja-JP" altLang="en-US"/>
           </a:p>
@@ -1308,7 +1308,7 @@
           <a:p>
             <a:fld id="{87A20906-838A-FE42-BD73-11DF18A1784C}" type="datetimeFigureOut">
               <a:rPr kumimoji="1" lang="ja-JP" altLang="en-US" smtClean="0"/>
-              <a:t>14/03/02</a:t>
+              <a:t>14/03/09</a:t>
             </a:fld>
             <a:endParaRPr kumimoji="1" lang="ja-JP" altLang="en-US"/>
           </a:p>
@@ -1554,7 +1554,7 @@
           <a:p>
             <a:fld id="{87A20906-838A-FE42-BD73-11DF18A1784C}" type="datetimeFigureOut">
               <a:rPr kumimoji="1" lang="ja-JP" altLang="en-US" smtClean="0"/>
-              <a:t>14/03/02</a:t>
+              <a:t>14/03/09</a:t>
             </a:fld>
             <a:endParaRPr kumimoji="1" lang="ja-JP" altLang="en-US"/>
           </a:p>
@@ -1906,7 +1906,7 @@
           <a:p>
             <a:fld id="{87A20906-838A-FE42-BD73-11DF18A1784C}" type="datetimeFigureOut">
               <a:rPr kumimoji="1" lang="ja-JP" altLang="en-US" smtClean="0"/>
-              <a:t>14/03/02</a:t>
+              <a:t>14/03/09</a:t>
             </a:fld>
             <a:endParaRPr kumimoji="1" lang="ja-JP" altLang="en-US"/>
           </a:p>
@@ -2392,7 +2392,7 @@
           <a:p>
             <a:fld id="{87A20906-838A-FE42-BD73-11DF18A1784C}" type="datetimeFigureOut">
               <a:rPr kumimoji="1" lang="ja-JP" altLang="en-US" smtClean="0"/>
-              <a:t>14/03/02</a:t>
+              <a:t>14/03/09</a:t>
             </a:fld>
             <a:endParaRPr kumimoji="1" lang="ja-JP" altLang="en-US"/>
           </a:p>
@@ -2510,7 +2510,7 @@
           <a:p>
             <a:fld id="{87A20906-838A-FE42-BD73-11DF18A1784C}" type="datetimeFigureOut">
               <a:rPr kumimoji="1" lang="ja-JP" altLang="en-US" smtClean="0"/>
-              <a:t>14/03/02</a:t>
+              <a:t>14/03/09</a:t>
             </a:fld>
             <a:endParaRPr kumimoji="1" lang="ja-JP" altLang="en-US"/>
           </a:p>
@@ -2605,7 +2605,7 @@
           <a:p>
             <a:fld id="{87A20906-838A-FE42-BD73-11DF18A1784C}" type="datetimeFigureOut">
               <a:rPr kumimoji="1" lang="ja-JP" altLang="en-US" smtClean="0"/>
-              <a:t>14/03/02</a:t>
+              <a:t>14/03/09</a:t>
             </a:fld>
             <a:endParaRPr kumimoji="1" lang="ja-JP" altLang="en-US"/>
           </a:p>
@@ -2914,7 +2914,7 @@
           <a:p>
             <a:fld id="{87A20906-838A-FE42-BD73-11DF18A1784C}" type="datetimeFigureOut">
               <a:rPr kumimoji="1" lang="ja-JP" altLang="en-US" smtClean="0"/>
-              <a:t>14/03/02</a:t>
+              <a:t>14/03/09</a:t>
             </a:fld>
             <a:endParaRPr kumimoji="1" lang="ja-JP" altLang="en-US"/>
           </a:p>
@@ -2997,6 +2997,126 @@
           <a:chExt cx="0" cy="0"/>
         </a:xfrm>
       </p:grpSpPr>
+      <p:pic>
+        <p:nvPicPr>
+          <p:cNvPr id="12" name="図 11" descr="34525537_p1.png"/>
+          <p:cNvPicPr>
+            <a:picLocks noChangeAspect="1"/>
+          </p:cNvPicPr>
+          <p:nvPr userDrawn="1"/>
+        </p:nvPicPr>
+        <p:blipFill>
+          <a:blip r:embed="rId14">
+            <a:extLst>
+              <a:ext uri="{28A0092B-C50C-407E-A947-70E740481C1C}">
+                <a14:useLocalDpi xmlns:a14="http://schemas.microsoft.com/office/drawing/2010/main" val="0"/>
+              </a:ext>
+            </a:extLst>
+          </a:blip>
+          <a:stretch>
+            <a:fillRect/>
+          </a:stretch>
+        </p:blipFill>
+        <p:spPr>
+          <a:xfrm>
+            <a:off x="7818112" y="5591961"/>
+            <a:ext cx="1528777" cy="1528777"/>
+          </a:xfrm>
+          <a:prstGeom prst="rect">
+            <a:avLst/>
+          </a:prstGeom>
+        </p:spPr>
+      </p:pic>
+      <p:pic>
+        <p:nvPicPr>
+          <p:cNvPr id="13" name="図 12" descr="34525537_p1.png"/>
+          <p:cNvPicPr>
+            <a:picLocks noChangeAspect="1"/>
+          </p:cNvPicPr>
+          <p:nvPr userDrawn="1"/>
+        </p:nvPicPr>
+        <p:blipFill>
+          <a:blip r:embed="rId14">
+            <a:extLst>
+              <a:ext uri="{28A0092B-C50C-407E-A947-70E740481C1C}">
+                <a14:useLocalDpi xmlns:a14="http://schemas.microsoft.com/office/drawing/2010/main" val="0"/>
+              </a:ext>
+            </a:extLst>
+          </a:blip>
+          <a:stretch>
+            <a:fillRect/>
+          </a:stretch>
+        </p:blipFill>
+        <p:spPr>
+          <a:xfrm flipH="1">
+            <a:off x="-317668" y="5769014"/>
+            <a:ext cx="1528777" cy="1528777"/>
+          </a:xfrm>
+          <a:prstGeom prst="rect">
+            <a:avLst/>
+          </a:prstGeom>
+        </p:spPr>
+      </p:pic>
+      <p:pic>
+        <p:nvPicPr>
+          <p:cNvPr id="11" name="図 10" descr="34525537_p1.png"/>
+          <p:cNvPicPr>
+            <a:picLocks noChangeAspect="1"/>
+          </p:cNvPicPr>
+          <p:nvPr userDrawn="1"/>
+        </p:nvPicPr>
+        <p:blipFill>
+          <a:blip r:embed="rId14">
+            <a:extLst>
+              <a:ext uri="{28A0092B-C50C-407E-A947-70E740481C1C}">
+                <a14:useLocalDpi xmlns:a14="http://schemas.microsoft.com/office/drawing/2010/main" val="0"/>
+              </a:ext>
+            </a:extLst>
+          </a:blip>
+          <a:stretch>
+            <a:fillRect/>
+          </a:stretch>
+        </p:blipFill>
+        <p:spPr>
+          <a:xfrm flipH="1">
+            <a:off x="7818112" y="-240111"/>
+            <a:ext cx="1528777" cy="1528777"/>
+          </a:xfrm>
+          <a:prstGeom prst="rect">
+            <a:avLst/>
+          </a:prstGeom>
+        </p:spPr>
+      </p:pic>
+      <p:pic>
+        <p:nvPicPr>
+          <p:cNvPr id="10" name="図 9" descr="34525537_p1.png"/>
+          <p:cNvPicPr>
+            <a:picLocks noChangeAspect="1"/>
+          </p:cNvPicPr>
+          <p:nvPr userDrawn="1"/>
+        </p:nvPicPr>
+        <p:blipFill>
+          <a:blip r:embed="rId14">
+            <a:extLst>
+              <a:ext uri="{28A0092B-C50C-407E-A947-70E740481C1C}">
+                <a14:useLocalDpi xmlns:a14="http://schemas.microsoft.com/office/drawing/2010/main" val="0"/>
+              </a:ext>
+            </a:extLst>
+          </a:blip>
+          <a:stretch>
+            <a:fillRect/>
+          </a:stretch>
+        </p:blipFill>
+        <p:spPr>
+          <a:xfrm>
+            <a:off x="-166224" y="-240111"/>
+            <a:ext cx="1528777" cy="1528777"/>
+          </a:xfrm>
+          <a:prstGeom prst="rect">
+            <a:avLst/>
+          </a:prstGeom>
+        </p:spPr>
+      </p:pic>
       <p:sp>
         <p:nvSpPr>
           <p:cNvPr id="2" name="タイトル プレースホルダー 1"/>
@@ -3159,7 +3279,7 @@
           <a:p>
             <a:fld id="{87A20906-838A-FE42-BD73-11DF18A1784C}" type="datetimeFigureOut">
               <a:rPr kumimoji="1" lang="ja-JP" altLang="en-US" smtClean="0"/>
-              <a:t>14/03/02</a:t>
+              <a:t>14/03/09</a:t>
             </a:fld>
             <a:endParaRPr kumimoji="1" lang="ja-JP" altLang="en-US"/>
           </a:p>
@@ -3243,6 +3363,36 @@
           </a:p>
         </p:txBody>
       </p:sp>
+      <p:pic>
+        <p:nvPicPr>
+          <p:cNvPr id="9" name="図 8" descr="30125004_big_p6.png"/>
+          <p:cNvPicPr>
+            <a:picLocks noChangeAspect="1"/>
+          </p:cNvPicPr>
+          <p:nvPr userDrawn="1"/>
+        </p:nvPicPr>
+        <p:blipFill>
+          <a:blip r:embed="rId15">
+            <a:extLst>
+              <a:ext uri="{28A0092B-C50C-407E-A947-70E740481C1C}">
+                <a14:useLocalDpi xmlns:a14="http://schemas.microsoft.com/office/drawing/2010/main" val="0"/>
+              </a:ext>
+            </a:extLst>
+          </a:blip>
+          <a:stretch>
+            <a:fillRect/>
+          </a:stretch>
+        </p:blipFill>
+        <p:spPr>
+          <a:xfrm rot="5400000">
+            <a:off x="1119393" y="-1165434"/>
+            <a:ext cx="6900390" cy="9246524"/>
+          </a:xfrm>
+          <a:prstGeom prst="rect">
+            <a:avLst/>
+          </a:prstGeom>
+        </p:spPr>
+      </p:pic>
     </p:spTree>
     <p:extLst>
       <p:ext uri="{BB962C8B-B14F-4D97-AF65-F5344CB8AC3E}">
@@ -3535,176 +3685,132 @@
           <a:chExt cx="0" cy="0"/>
         </a:xfrm>
       </p:grpSpPr>
-      <p:sp>
-        <p:nvSpPr>
-          <p:cNvPr id="2" name="タイトル 1"/>
-          <p:cNvSpPr>
-            <a:spLocks noGrp="1"/>
-          </p:cNvSpPr>
-          <p:nvPr>
-            <p:ph type="ctrTitle"/>
-          </p:nvPr>
-        </p:nvSpPr>
-        <p:spPr/>
-        <p:txBody>
-          <a:bodyPr>
-            <a:normAutofit/>
-          </a:bodyPr>
-          <a:lstStyle/>
-          <a:p>
-            <a:r>
-              <a:rPr lang="en-US" altLang="ja-JP" dirty="0" smtClean="0"/>
-              <a:t>AWS</a:t>
-            </a:r>
-            <a:r>
-              <a:rPr lang="ja-JP" altLang="en-US" dirty="0" smtClean="0"/>
-              <a:t>料金体系グランドマスター王者決定戦</a:t>
-            </a:r>
-            <a:endParaRPr kumimoji="1" lang="ja-JP" altLang="en-US" dirty="0"/>
-          </a:p>
-        </p:txBody>
-      </p:sp>
-      <p:sp>
-        <p:nvSpPr>
-          <p:cNvPr id="3" name="サブタイトル 2"/>
-          <p:cNvSpPr>
-            <a:spLocks noGrp="1"/>
-          </p:cNvSpPr>
-          <p:nvPr>
-            <p:ph type="subTitle" idx="1"/>
-          </p:nvPr>
-        </p:nvSpPr>
+      <p:pic>
+        <p:nvPicPr>
+          <p:cNvPr id="6" name="図 5" descr="落書き2014030901.png"/>
+          <p:cNvPicPr>
+            <a:picLocks noChangeAspect="1"/>
+          </p:cNvPicPr>
+          <p:nvPr/>
+        </p:nvPicPr>
+        <p:blipFill>
+          <a:blip r:embed="rId2">
+            <a:extLst>
+              <a:ext uri="{28A0092B-C50C-407E-A947-70E740481C1C}">
+                <a14:useLocalDpi xmlns:a14="http://schemas.microsoft.com/office/drawing/2010/main" val="0"/>
+              </a:ext>
+            </a:extLst>
+          </a:blip>
+          <a:stretch>
+            <a:fillRect/>
+          </a:stretch>
+        </p:blipFill>
         <p:spPr>
           <a:xfrm>
-            <a:off x="452307" y="3886200"/>
-            <a:ext cx="8005893" cy="1752600"/>
-          </a:xfrm>
-        </p:spPr>
-        <p:txBody>
-          <a:bodyPr/>
-          <a:lstStyle/>
-          <a:p>
-            <a:r>
-              <a:rPr lang="ja-JP" altLang="en-US" dirty="0" smtClean="0"/>
-              <a:t>九州・沖縄</a:t>
-            </a:r>
-            <a:r>
-              <a:rPr lang="en-US" altLang="ja-JP" dirty="0" smtClean="0"/>
-              <a:t>SAMURAI</a:t>
-            </a:r>
-            <a:r>
-              <a:rPr lang="ja-JP" altLang="en-US" dirty="0" smtClean="0"/>
-              <a:t>ハンズオン</a:t>
-            </a:r>
-            <a:endParaRPr lang="en-US" altLang="ja-JP" dirty="0" smtClean="0"/>
-          </a:p>
-          <a:p>
-            <a:r>
-              <a:rPr lang="ja-JP" altLang="en-US" dirty="0" smtClean="0"/>
-              <a:t>西島</a:t>
-            </a:r>
-            <a:endParaRPr lang="en-US" altLang="ja-JP" dirty="0"/>
-          </a:p>
-          <a:p>
-            <a:r>
-              <a:rPr lang="ja-JP" altLang="en-US" dirty="0" smtClean="0"/>
-              <a:t>小室</a:t>
-            </a:r>
-          </a:p>
-          <a:p>
-            <a:endParaRPr kumimoji="1" lang="ja-JP" altLang="en-US" dirty="0"/>
-          </a:p>
-        </p:txBody>
-      </p:sp>
-      <p:sp>
-        <p:nvSpPr>
-          <p:cNvPr id="5" name="テキスト ボックス 4"/>
-          <p:cNvSpPr txBox="1"/>
-          <p:nvPr/>
-        </p:nvSpPr>
-        <p:spPr>
-          <a:xfrm>
-            <a:off x="8189893" y="34791"/>
-            <a:ext cx="954107" cy="1015663"/>
+            <a:off x="-248773" y="1689131"/>
+            <a:ext cx="9875493" cy="5894572"/>
           </a:xfrm>
           <a:prstGeom prst="rect">
             <a:avLst/>
           </a:prstGeom>
-          <a:noFill/>
         </p:spPr>
-        <p:txBody>
-          <a:bodyPr wrap="none" rtlCol="0">
-            <a:spAutoFit/>
-          </a:bodyPr>
-          <a:lstStyle/>
-          <a:p>
-            <a:r>
-              <a:rPr kumimoji="1" lang="ja-JP" altLang="en-US" sz="6000" dirty="0" smtClean="0">
-                <a:solidFill>
-                  <a:srgbClr val="FF0000"/>
-                </a:solidFill>
-              </a:rPr>
-              <a:t>絵</a:t>
-            </a:r>
-            <a:endParaRPr kumimoji="1" lang="ja-JP" altLang="en-US" sz="6000" dirty="0">
-              <a:solidFill>
-                <a:srgbClr val="FF0000"/>
-              </a:solidFill>
-            </a:endParaRPr>
-          </a:p>
-        </p:txBody>
-      </p:sp>
-      <p:sp>
-        <p:nvSpPr>
-          <p:cNvPr id="7" name="テキスト ボックス 6"/>
-          <p:cNvSpPr txBox="1"/>
-          <p:nvPr/>
+      </p:pic>
+      <p:sp>
+        <p:nvSpPr>
+          <p:cNvPr id="2" name="タイトル 1"/>
+          <p:cNvSpPr>
+            <a:spLocks noGrp="1"/>
+          </p:cNvSpPr>
+          <p:nvPr>
+            <p:ph type="ctrTitle"/>
+          </p:nvPr>
         </p:nvSpPr>
         <p:spPr>
           <a:xfrm>
-            <a:off x="2396065" y="1181162"/>
-            <a:ext cx="4412912" cy="369332"/>
+            <a:off x="685800" y="660400"/>
+            <a:ext cx="7772400" cy="1470025"/>
           </a:xfrm>
-          <a:prstGeom prst="rect">
-            <a:avLst/>
-          </a:prstGeom>
-          <a:noFill/>
         </p:spPr>
         <p:txBody>
-          <a:bodyPr wrap="none" rtlCol="0">
-            <a:spAutoFit/>
+          <a:bodyPr>
+            <a:normAutofit/>
           </a:bodyPr>
           <a:lstStyle/>
           <a:p>
             <a:r>
-              <a:rPr lang="ja-JP" altLang="en-US" dirty="0" smtClean="0">
-                <a:solidFill>
-                  <a:srgbClr val="FF0000"/>
-                </a:solidFill>
-              </a:rPr>
-              <a:t>この資料は後で</a:t>
-            </a:r>
-            <a:r>
-              <a:rPr lang="en-US" altLang="ja-JP" dirty="0" smtClean="0">
-                <a:solidFill>
-                  <a:srgbClr val="FF0000"/>
-                </a:solidFill>
-              </a:rPr>
-              <a:t>keynote</a:t>
-            </a:r>
-            <a:r>
-              <a:rPr lang="ja-JP" altLang="en-US" dirty="0" smtClean="0">
-                <a:solidFill>
-                  <a:srgbClr val="FF0000"/>
-                </a:solidFill>
-              </a:rPr>
-              <a:t>形式に変換する事</a:t>
-            </a:r>
-            <a:endParaRPr kumimoji="1" lang="ja-JP" altLang="en-US" dirty="0">
-              <a:solidFill>
-                <a:srgbClr val="FF0000"/>
-              </a:solidFill>
-            </a:endParaRPr>
+              <a:rPr lang="en-US" altLang="ja-JP" dirty="0" smtClean="0"/>
+              <a:t>AWS</a:t>
+            </a:r>
+            <a:r>
+              <a:rPr lang="ja-JP" altLang="en-US" dirty="0" smtClean="0"/>
+              <a:t>料金体系グランドマスター王者決定戦</a:t>
+            </a:r>
+            <a:endParaRPr kumimoji="1" lang="ja-JP" altLang="en-US" dirty="0"/>
+          </a:p>
+        </p:txBody>
+      </p:sp>
+      <p:sp>
+        <p:nvSpPr>
+          <p:cNvPr id="3" name="サブタイトル 2"/>
+          <p:cNvSpPr>
+            <a:spLocks noGrp="1"/>
+          </p:cNvSpPr>
+          <p:nvPr>
+            <p:ph type="subTitle" idx="1"/>
+          </p:nvPr>
+        </p:nvSpPr>
+        <p:spPr>
+          <a:xfrm>
+            <a:off x="570146" y="2328010"/>
+            <a:ext cx="8005893" cy="1752600"/>
+          </a:xfrm>
+        </p:spPr>
+        <p:txBody>
+          <a:bodyPr>
+            <a:normAutofit fontScale="85000" lnSpcReduction="20000"/>
+          </a:bodyPr>
+          <a:lstStyle/>
+          <a:p>
+            <a:r>
+              <a:rPr lang="ja-JP" altLang="en-US" dirty="0" smtClean="0"/>
+              <a:t>九州・</a:t>
+            </a:r>
+            <a:r>
+              <a:rPr lang="ja-JP" altLang="en-US" dirty="0" smtClean="0"/>
+              <a:t>沖縄</a:t>
+            </a:r>
+            <a:endParaRPr lang="en-US" altLang="ja-JP" dirty="0" smtClean="0"/>
+          </a:p>
+          <a:p>
+            <a:r>
+              <a:rPr lang="en-US" altLang="ja-JP" dirty="0" smtClean="0"/>
+              <a:t>AWS </a:t>
+            </a:r>
+            <a:r>
+              <a:rPr lang="en-US" altLang="ja-JP" dirty="0" smtClean="0"/>
+              <a:t>SAMURAI</a:t>
+            </a:r>
+            <a:r>
+              <a:rPr lang="ja-JP" altLang="en-US" dirty="0" smtClean="0"/>
+              <a:t>ハンズオン</a:t>
+            </a:r>
+            <a:endParaRPr lang="en-US" altLang="ja-JP" dirty="0" smtClean="0"/>
+          </a:p>
+          <a:p>
+            <a:r>
+              <a:rPr lang="ja-JP" altLang="en-US" dirty="0" smtClean="0"/>
+              <a:t>西島</a:t>
+            </a:r>
+            <a:endParaRPr lang="en-US" altLang="ja-JP" dirty="0"/>
+          </a:p>
+          <a:p>
+            <a:r>
+              <a:rPr lang="ja-JP" altLang="en-US" dirty="0" smtClean="0"/>
+              <a:t>小室</a:t>
+            </a:r>
+          </a:p>
+          <a:p>
+            <a:endParaRPr kumimoji="1" lang="ja-JP" altLang="en-US" dirty="0"/>
           </a:p>
         </p:txBody>
       </p:sp>
@@ -3718,6 +3824,13 @@
   <p:clrMapOvr>
     <a:masterClrMapping/>
   </p:clrMapOvr>
+  <p:timing>
+    <p:tnLst>
+      <p:par>
+        <p:cTn xmlns:p14="http://schemas.microsoft.com/office/powerpoint/2010/main" id="1" dur="indefinite" restart="never" nodeType="tmRoot"/>
+      </p:par>
+    </p:tnLst>
+  </p:timing>
 </p:sld>
 </file>
 
@@ -4302,8 +4415,8 @@
         </p:blipFill>
         <p:spPr>
           <a:xfrm>
-            <a:off x="0" y="750506"/>
-            <a:ext cx="9144000" cy="4967440"/>
+            <a:off x="602291" y="1571796"/>
+            <a:ext cx="7921418" cy="4303277"/>
           </a:xfrm>
           <a:prstGeom prst="rect">
             <a:avLst/>
@@ -4385,8 +4498,8 @@
         </p:blipFill>
         <p:spPr>
           <a:xfrm>
-            <a:off x="133684" y="177800"/>
-            <a:ext cx="8756316" cy="6523828"/>
+            <a:off x="303896" y="419866"/>
+            <a:ext cx="8115065" cy="6046069"/>
           </a:xfrm>
           <a:prstGeom prst="rect">
             <a:avLst/>
@@ -4468,8 +4581,8 @@
         </p:blipFill>
         <p:spPr>
           <a:xfrm>
-            <a:off x="0" y="1273202"/>
-            <a:ext cx="9144000" cy="4733879"/>
+            <a:off x="589197" y="1609901"/>
+            <a:ext cx="8013070" cy="4148393"/>
           </a:xfrm>
           <a:prstGeom prst="rect">
             <a:avLst/>
@@ -4684,11 +4797,7 @@
             </a:r>
             <a:r>
               <a:rPr lang="ja-JP" altLang="en-US" dirty="0" smtClean="0"/>
-              <a:t>日</a:t>
-            </a:r>
-            <a:r>
-              <a:rPr lang="ja-JP" altLang="en-US" dirty="0" smtClean="0"/>
-              <a:t>とします</a:t>
+              <a:t>日とします</a:t>
             </a:r>
             <a:endParaRPr lang="en-US" altLang="ja-JP" dirty="0" smtClean="0"/>
           </a:p>
@@ -4894,6 +5003,13 @@
   <p:clrMapOvr>
     <a:masterClrMapping/>
   </p:clrMapOvr>
+  <p:timing>
+    <p:tnLst>
+      <p:par>
+        <p:cTn xmlns:p14="http://schemas.microsoft.com/office/powerpoint/2010/main" id="1" dur="indefinite" restart="never" nodeType="tmRoot"/>
+      </p:par>
+    </p:tnLst>
+  </p:timing>
 </p:sld>
 </file>
 
@@ -5514,56 +5630,44 @@
             </a:br>
             <a:r>
               <a:rPr lang="ja-JP" altLang="en-US" dirty="0" smtClean="0"/>
-              <a:t>（スナップショット</a:t>
-            </a:r>
+              <a:t>（スナップショットなし）</a:t>
+            </a:r>
+          </a:p>
+          <a:p>
             <a:r>
               <a:rPr lang="ja-JP" altLang="en-US" dirty="0" smtClean="0"/>
-              <a:t>なし</a:t>
+              <a:t>ファイル数は </a:t>
+            </a:r>
+            <a:r>
+              <a:rPr lang="en-US" altLang="ja-JP" dirty="0" smtClean="0"/>
+              <a:t>1610</a:t>
+            </a:r>
+            <a:r>
+              <a:rPr lang="ja-JP" altLang="en-US" dirty="0" smtClean="0"/>
+              <a:t>ファイル（</a:t>
+            </a:r>
+            <a:r>
+              <a:rPr lang="en-US" altLang="ja-JP" dirty="0" smtClean="0"/>
+              <a:t>HTML 100 / CSS 10 / </a:t>
+            </a:r>
+            <a:r>
+              <a:rPr lang="ja-JP" altLang="en-US" dirty="0" smtClean="0"/>
+              <a:t>画像その他 </a:t>
+            </a:r>
+            <a:r>
+              <a:rPr lang="en-US" altLang="ja-JP" dirty="0" smtClean="0"/>
+              <a:t>1500</a:t>
             </a:r>
             <a:r>
               <a:rPr lang="ja-JP" altLang="en-US" dirty="0" smtClean="0"/>
               <a:t>）</a:t>
             </a:r>
+            <a:endParaRPr lang="en-US" altLang="ja-JP" dirty="0" smtClean="0"/>
           </a:p>
           <a:p>
             <a:r>
               <a:rPr lang="ja-JP" altLang="en-US" dirty="0" smtClean="0"/>
-              <a:t>ファイル数は </a:t>
-            </a:r>
-            <a:r>
-              <a:rPr lang="en-US" altLang="ja-JP" dirty="0" smtClean="0"/>
-              <a:t>1610</a:t>
-            </a:r>
-            <a:r>
-              <a:rPr lang="ja-JP" altLang="en-US" dirty="0" smtClean="0"/>
-              <a:t>ファイル（</a:t>
-            </a:r>
-            <a:r>
-              <a:rPr lang="en-US" altLang="ja-JP" dirty="0" smtClean="0"/>
-              <a:t>HTML 100 / CSS 10 / </a:t>
-            </a:r>
-            <a:r>
-              <a:rPr lang="ja-JP" altLang="en-US" dirty="0" smtClean="0"/>
-              <a:t>画像その他 </a:t>
-            </a:r>
-            <a:r>
-              <a:rPr lang="en-US" altLang="ja-JP" dirty="0" smtClean="0"/>
-              <a:t>1500</a:t>
-            </a:r>
-            <a:r>
-              <a:rPr lang="ja-JP" altLang="en-US" dirty="0" smtClean="0"/>
-              <a:t>）</a:t>
-            </a:r>
-            <a:endParaRPr lang="en-US" altLang="ja-JP" dirty="0" smtClean="0"/>
-          </a:p>
-          <a:p>
-            <a:r>
-              <a:rPr lang="ja-JP" altLang="en-US" dirty="0" smtClean="0"/>
-              <a:t>アクセス数は</a:t>
-            </a:r>
-            <a:r>
-              <a:rPr lang="ja-JP" altLang="en-US" dirty="0" smtClean="0"/>
-              <a:t>月</a:t>
+              <a:t>アクセス数は月</a:t>
             </a:r>
             <a:r>
               <a:rPr lang="en-US" altLang="ja-JP" dirty="0" smtClean="0"/>
@@ -6226,6 +6330,13 @@
   <p:clrMapOvr>
     <a:masterClrMapping/>
   </p:clrMapOvr>
+  <p:timing>
+    <p:tnLst>
+      <p:par>
+        <p:cTn xmlns:p14="http://schemas.microsoft.com/office/powerpoint/2010/main" id="1" dur="indefinite" restart="never" nodeType="tmRoot"/>
+      </p:par>
+    </p:tnLst>
+  </p:timing>
 </p:sld>
 </file>
 
@@ -6276,55 +6387,82 @@
             <a:spLocks noGrp="1"/>
           </p:cNvSpPr>
           <p:nvPr>
-            <p:ph idx="1"/>
+            <p:ph sz="half" idx="1"/>
           </p:nvPr>
         </p:nvSpPr>
         <p:spPr/>
         <p:txBody>
-          <a:bodyPr/>
-          <a:lstStyle/>
-          <a:p>
-            <a:r>
-              <a:rPr kumimoji="1" lang="en-US" altLang="ja-JP" dirty="0" smtClean="0"/>
+          <a:bodyPr>
+            <a:normAutofit/>
+          </a:bodyPr>
+          <a:lstStyle/>
+          <a:p>
+            <a:r>
+              <a:rPr kumimoji="1" lang="en-US" altLang="ja-JP" sz="4800" dirty="0" smtClean="0"/>
               <a:t>EC2</a:t>
             </a:r>
           </a:p>
           <a:p>
             <a:r>
-              <a:rPr lang="en-US" altLang="ja-JP" dirty="0" smtClean="0"/>
+              <a:rPr lang="en-US" altLang="ja-JP" sz="4800" dirty="0" smtClean="0"/>
               <a:t>S3</a:t>
             </a:r>
           </a:p>
           <a:p>
             <a:r>
-              <a:rPr kumimoji="1" lang="en-US" altLang="ja-JP" dirty="0" smtClean="0"/>
+              <a:rPr kumimoji="1" lang="en-US" altLang="ja-JP" sz="4800" dirty="0" smtClean="0"/>
               <a:t>EBS</a:t>
             </a:r>
-          </a:p>
-          <a:p>
-            <a:r>
-              <a:rPr lang="en-US" altLang="ja-JP" dirty="0" smtClean="0"/>
+            <a:endParaRPr kumimoji="1" lang="en-US" altLang="ja-JP" sz="4800" dirty="0" smtClean="0"/>
+          </a:p>
+        </p:txBody>
+      </p:sp>
+      <p:sp>
+        <p:nvSpPr>
+          <p:cNvPr id="4" name="コンテンツ プレースホルダー 3"/>
+          <p:cNvSpPr>
+            <a:spLocks noGrp="1"/>
+          </p:cNvSpPr>
+          <p:nvPr>
+            <p:ph sz="half" idx="2"/>
+          </p:nvPr>
+        </p:nvSpPr>
+        <p:spPr/>
+        <p:txBody>
+          <a:bodyPr>
+            <a:normAutofit/>
+          </a:bodyPr>
+          <a:lstStyle/>
+          <a:p>
+            <a:r>
+              <a:rPr lang="en-US" altLang="ja-JP" sz="4800" dirty="0"/>
               <a:t>Route53</a:t>
             </a:r>
           </a:p>
           <a:p>
             <a:r>
-              <a:rPr kumimoji="1" lang="en-US" altLang="ja-JP" dirty="0" smtClean="0"/>
+              <a:rPr lang="en-US" altLang="ja-JP" sz="4800" dirty="0"/>
               <a:t>RDS</a:t>
             </a:r>
           </a:p>
           <a:p>
             <a:r>
-              <a:rPr lang="en-US" altLang="ja-JP" dirty="0" smtClean="0"/>
+              <a:rPr lang="en-US" altLang="ja-JP" sz="4800" dirty="0"/>
               <a:t>ELB</a:t>
             </a:r>
           </a:p>
           <a:p>
             <a:r>
-              <a:rPr kumimoji="1" lang="en-US" altLang="ja-JP" dirty="0" smtClean="0"/>
+              <a:rPr lang="en-US" altLang="ja-JP" sz="4800" dirty="0"/>
               <a:t>EIP</a:t>
             </a:r>
-            <a:endParaRPr kumimoji="1" lang="ja-JP" altLang="en-US" dirty="0"/>
+            <a:endParaRPr lang="ja-JP" altLang="en-US" sz="4800" dirty="0"/>
+          </a:p>
+          <a:p>
+            <a:pPr marL="0" indent="0">
+              <a:buNone/>
+            </a:pPr>
+            <a:endParaRPr kumimoji="1" lang="ja-JP" altLang="en-US" sz="4800" dirty="0"/>
           </a:p>
         </p:txBody>
       </p:sp>
@@ -6383,50 +6521,42 @@
             </a:r>
             <a:r>
               <a:rPr lang="ja-JP" altLang="en-US" dirty="0" smtClean="0"/>
-              <a:t>料金体系</a:t>
-            </a:r>
-            <a:r>
-              <a:rPr lang="ja-JP" altLang="en-US" dirty="0" smtClean="0"/>
-              <a:t>について</a:t>
+              <a:t>料金体系について</a:t>
             </a:r>
             <a:endParaRPr kumimoji="1" lang="ja-JP" altLang="en-US" dirty="0"/>
           </a:p>
         </p:txBody>
       </p:sp>
-      <p:sp>
-        <p:nvSpPr>
-          <p:cNvPr id="3" name="コンテンツ プレースホルダー 2"/>
-          <p:cNvSpPr>
-            <a:spLocks noGrp="1"/>
-          </p:cNvSpPr>
-          <p:nvPr>
-            <p:ph idx="1"/>
-          </p:nvPr>
-        </p:nvSpPr>
-        <p:spPr/>
-        <p:txBody>
-          <a:bodyPr/>
-          <a:lstStyle/>
-          <a:p>
-            <a:r>
-              <a:rPr kumimoji="1" lang="en-US" altLang="ja-JP" dirty="0" smtClean="0"/>
-              <a:t>PDF</a:t>
-            </a:r>
-            <a:r>
-              <a:rPr kumimoji="1" lang="ja-JP" altLang="en-US" dirty="0" smtClean="0"/>
-              <a:t>の図を差し込む</a:t>
-            </a:r>
-            <a:endParaRPr kumimoji="1" lang="en-US" altLang="ja-JP" dirty="0" smtClean="0"/>
-          </a:p>
-          <a:p>
-            <a:r>
-              <a:rPr lang="ja-JP" altLang="en-US" dirty="0" smtClean="0"/>
-              <a:t>必要であればページをわけても良い</a:t>
-            </a:r>
-            <a:endParaRPr kumimoji="1" lang="ja-JP" altLang="en-US" dirty="0"/>
-          </a:p>
-        </p:txBody>
-      </p:sp>
+      <p:pic>
+        <p:nvPicPr>
+          <p:cNvPr id="6" name="図 5" descr="スクリーンショット 2014-03-09 7.08.53.png"/>
+          <p:cNvPicPr>
+            <a:picLocks noChangeAspect="1"/>
+          </p:cNvPicPr>
+          <p:nvPr/>
+        </p:nvPicPr>
+        <p:blipFill>
+          <a:blip r:embed="rId2">
+            <a:extLst>
+              <a:ext uri="{28A0092B-C50C-407E-A947-70E740481C1C}">
+                <a14:useLocalDpi xmlns:a14="http://schemas.microsoft.com/office/drawing/2010/main" val="0"/>
+              </a:ext>
+            </a:extLst>
+          </a:blip>
+          <a:stretch>
+            <a:fillRect/>
+          </a:stretch>
+        </p:blipFill>
+        <p:spPr>
+          <a:xfrm>
+            <a:off x="1220360" y="1417637"/>
+            <a:ext cx="6596312" cy="4991585"/>
+          </a:xfrm>
+          <a:prstGeom prst="rect">
+            <a:avLst/>
+          </a:prstGeom>
+        </p:spPr>
+      </p:pic>
     </p:spTree>
     <p:extLst>
       <p:ext uri="{BB962C8B-B14F-4D97-AF65-F5344CB8AC3E}">

--- a/slide/AWS料金体系グランドマスター王者決定戦.pptx
+++ b/slide/AWS料金体系グランドマスター王者決定戦.pptx
@@ -10,23 +10,30 @@
     <p:sldId id="260" r:id="rId4"/>
     <p:sldId id="262" r:id="rId5"/>
     <p:sldId id="261" r:id="rId6"/>
-    <p:sldId id="263" r:id="rId7"/>
-    <p:sldId id="264" r:id="rId8"/>
-    <p:sldId id="265" r:id="rId9"/>
-    <p:sldId id="266" r:id="rId10"/>
-    <p:sldId id="267" r:id="rId11"/>
-    <p:sldId id="268" r:id="rId12"/>
-    <p:sldId id="269" r:id="rId13"/>
-    <p:sldId id="270" r:id="rId14"/>
+    <p:sldId id="280" r:id="rId7"/>
+    <p:sldId id="272" r:id="rId8"/>
+    <p:sldId id="268" r:id="rId9"/>
+    <p:sldId id="281" r:id="rId10"/>
+    <p:sldId id="263" r:id="rId11"/>
+    <p:sldId id="269" r:id="rId12"/>
+    <p:sldId id="284" r:id="rId13"/>
+    <p:sldId id="282" r:id="rId14"/>
     <p:sldId id="271" r:id="rId15"/>
-    <p:sldId id="272" r:id="rId16"/>
-    <p:sldId id="273" r:id="rId17"/>
-    <p:sldId id="274" r:id="rId18"/>
-    <p:sldId id="275" r:id="rId19"/>
-    <p:sldId id="279" r:id="rId20"/>
-    <p:sldId id="276" r:id="rId21"/>
-    <p:sldId id="277" r:id="rId22"/>
-    <p:sldId id="278" r:id="rId23"/>
+    <p:sldId id="273" r:id="rId16"/>
+    <p:sldId id="274" r:id="rId17"/>
+    <p:sldId id="264" r:id="rId18"/>
+    <p:sldId id="270" r:id="rId19"/>
+    <p:sldId id="283" r:id="rId20"/>
+    <p:sldId id="265" r:id="rId21"/>
+    <p:sldId id="266" r:id="rId22"/>
+    <p:sldId id="267" r:id="rId23"/>
+    <p:sldId id="285" r:id="rId24"/>
+    <p:sldId id="275" r:id="rId25"/>
+    <p:sldId id="279" r:id="rId26"/>
+    <p:sldId id="276" r:id="rId27"/>
+    <p:sldId id="277" r:id="rId28"/>
+    <p:sldId id="278" r:id="rId29"/>
+    <p:sldId id="286" r:id="rId30"/>
   </p:sldIdLst>
   <p:sldSz cx="9144000" cy="6858000" type="screen4x3"/>
   <p:notesSz cx="6858000" cy="9144000"/>
@@ -1268,17 +1275,23 @@
         </p:nvSpPr>
         <p:spPr>
           <a:xfrm>
-            <a:off x="7618453" y="0"/>
-            <a:ext cx="1525547" cy="1143000"/>
+            <a:off x="4923923" y="131798"/>
+            <a:ext cx="4220077" cy="850698"/>
           </a:xfrm>
         </p:spPr>
         <p:txBody>
-          <a:bodyPr/>
+          <a:bodyPr>
+            <a:normAutofit/>
+          </a:bodyPr>
           <a:lstStyle>
             <a:lvl1pPr>
-              <a:defRPr u="sng">
-                <a:latin typeface="Abadi MT Condensed Extra Bold"/>
-                <a:cs typeface="Abadi MT Condensed Extra Bold"/>
+              <a:defRPr sz="2000" u="sng">
+                <a:solidFill>
+                  <a:schemeClr val="tx1"/>
+                </a:solidFill>
+                <a:latin typeface="ヒラギノ角ゴ StdN W8"/>
+                <a:ea typeface="ヒラギノ角ゴ StdN W8"/>
+                <a:cs typeface="ヒラギノ角ゴ StdN W8"/>
               </a:defRPr>
             </a:lvl1pPr>
           </a:lstStyle>
@@ -3273,15 +3286,19 @@
                     <a:tint val="75000"/>
                   </a:schemeClr>
                 </a:solidFill>
+                <a:latin typeface="ＤＦＰ太丸ゴシック体"/>
+                <a:ea typeface="ＤＦＰ太丸ゴシック体"/>
+                <a:cs typeface="ＤＦＰ太丸ゴシック体"/>
               </a:defRPr>
             </a:lvl1pPr>
           </a:lstStyle>
           <a:p>
             <a:fld id="{87A20906-838A-FE42-BD73-11DF18A1784C}" type="datetimeFigureOut">
-              <a:rPr kumimoji="1" lang="ja-JP" altLang="en-US" smtClean="0"/>
+              <a:rPr lang="ja-JP" altLang="en-US" smtClean="0"/>
+              <a:pPr/>
               <a:t>14/03/09</a:t>
             </a:fld>
-            <a:endParaRPr kumimoji="1" lang="ja-JP" altLang="en-US"/>
+            <a:endParaRPr lang="ja-JP" altLang="en-US"/>
           </a:p>
         </p:txBody>
       </p:sp>
@@ -3314,11 +3331,14 @@
                     <a:tint val="75000"/>
                   </a:schemeClr>
                 </a:solidFill>
+                <a:latin typeface="ＤＦＰ太丸ゴシック体"/>
+                <a:ea typeface="ＤＦＰ太丸ゴシック体"/>
+                <a:cs typeface="ＤＦＰ太丸ゴシック体"/>
               </a:defRPr>
             </a:lvl1pPr>
           </a:lstStyle>
           <a:p>
-            <a:endParaRPr kumimoji="1" lang="ja-JP" altLang="en-US"/>
+            <a:endParaRPr lang="ja-JP" altLang="en-US"/>
           </a:p>
         </p:txBody>
       </p:sp>
@@ -3351,15 +3371,19 @@
                     <a:tint val="75000"/>
                   </a:schemeClr>
                 </a:solidFill>
+                <a:latin typeface="ＤＦＰ太丸ゴシック体"/>
+                <a:ea typeface="ＤＦＰ太丸ゴシック体"/>
+                <a:cs typeface="ＤＦＰ太丸ゴシック体"/>
               </a:defRPr>
             </a:lvl1pPr>
           </a:lstStyle>
           <a:p>
             <a:fld id="{F0843E3D-E030-F24A-9B31-D0EA2C0E32A1}" type="slidenum">
-              <a:rPr kumimoji="1" lang="ja-JP" altLang="en-US" smtClean="0"/>
+              <a:rPr lang="ja-JP" altLang="en-US" smtClean="0"/>
+              <a:pPr/>
               <a:t>‹#›</a:t>
             </a:fld>
-            <a:endParaRPr kumimoji="1" lang="ja-JP" altLang="en-US"/>
+            <a:endParaRPr lang="ja-JP" altLang="en-US"/>
           </a:p>
         </p:txBody>
       </p:sp>
@@ -3426,9 +3450,9 @@
           <a:solidFill>
             <a:schemeClr val="tx1"/>
           </a:solidFill>
-          <a:latin typeface="+mj-lt"/>
-          <a:ea typeface="+mj-ea"/>
-          <a:cs typeface="+mj-cs"/>
+          <a:latin typeface="ＤＦＰ太丸ゴシック体"/>
+          <a:ea typeface="ＤＦＰ太丸ゴシック体"/>
+          <a:cs typeface="ＤＦＰ太丸ゴシック体"/>
         </a:defRPr>
       </a:lvl1pPr>
     </p:titleStyle>
@@ -3443,9 +3467,9 @@
           <a:solidFill>
             <a:schemeClr val="tx1"/>
           </a:solidFill>
-          <a:latin typeface="+mn-lt"/>
-          <a:ea typeface="+mn-ea"/>
-          <a:cs typeface="+mn-cs"/>
+          <a:latin typeface="ＤＦＰ太丸ゴシック体"/>
+          <a:ea typeface="ＤＦＰ太丸ゴシック体"/>
+          <a:cs typeface="ＤＦＰ太丸ゴシック体"/>
         </a:defRPr>
       </a:lvl1pPr>
       <a:lvl2pPr marL="742950" indent="-285750" algn="l" defTabSz="457200" rtl="0" eaLnBrk="1" latinLnBrk="0" hangingPunct="1">
@@ -3458,9 +3482,9 @@
           <a:solidFill>
             <a:schemeClr val="tx1"/>
           </a:solidFill>
-          <a:latin typeface="+mn-lt"/>
-          <a:ea typeface="+mn-ea"/>
-          <a:cs typeface="+mn-cs"/>
+          <a:latin typeface="ＤＦＰ太丸ゴシック体"/>
+          <a:ea typeface="ＤＦＰ太丸ゴシック体"/>
+          <a:cs typeface="ＤＦＰ太丸ゴシック体"/>
         </a:defRPr>
       </a:lvl2pPr>
       <a:lvl3pPr marL="1143000" indent="-228600" algn="l" defTabSz="457200" rtl="0" eaLnBrk="1" latinLnBrk="0" hangingPunct="1">
@@ -3473,9 +3497,9 @@
           <a:solidFill>
             <a:schemeClr val="tx1"/>
           </a:solidFill>
-          <a:latin typeface="+mn-lt"/>
-          <a:ea typeface="+mn-ea"/>
-          <a:cs typeface="+mn-cs"/>
+          <a:latin typeface="ＤＦＰ太丸ゴシック体"/>
+          <a:ea typeface="ＤＦＰ太丸ゴシック体"/>
+          <a:cs typeface="ＤＦＰ太丸ゴシック体"/>
         </a:defRPr>
       </a:lvl3pPr>
       <a:lvl4pPr marL="1600200" indent="-228600" algn="l" defTabSz="457200" rtl="0" eaLnBrk="1" latinLnBrk="0" hangingPunct="1">
@@ -3488,9 +3512,9 @@
           <a:solidFill>
             <a:schemeClr val="tx1"/>
           </a:solidFill>
-          <a:latin typeface="+mn-lt"/>
-          <a:ea typeface="+mn-ea"/>
-          <a:cs typeface="+mn-cs"/>
+          <a:latin typeface="ＤＦＰ太丸ゴシック体"/>
+          <a:ea typeface="ＤＦＰ太丸ゴシック体"/>
+          <a:cs typeface="ＤＦＰ太丸ゴシック体"/>
         </a:defRPr>
       </a:lvl4pPr>
       <a:lvl5pPr marL="2057400" indent="-228600" algn="l" defTabSz="457200" rtl="0" eaLnBrk="1" latinLnBrk="0" hangingPunct="1">
@@ -3503,9 +3527,9 @@
           <a:solidFill>
             <a:schemeClr val="tx1"/>
           </a:solidFill>
-          <a:latin typeface="+mn-lt"/>
-          <a:ea typeface="+mn-ea"/>
-          <a:cs typeface="+mn-cs"/>
+          <a:latin typeface="ＤＦＰ太丸ゴシック体"/>
+          <a:ea typeface="ＤＦＰ太丸ゴシック体"/>
+          <a:cs typeface="ＤＦＰ太丸ゴシック体"/>
         </a:defRPr>
       </a:lvl5pPr>
       <a:lvl6pPr marL="2514600" indent="-228600" algn="l" defTabSz="457200" rtl="0" eaLnBrk="1" latinLnBrk="0" hangingPunct="1">
@@ -3687,7 +3711,7 @@
       </p:grpSpPr>
       <p:pic>
         <p:nvPicPr>
-          <p:cNvPr id="6" name="図 5" descr="落書き2014030901.png"/>
+          <p:cNvPr id="4" name="図 3" descr="落書き2014030901.png"/>
           <p:cNvPicPr>
             <a:picLocks noChangeAspect="1"/>
           </p:cNvPicPr>
@@ -3695,6 +3719,7 @@
         </p:nvPicPr>
         <p:blipFill>
           <a:blip r:embed="rId2">
+            <a:alphaModFix amt="70000"/>
             <a:extLst>
               <a:ext uri="{28A0092B-C50C-407E-A947-70E740481C1C}">
                 <a14:useLocalDpi xmlns:a14="http://schemas.microsoft.com/office/drawing/2010/main" val="0"/>
@@ -3707,8 +3732,8 @@
         </p:blipFill>
         <p:spPr>
           <a:xfrm>
-            <a:off x="-248773" y="1689131"/>
-            <a:ext cx="9875493" cy="5894572"/>
+            <a:off x="-432077" y="1361780"/>
+            <a:ext cx="10107536" cy="6033076"/>
           </a:xfrm>
           <a:prstGeom prst="rect">
             <a:avLst/>
@@ -3727,8 +3752,8 @@
         </p:nvSpPr>
         <p:spPr>
           <a:xfrm>
-            <a:off x="685800" y="660400"/>
-            <a:ext cx="7772400" cy="1470025"/>
+            <a:off x="685800" y="340446"/>
+            <a:ext cx="7772400" cy="3522294"/>
           </a:xfrm>
         </p:spPr>
         <p:txBody>
@@ -3738,14 +3763,88 @@
           <a:lstStyle/>
           <a:p>
             <a:r>
-              <a:rPr lang="en-US" altLang="ja-JP" dirty="0" smtClean="0"/>
+              <a:rPr lang="en-US" altLang="ja-JP" sz="6000" dirty="0" smtClean="0">
+                <a:latin typeface="ＤＦＰ太丸ゴシック体"/>
+                <a:ea typeface="ＤＦＰ太丸ゴシック体"/>
+                <a:cs typeface="ＤＦＰ太丸ゴシック体"/>
+              </a:rPr>
               <a:t>AWS</a:t>
             </a:r>
             <a:r>
-              <a:rPr lang="ja-JP" altLang="en-US" dirty="0" smtClean="0"/>
-              <a:t>料金体系グランドマスター王者決定戦</a:t>
-            </a:r>
-            <a:endParaRPr kumimoji="1" lang="ja-JP" altLang="en-US" dirty="0"/>
+              <a:rPr lang="ja-JP" altLang="en-US" sz="6000" dirty="0" smtClean="0">
+                <a:latin typeface="ＤＦＰ太丸ゴシック体"/>
+                <a:ea typeface="ＤＦＰ太丸ゴシック体"/>
+                <a:cs typeface="ＤＦＰ太丸ゴシック体"/>
+              </a:rPr>
+              <a:t>料金</a:t>
+            </a:r>
+            <a:r>
+              <a:rPr lang="ja-JP" altLang="en-US" sz="6000" dirty="0" smtClean="0">
+                <a:latin typeface="ＤＦＰ太丸ゴシック体"/>
+                <a:ea typeface="ＤＦＰ太丸ゴシック体"/>
+                <a:cs typeface="ＤＦＰ太丸ゴシック体"/>
+              </a:rPr>
+              <a:t>体系</a:t>
+            </a:r>
+            <a:r>
+              <a:rPr lang="en-US" altLang="ja-JP" sz="6000" dirty="0" smtClean="0">
+                <a:latin typeface="ＤＦＰ太丸ゴシック体"/>
+                <a:ea typeface="ＤＦＰ太丸ゴシック体"/>
+                <a:cs typeface="ＤＦＰ太丸ゴシック体"/>
+              </a:rPr>
+              <a:t/>
+            </a:r>
+            <a:br>
+              <a:rPr lang="en-US" altLang="ja-JP" sz="6000" dirty="0" smtClean="0">
+                <a:latin typeface="ＤＦＰ太丸ゴシック体"/>
+                <a:ea typeface="ＤＦＰ太丸ゴシック体"/>
+                <a:cs typeface="ＤＦＰ太丸ゴシック体"/>
+              </a:rPr>
+            </a:br>
+            <a:r>
+              <a:rPr lang="ja-JP" altLang="en-US" sz="6000" dirty="0" smtClean="0">
+                <a:latin typeface="ＤＦＰ太丸ゴシック体"/>
+                <a:ea typeface="ＤＦＰ太丸ゴシック体"/>
+                <a:cs typeface="ＤＦＰ太丸ゴシック体"/>
+              </a:rPr>
+              <a:t>グランドマスター</a:t>
+            </a:r>
+            <a:r>
+              <a:rPr lang="en-US" altLang="ja-JP" sz="6000" dirty="0" smtClean="0">
+                <a:latin typeface="ＤＦＰ太丸ゴシック体"/>
+                <a:ea typeface="ＤＦＰ太丸ゴシック体"/>
+                <a:cs typeface="ＤＦＰ太丸ゴシック体"/>
+              </a:rPr>
+              <a:t/>
+            </a:r>
+            <a:br>
+              <a:rPr lang="en-US" altLang="ja-JP" sz="6000" dirty="0" smtClean="0">
+                <a:latin typeface="ＤＦＰ太丸ゴシック体"/>
+                <a:ea typeface="ＤＦＰ太丸ゴシック体"/>
+                <a:cs typeface="ＤＦＰ太丸ゴシック体"/>
+              </a:rPr>
+            </a:br>
+            <a:r>
+              <a:rPr lang="ja-JP" altLang="en-US" sz="6000" dirty="0" smtClean="0">
+                <a:latin typeface="ＤＦＰ太丸ゴシック体"/>
+                <a:ea typeface="ＤＦＰ太丸ゴシック体"/>
+                <a:cs typeface="ＤＦＰ太丸ゴシック体"/>
+              </a:rPr>
+              <a:t>王者</a:t>
+            </a:r>
+            <a:r>
+              <a:rPr lang="ja-JP" altLang="en-US" sz="6000" dirty="0" smtClean="0">
+                <a:latin typeface="ＤＦＰ太丸ゴシック体"/>
+                <a:ea typeface="ＤＦＰ太丸ゴシック体"/>
+                <a:cs typeface="ＤＦＰ太丸ゴシック体"/>
+              </a:rPr>
+              <a:t>決定戦</a:t>
+            </a:r>
+            <a:endParaRPr kumimoji="1" lang="ja-JP" altLang="en-US" sz="6000" dirty="0">
+              <a:latin typeface="ＤＦＰ太丸ゴシック体"/>
+              <a:ea typeface="ＤＦＰ太丸ゴシック体"/>
+              <a:cs typeface="ＤＦＰ太丸ゴシック体"/>
+            </a:endParaRPr>
           </a:p>
         </p:txBody>
       </p:sp>
@@ -3761,7 +3860,7 @@
         </p:nvSpPr>
         <p:spPr>
           <a:xfrm>
-            <a:off x="570146" y="2328010"/>
+            <a:off x="570146" y="4462337"/>
             <a:ext cx="8005893" cy="1752600"/>
           </a:xfrm>
         </p:spPr>
@@ -3772,45 +3871,114 @@
           <a:lstStyle/>
           <a:p>
             <a:r>
-              <a:rPr lang="ja-JP" altLang="en-US" dirty="0" smtClean="0"/>
+              <a:rPr lang="ja-JP" altLang="en-US" dirty="0" smtClean="0">
+                <a:solidFill>
+                  <a:schemeClr val="tx1"/>
+                </a:solidFill>
+                <a:latin typeface="ＤＦＰ太丸ゴシック体"/>
+                <a:ea typeface="ＤＦＰ太丸ゴシック体"/>
+                <a:cs typeface="ＤＦＰ太丸ゴシック体"/>
+              </a:rPr>
               <a:t>九州・</a:t>
             </a:r>
             <a:r>
-              <a:rPr lang="ja-JP" altLang="en-US" dirty="0" smtClean="0"/>
+              <a:rPr lang="ja-JP" altLang="en-US" dirty="0" smtClean="0">
+                <a:solidFill>
+                  <a:schemeClr val="tx1"/>
+                </a:solidFill>
+                <a:latin typeface="ＤＦＰ太丸ゴシック体"/>
+                <a:ea typeface="ＤＦＰ太丸ゴシック体"/>
+                <a:cs typeface="ＤＦＰ太丸ゴシック体"/>
+              </a:rPr>
               <a:t>沖縄</a:t>
             </a:r>
-            <a:endParaRPr lang="en-US" altLang="ja-JP" dirty="0" smtClean="0"/>
-          </a:p>
-          <a:p>
-            <a:r>
-              <a:rPr lang="en-US" altLang="ja-JP" dirty="0" smtClean="0"/>
-              <a:t>AWS </a:t>
-            </a:r>
-            <a:r>
-              <a:rPr lang="en-US" altLang="ja-JP" dirty="0" smtClean="0"/>
-              <a:t>SAMURAI</a:t>
-            </a:r>
-            <a:r>
-              <a:rPr lang="ja-JP" altLang="en-US" dirty="0" smtClean="0"/>
+            <a:r>
+              <a:rPr lang="en-US" altLang="ja-JP" dirty="0" smtClean="0">
+                <a:solidFill>
+                  <a:schemeClr val="tx1"/>
+                </a:solidFill>
+                <a:latin typeface="ＤＦＰ太丸ゴシック体"/>
+                <a:ea typeface="ＤＦＰ太丸ゴシック体"/>
+                <a:cs typeface="ＤＦＰ太丸ゴシック体"/>
+              </a:rPr>
+              <a:t> </a:t>
+            </a:r>
+            <a:r>
+              <a:rPr lang="en-US" altLang="ja-JP" dirty="0" smtClean="0">
+                <a:solidFill>
+                  <a:schemeClr val="tx1"/>
+                </a:solidFill>
+                <a:latin typeface="ＤＦＰ太丸ゴシック体"/>
+                <a:ea typeface="ＤＦＰ太丸ゴシック体"/>
+                <a:cs typeface="ＤＦＰ太丸ゴシック体"/>
+              </a:rPr>
+              <a:t>AWS SAMURAI</a:t>
+            </a:r>
+          </a:p>
+          <a:p>
+            <a:r>
+              <a:rPr lang="ja-JP" altLang="en-US" dirty="0" smtClean="0">
+                <a:solidFill>
+                  <a:schemeClr val="tx1"/>
+                </a:solidFill>
+                <a:latin typeface="ＤＦＰ太丸ゴシック体"/>
+                <a:ea typeface="ＤＦＰ太丸ゴシック体"/>
+                <a:cs typeface="ＤＦＰ太丸ゴシック体"/>
+              </a:rPr>
               <a:t>ハンズオン</a:t>
             </a:r>
-            <a:endParaRPr lang="en-US" altLang="ja-JP" dirty="0" smtClean="0"/>
-          </a:p>
-          <a:p>
-            <a:r>
-              <a:rPr lang="ja-JP" altLang="en-US" dirty="0" smtClean="0"/>
+            <a:endParaRPr lang="en-US" altLang="ja-JP" dirty="0" smtClean="0">
+              <a:solidFill>
+                <a:schemeClr val="tx1"/>
+              </a:solidFill>
+              <a:latin typeface="ＤＦＰ太丸ゴシック体"/>
+              <a:ea typeface="ＤＦＰ太丸ゴシック体"/>
+              <a:cs typeface="ＤＦＰ太丸ゴシック体"/>
+            </a:endParaRPr>
+          </a:p>
+          <a:p>
+            <a:r>
+              <a:rPr lang="ja-JP" altLang="en-US" dirty="0" smtClean="0">
+                <a:solidFill>
+                  <a:schemeClr val="tx1"/>
+                </a:solidFill>
+                <a:latin typeface="ＤＦＰ太丸ゴシック体"/>
+                <a:ea typeface="ＤＦＰ太丸ゴシック体"/>
+                <a:cs typeface="ＤＦＰ太丸ゴシック体"/>
+              </a:rPr>
               <a:t>西島</a:t>
             </a:r>
-            <a:endParaRPr lang="en-US" altLang="ja-JP" dirty="0"/>
-          </a:p>
-          <a:p>
-            <a:r>
-              <a:rPr lang="ja-JP" altLang="en-US" dirty="0" smtClean="0"/>
+            <a:endParaRPr lang="en-US" altLang="ja-JP" dirty="0">
+              <a:solidFill>
+                <a:schemeClr val="tx1"/>
+              </a:solidFill>
+              <a:latin typeface="ＤＦＰ太丸ゴシック体"/>
+              <a:ea typeface="ＤＦＰ太丸ゴシック体"/>
+              <a:cs typeface="ＤＦＰ太丸ゴシック体"/>
+            </a:endParaRPr>
+          </a:p>
+          <a:p>
+            <a:r>
+              <a:rPr lang="ja-JP" altLang="en-US" dirty="0" smtClean="0">
+                <a:solidFill>
+                  <a:schemeClr val="tx1"/>
+                </a:solidFill>
+                <a:latin typeface="ＤＦＰ太丸ゴシック体"/>
+                <a:ea typeface="ＤＦＰ太丸ゴシック体"/>
+                <a:cs typeface="ＤＦＰ太丸ゴシック体"/>
+              </a:rPr>
               <a:t>小室</a:t>
             </a:r>
           </a:p>
           <a:p>
-            <a:endParaRPr kumimoji="1" lang="ja-JP" altLang="en-US" dirty="0"/>
+            <a:endParaRPr kumimoji="1" lang="ja-JP" altLang="en-US" dirty="0">
+              <a:solidFill>
+                <a:schemeClr val="tx1"/>
+              </a:solidFill>
+              <a:latin typeface="ＤＦＰ太丸ゴシック体"/>
+              <a:ea typeface="ＤＦＰ太丸ゴシック体"/>
+              <a:cs typeface="ＤＦＰ太丸ゴシック体"/>
+            </a:endParaRPr>
           </a:p>
         </p:txBody>
       </p:sp>
@@ -3851,39 +4019,9 @@
           <a:chExt cx="0" cy="0"/>
         </a:xfrm>
       </p:grpSpPr>
-      <p:sp>
-        <p:nvSpPr>
-          <p:cNvPr id="2" name="タイトル 1"/>
-          <p:cNvSpPr>
-            <a:spLocks noGrp="1"/>
-          </p:cNvSpPr>
-          <p:nvPr>
-            <p:ph type="title"/>
-          </p:nvPr>
-        </p:nvSpPr>
-        <p:spPr>
-          <a:xfrm>
-            <a:off x="7109637" y="0"/>
-            <a:ext cx="2034364" cy="1143000"/>
-          </a:xfrm>
-        </p:spPr>
-        <p:txBody>
-          <a:bodyPr>
-            <a:normAutofit/>
-          </a:bodyPr>
-          <a:lstStyle/>
-          <a:p>
-            <a:r>
-              <a:rPr kumimoji="1" lang="en-US" altLang="ja-JP" dirty="0" smtClean="0"/>
-              <a:t>Route53</a:t>
-            </a:r>
-            <a:endParaRPr kumimoji="1" lang="ja-JP" altLang="en-US" dirty="0"/>
-          </a:p>
-        </p:txBody>
-      </p:sp>
       <p:pic>
         <p:nvPicPr>
-          <p:cNvPr id="4" name="図 3" descr="ヘルスチェック.png"/>
+          <p:cNvPr id="4" name="図 3" descr="ストレージ.png"/>
           <p:cNvPicPr>
             <a:picLocks noChangeAspect="1"/>
           </p:cNvPicPr>
@@ -3903,24 +4041,64 @@
         </p:blipFill>
         <p:spPr>
           <a:xfrm>
-            <a:off x="502772" y="0"/>
-            <a:ext cx="7646141" cy="6858000"/>
+            <a:off x="1482156" y="503437"/>
+            <a:ext cx="6570195" cy="5869696"/>
           </a:xfrm>
           <a:prstGeom prst="rect">
             <a:avLst/>
           </a:prstGeom>
         </p:spPr>
       </p:pic>
+      <p:sp>
+        <p:nvSpPr>
+          <p:cNvPr id="2" name="タイトル 1"/>
+          <p:cNvSpPr>
+            <a:spLocks noGrp="1"/>
+          </p:cNvSpPr>
+          <p:nvPr>
+            <p:ph type="title"/>
+          </p:nvPr>
+        </p:nvSpPr>
+        <p:spPr>
+          <a:noFill/>
+        </p:spPr>
+        <p:txBody>
+          <a:bodyPr/>
+          <a:lstStyle/>
+          <a:p>
+            <a:r>
+              <a:rPr kumimoji="1" lang="en-US" altLang="ja-JP" dirty="0" smtClean="0">
+                <a:solidFill>
+                  <a:srgbClr val="000000"/>
+                </a:solidFill>
+              </a:rPr>
+              <a:t>S3</a:t>
+            </a:r>
+            <a:endParaRPr kumimoji="1" lang="ja-JP" altLang="en-US" dirty="0">
+              <a:solidFill>
+                <a:srgbClr val="000000"/>
+              </a:solidFill>
+            </a:endParaRPr>
+          </a:p>
+        </p:txBody>
+      </p:sp>
     </p:spTree>
     <p:extLst>
       <p:ext uri="{BB962C8B-B14F-4D97-AF65-F5344CB8AC3E}">
-        <p14:creationId xmlns:p14="http://schemas.microsoft.com/office/powerpoint/2010/main" val="3567135651"/>
+        <p14:creationId xmlns:p14="http://schemas.microsoft.com/office/powerpoint/2010/main" val="4061896524"/>
       </p:ext>
     </p:extLst>
   </p:cSld>
   <p:clrMapOvr>
     <a:masterClrMapping/>
   </p:clrMapOvr>
+  <p:timing>
+    <p:tnLst>
+      <p:par>
+        <p:cTn xmlns:p14="http://schemas.microsoft.com/office/powerpoint/2010/main" id="1" dur="indefinite" restart="never" nodeType="tmRoot"/>
+      </p:par>
+    </p:tnLst>
+  </p:timing>
 </p:sld>
 </file>
 
@@ -3966,7 +4144,7 @@
       </p:sp>
       <p:pic>
         <p:nvPicPr>
-          <p:cNvPr id="3" name="図 2" descr="MySQL.png"/>
+          <p:cNvPr id="4" name="図 3" descr="BackupStorage.png"/>
           <p:cNvPicPr>
             <a:picLocks noChangeAspect="1"/>
           </p:cNvPicPr>
@@ -3986,8 +4164,38 @@
         </p:blipFill>
         <p:spPr>
           <a:xfrm>
-            <a:off x="572634" y="1404880"/>
-            <a:ext cx="7340600" cy="3657600"/>
+            <a:off x="1487464" y="3929037"/>
+            <a:ext cx="6183419" cy="2666732"/>
+          </a:xfrm>
+          <a:prstGeom prst="rect">
+            <a:avLst/>
+          </a:prstGeom>
+        </p:spPr>
+      </p:pic>
+      <p:pic>
+        <p:nvPicPr>
+          <p:cNvPr id="5" name="図 4" descr="Storage.png"/>
+          <p:cNvPicPr>
+            <a:picLocks noChangeAspect="1"/>
+          </p:cNvPicPr>
+          <p:nvPr/>
+        </p:nvPicPr>
+        <p:blipFill>
+          <a:blip r:embed="rId3">
+            <a:extLst>
+              <a:ext uri="{28A0092B-C50C-407E-A947-70E740481C1C}">
+                <a14:useLocalDpi xmlns:a14="http://schemas.microsoft.com/office/drawing/2010/main" val="0"/>
+              </a:ext>
+            </a:extLst>
+          </a:blip>
+          <a:stretch>
+            <a:fillRect/>
+          </a:stretch>
+        </p:blipFill>
+        <p:spPr>
+          <a:xfrm>
+            <a:off x="1487464" y="549948"/>
+            <a:ext cx="3892951" cy="3161329"/>
           </a:xfrm>
           <a:prstGeom prst="rect">
             <a:avLst/>
@@ -3997,7 +4205,7 @@
     </p:spTree>
     <p:extLst>
       <p:ext uri="{BB962C8B-B14F-4D97-AF65-F5344CB8AC3E}">
-        <p14:creationId xmlns:p14="http://schemas.microsoft.com/office/powerpoint/2010/main" val="231414792"/>
+        <p14:creationId xmlns:p14="http://schemas.microsoft.com/office/powerpoint/2010/main" val="2101420701"/>
       </p:ext>
     </p:extLst>
   </p:cSld>
@@ -4036,12 +4244,14 @@
         </p:nvSpPr>
         <p:spPr/>
         <p:txBody>
-          <a:bodyPr/>
+          <a:bodyPr>
+            <a:normAutofit/>
+          </a:bodyPr>
           <a:lstStyle/>
           <a:p>
             <a:r>
               <a:rPr kumimoji="1" lang="en-US" altLang="ja-JP" dirty="0" smtClean="0"/>
-              <a:t>RDS</a:t>
+              <a:t>EBS</a:t>
             </a:r>
             <a:endParaRPr kumimoji="1" lang="ja-JP" altLang="en-US" dirty="0"/>
           </a:p>
@@ -4049,7 +4259,7 @@
       </p:sp>
       <p:pic>
         <p:nvPicPr>
-          <p:cNvPr id="3" name="図 2" descr="DefaultStorage.png"/>
+          <p:cNvPr id="3" name="図 2" descr="EBS_Storage.png"/>
           <p:cNvPicPr>
             <a:picLocks noChangeAspect="1"/>
           </p:cNvPicPr>
@@ -4069,48 +4279,22 @@
         </p:blipFill>
         <p:spPr>
           <a:xfrm>
-            <a:off x="363208" y="411250"/>
-            <a:ext cx="5422900" cy="2032000"/>
+            <a:off x="2414854" y="2035811"/>
+            <a:ext cx="4396717" cy="2841906"/>
           </a:xfrm>
           <a:prstGeom prst="rect">
             <a:avLst/>
           </a:prstGeom>
-        </p:spPr>
-      </p:pic>
-      <p:pic>
-        <p:nvPicPr>
-          <p:cNvPr id="4" name="図 3" descr="BackupStorage.png"/>
-          <p:cNvPicPr>
-            <a:picLocks noChangeAspect="1"/>
-          </p:cNvPicPr>
-          <p:nvPr/>
-        </p:nvPicPr>
-        <p:blipFill>
-          <a:blip r:embed="rId3">
-            <a:extLst>
-              <a:ext uri="{28A0092B-C50C-407E-A947-70E740481C1C}">
-                <a14:useLocalDpi xmlns:a14="http://schemas.microsoft.com/office/drawing/2010/main" val="0"/>
-              </a:ext>
-            </a:extLst>
-          </a:blip>
-          <a:stretch>
-            <a:fillRect/>
-          </a:stretch>
-        </p:blipFill>
-        <p:spPr>
-          <a:xfrm>
-            <a:off x="363208" y="3067625"/>
-            <a:ext cx="7391400" cy="3187700"/>
-          </a:xfrm>
-          <a:prstGeom prst="rect">
-            <a:avLst/>
-          </a:prstGeom>
+          <a:noFill/>
+          <a:ln>
+            <a:noFill/>
+          </a:ln>
         </p:spPr>
       </p:pic>
     </p:spTree>
     <p:extLst>
       <p:ext uri="{BB962C8B-B14F-4D97-AF65-F5344CB8AC3E}">
-        <p14:creationId xmlns:p14="http://schemas.microsoft.com/office/powerpoint/2010/main" val="2101420701"/>
+        <p14:creationId xmlns:p14="http://schemas.microsoft.com/office/powerpoint/2010/main" val="4053887224"/>
       </p:ext>
     </p:extLst>
   </p:cSld>
@@ -4139,12 +4323,12 @@
       </p:grpSpPr>
       <p:sp>
         <p:nvSpPr>
-          <p:cNvPr id="2" name="タイトル 1"/>
-          <p:cNvSpPr>
-            <a:spLocks noGrp="1"/>
-          </p:cNvSpPr>
-          <p:nvPr>
-            <p:ph type="title"/>
+          <p:cNvPr id="4" name="タイトル 3"/>
+          <p:cNvSpPr>
+            <a:spLocks noGrp="1"/>
+          </p:cNvSpPr>
+          <p:nvPr>
+            <p:ph type="ctrTitle"/>
           </p:nvPr>
         </p:nvSpPr>
         <p:spPr/>
@@ -4153,47 +4337,36 @@
           <a:lstStyle/>
           <a:p>
             <a:r>
-              <a:rPr kumimoji="1" lang="en-US" altLang="ja-JP" dirty="0" smtClean="0"/>
-              <a:t>RDS</a:t>
+              <a:rPr kumimoji="1" lang="ja-JP" altLang="en-US" dirty="0" smtClean="0"/>
+              <a:t>転送量</a:t>
             </a:r>
             <a:endParaRPr kumimoji="1" lang="ja-JP" altLang="en-US" dirty="0"/>
           </a:p>
         </p:txBody>
       </p:sp>
-      <p:pic>
-        <p:nvPicPr>
-          <p:cNvPr id="4" name="図 3" descr="TransferOut.png"/>
-          <p:cNvPicPr>
-            <a:picLocks noChangeAspect="1"/>
-          </p:cNvPicPr>
-          <p:nvPr/>
-        </p:nvPicPr>
-        <p:blipFill>
-          <a:blip r:embed="rId2">
-            <a:extLst>
-              <a:ext uri="{28A0092B-C50C-407E-A947-70E740481C1C}">
-                <a14:useLocalDpi xmlns:a14="http://schemas.microsoft.com/office/drawing/2010/main" val="0"/>
-              </a:ext>
-            </a:extLst>
-          </a:blip>
-          <a:stretch>
-            <a:fillRect/>
-          </a:stretch>
-        </p:blipFill>
-        <p:spPr>
-          <a:xfrm>
-            <a:off x="0" y="362524"/>
-            <a:ext cx="9037053" cy="6419506"/>
-          </a:xfrm>
-          <a:prstGeom prst="rect">
-            <a:avLst/>
-          </a:prstGeom>
-        </p:spPr>
-      </p:pic>
+      <p:sp>
+        <p:nvSpPr>
+          <p:cNvPr id="5" name="サブタイトル 4"/>
+          <p:cNvSpPr>
+            <a:spLocks noGrp="1"/>
+          </p:cNvSpPr>
+          <p:nvPr>
+            <p:ph type="subTitle" idx="1"/>
+          </p:nvPr>
+        </p:nvSpPr>
+        <p:spPr/>
+        <p:txBody>
+          <a:bodyPr/>
+          <a:lstStyle/>
+          <a:p>
+            <a:endParaRPr kumimoji="1" lang="ja-JP" altLang="en-US" dirty="0"/>
+          </a:p>
+        </p:txBody>
+      </p:sp>
     </p:spTree>
     <p:extLst>
       <p:ext uri="{BB962C8B-B14F-4D97-AF65-F5344CB8AC3E}">
-        <p14:creationId xmlns:p14="http://schemas.microsoft.com/office/powerpoint/2010/main" val="3096210855"/>
+        <p14:creationId xmlns:p14="http://schemas.microsoft.com/office/powerpoint/2010/main" val="4127593747"/>
       </p:ext>
     </p:extLst>
   </p:cSld>
@@ -4230,21 +4403,16 @@
             <p:ph type="title"/>
           </p:nvPr>
         </p:nvSpPr>
-        <p:spPr>
-          <a:xfrm>
-            <a:off x="6297855" y="0"/>
-            <a:ext cx="2846146" cy="1143000"/>
-          </a:xfrm>
-        </p:spPr>
+        <p:spPr/>
         <p:txBody>
           <a:bodyPr>
-            <a:normAutofit fontScale="90000"/>
+            <a:normAutofit/>
           </a:bodyPr>
           <a:lstStyle/>
           <a:p>
             <a:r>
               <a:rPr kumimoji="1" lang="en-US" altLang="ja-JP" dirty="0" smtClean="0"/>
-              <a:t>EBS/EIP/ELB</a:t>
+              <a:t>ELB</a:t>
             </a:r>
             <a:endParaRPr kumimoji="1" lang="ja-JP" altLang="en-US" dirty="0"/>
           </a:p>
@@ -4252,7 +4420,7 @@
       </p:sp>
       <p:pic>
         <p:nvPicPr>
-          <p:cNvPr id="3" name="図 2" descr="EBS_Storage.png"/>
+          <p:cNvPr id="5" name="図 4" descr="ELB.png"/>
           <p:cNvPicPr>
             <a:picLocks noChangeAspect="1"/>
           </p:cNvPicPr>
@@ -4272,72 +4440,16 @@
         </p:blipFill>
         <p:spPr>
           <a:xfrm>
-            <a:off x="172828" y="93659"/>
-            <a:ext cx="4396717" cy="2841906"/>
-          </a:xfrm>
-          <a:prstGeom prst="rect">
-            <a:avLst/>
-          </a:prstGeom>
-        </p:spPr>
-      </p:pic>
-      <p:pic>
-        <p:nvPicPr>
-          <p:cNvPr id="4" name="図 3" descr="EIP.png"/>
-          <p:cNvPicPr>
-            <a:picLocks noChangeAspect="1"/>
-          </p:cNvPicPr>
-          <p:nvPr/>
-        </p:nvPicPr>
-        <p:blipFill>
-          <a:blip r:embed="rId3">
-            <a:extLst>
-              <a:ext uri="{28A0092B-C50C-407E-A947-70E740481C1C}">
-                <a14:useLocalDpi xmlns:a14="http://schemas.microsoft.com/office/drawing/2010/main" val="0"/>
-              </a:ext>
-            </a:extLst>
-          </a:blip>
-          <a:stretch>
-            <a:fillRect/>
-          </a:stretch>
-        </p:blipFill>
-        <p:spPr>
-          <a:xfrm>
-            <a:off x="39279" y="3312730"/>
-            <a:ext cx="5397500" cy="3479800"/>
-          </a:xfrm>
-          <a:prstGeom prst="rect">
-            <a:avLst/>
-          </a:prstGeom>
-        </p:spPr>
-      </p:pic>
-      <p:pic>
-        <p:nvPicPr>
-          <p:cNvPr id="5" name="図 4" descr="ELB.png"/>
-          <p:cNvPicPr>
-            <a:picLocks noChangeAspect="1"/>
-          </p:cNvPicPr>
-          <p:nvPr/>
-        </p:nvPicPr>
-        <p:blipFill>
-          <a:blip r:embed="rId4">
-            <a:extLst>
-              <a:ext uri="{28A0092B-C50C-407E-A947-70E740481C1C}">
-                <a14:useLocalDpi xmlns:a14="http://schemas.microsoft.com/office/drawing/2010/main" val="0"/>
-              </a:ext>
-            </a:extLst>
-          </a:blip>
-          <a:stretch>
-            <a:fillRect/>
-          </a:stretch>
-        </p:blipFill>
-        <p:spPr>
-          <a:xfrm>
-            <a:off x="4260217" y="2212830"/>
+            <a:off x="2140747" y="2335129"/>
             <a:ext cx="4883783" cy="1689702"/>
           </a:xfrm>
           <a:prstGeom prst="rect">
             <a:avLst/>
           </a:prstGeom>
+          <a:noFill/>
+          <a:ln>
+            <a:noFill/>
+          </a:ln>
         </p:spPr>
       </p:pic>
     </p:spTree>
@@ -4354,89 +4466,6 @@
 </file>
 
 <file path=ppt/slides/slide15.xml><?xml version="1.0" encoding="utf-8"?>
-<p:sld xmlns:a="http://schemas.openxmlformats.org/drawingml/2006/main" xmlns:r="http://schemas.openxmlformats.org/officeDocument/2006/relationships" xmlns:p="http://schemas.openxmlformats.org/presentationml/2006/main">
-  <p:cSld>
-    <p:spTree>
-      <p:nvGrpSpPr>
-        <p:cNvPr id="1" name=""/>
-        <p:cNvGrpSpPr/>
-        <p:nvPr/>
-      </p:nvGrpSpPr>
-      <p:grpSpPr>
-        <a:xfrm>
-          <a:off x="0" y="0"/>
-          <a:ext cx="0" cy="0"/>
-          <a:chOff x="0" y="0"/>
-          <a:chExt cx="0" cy="0"/>
-        </a:xfrm>
-      </p:grpSpPr>
-      <p:sp>
-        <p:nvSpPr>
-          <p:cNvPr id="2" name="タイトル 1"/>
-          <p:cNvSpPr>
-            <a:spLocks noGrp="1"/>
-          </p:cNvSpPr>
-          <p:nvPr>
-            <p:ph type="title"/>
-          </p:nvPr>
-        </p:nvSpPr>
-        <p:spPr/>
-        <p:txBody>
-          <a:bodyPr/>
-          <a:lstStyle/>
-          <a:p>
-            <a:r>
-              <a:rPr kumimoji="1" lang="en-US" altLang="ja-JP" dirty="0" smtClean="0"/>
-              <a:t>EC2</a:t>
-            </a:r>
-            <a:endParaRPr kumimoji="1" lang="ja-JP" altLang="en-US" dirty="0"/>
-          </a:p>
-        </p:txBody>
-      </p:sp>
-      <p:pic>
-        <p:nvPicPr>
-          <p:cNvPr id="3" name="図 2" descr="Price.png"/>
-          <p:cNvPicPr>
-            <a:picLocks noChangeAspect="1"/>
-          </p:cNvPicPr>
-          <p:nvPr/>
-        </p:nvPicPr>
-        <p:blipFill>
-          <a:blip r:embed="rId2">
-            <a:extLst>
-              <a:ext uri="{28A0092B-C50C-407E-A947-70E740481C1C}">
-                <a14:useLocalDpi xmlns:a14="http://schemas.microsoft.com/office/drawing/2010/main" val="0"/>
-              </a:ext>
-            </a:extLst>
-          </a:blip>
-          <a:stretch>
-            <a:fillRect/>
-          </a:stretch>
-        </p:blipFill>
-        <p:spPr>
-          <a:xfrm>
-            <a:off x="602291" y="1571796"/>
-            <a:ext cx="7921418" cy="4303277"/>
-          </a:xfrm>
-          <a:prstGeom prst="rect">
-            <a:avLst/>
-          </a:prstGeom>
-        </p:spPr>
-      </p:pic>
-    </p:spTree>
-    <p:extLst>
-      <p:ext uri="{BB962C8B-B14F-4D97-AF65-F5344CB8AC3E}">
-        <p14:creationId xmlns:p14="http://schemas.microsoft.com/office/powerpoint/2010/main" val="2340472472"/>
-      </p:ext>
-    </p:extLst>
-  </p:cSld>
-  <p:clrMapOvr>
-    <a:masterClrMapping/>
-  </p:clrMapOvr>
-</p:sld>
-</file>
-
-<file path=ppt/slides/slide16.xml><?xml version="1.0" encoding="utf-8"?>
 <p:sld xmlns:a="http://schemas.openxmlformats.org/drawingml/2006/main" xmlns:r="http://schemas.openxmlformats.org/officeDocument/2006/relationships" xmlns:p="http://schemas.openxmlformats.org/presentationml/2006/main">
   <p:cSld>
     <p:spTree>
@@ -4519,7 +4548,7 @@
 </p:sld>
 </file>
 
-<file path=ppt/slides/slide17.xml><?xml version="1.0" encoding="utf-8"?>
+<file path=ppt/slides/slide16.xml><?xml version="1.0" encoding="utf-8"?>
 <p:sld xmlns:a="http://schemas.openxmlformats.org/drawingml/2006/main" xmlns:r="http://schemas.openxmlformats.org/officeDocument/2006/relationships" xmlns:p="http://schemas.openxmlformats.org/presentationml/2006/main">
   <p:cSld>
     <p:spTree>
@@ -4602,6 +4631,96 @@
 </p:sld>
 </file>
 
+<file path=ppt/slides/slide17.xml><?xml version="1.0" encoding="utf-8"?>
+<p:sld xmlns:a="http://schemas.openxmlformats.org/drawingml/2006/main" xmlns:r="http://schemas.openxmlformats.org/officeDocument/2006/relationships" xmlns:p="http://schemas.openxmlformats.org/presentationml/2006/main">
+  <p:cSld>
+    <p:spTree>
+      <p:nvGrpSpPr>
+        <p:cNvPr id="1" name=""/>
+        <p:cNvGrpSpPr/>
+        <p:nvPr/>
+      </p:nvGrpSpPr>
+      <p:grpSpPr>
+        <a:xfrm>
+          <a:off x="0" y="0"/>
+          <a:ext cx="0" cy="0"/>
+          <a:chOff x="0" y="0"/>
+          <a:chExt cx="0" cy="0"/>
+        </a:xfrm>
+      </p:grpSpPr>
+      <p:sp>
+        <p:nvSpPr>
+          <p:cNvPr id="2" name="タイトル 1"/>
+          <p:cNvSpPr>
+            <a:spLocks noGrp="1"/>
+          </p:cNvSpPr>
+          <p:nvPr>
+            <p:ph type="title"/>
+          </p:nvPr>
+        </p:nvSpPr>
+        <p:spPr/>
+        <p:txBody>
+          <a:bodyPr/>
+          <a:lstStyle/>
+          <a:p>
+            <a:r>
+              <a:rPr kumimoji="1" lang="en-US" altLang="ja-JP" dirty="0" smtClean="0"/>
+              <a:t>S3</a:t>
+            </a:r>
+            <a:endParaRPr kumimoji="1" lang="ja-JP" altLang="en-US" dirty="0"/>
+          </a:p>
+        </p:txBody>
+      </p:sp>
+      <p:pic>
+        <p:nvPicPr>
+          <p:cNvPr id="3" name="図 2" descr="データ転送.png"/>
+          <p:cNvPicPr>
+            <a:picLocks noChangeAspect="1"/>
+          </p:cNvPicPr>
+          <p:nvPr/>
+        </p:nvPicPr>
+        <p:blipFill>
+          <a:blip r:embed="rId2">
+            <a:extLst>
+              <a:ext uri="{28A0092B-C50C-407E-A947-70E740481C1C}">
+                <a14:useLocalDpi xmlns:a14="http://schemas.microsoft.com/office/drawing/2010/main" val="0"/>
+              </a:ext>
+            </a:extLst>
+          </a:blip>
+          <a:stretch>
+            <a:fillRect/>
+          </a:stretch>
+        </p:blipFill>
+        <p:spPr>
+          <a:xfrm>
+            <a:off x="1372805" y="550393"/>
+            <a:ext cx="6889274" cy="5875504"/>
+          </a:xfrm>
+          <a:prstGeom prst="rect">
+            <a:avLst/>
+          </a:prstGeom>
+        </p:spPr>
+      </p:pic>
+    </p:spTree>
+    <p:extLst>
+      <p:ext uri="{BB962C8B-B14F-4D97-AF65-F5344CB8AC3E}">
+        <p14:creationId xmlns:p14="http://schemas.microsoft.com/office/powerpoint/2010/main" val="343156972"/>
+      </p:ext>
+    </p:extLst>
+  </p:cSld>
+  <p:clrMapOvr>
+    <a:masterClrMapping/>
+  </p:clrMapOvr>
+  <p:timing>
+    <p:tnLst>
+      <p:par>
+        <p:cTn xmlns:p14="http://schemas.microsoft.com/office/powerpoint/2010/main" id="1" dur="indefinite" restart="never" nodeType="tmRoot"/>
+      </p:par>
+    </p:tnLst>
+  </p:timing>
+</p:sld>
+</file>
+
 <file path=ppt/slides/slide18.xml><?xml version="1.0" encoding="utf-8"?>
 <p:sld xmlns:a="http://schemas.openxmlformats.org/drawingml/2006/main" xmlns:r="http://schemas.openxmlformats.org/officeDocument/2006/relationships" xmlns:p="http://schemas.openxmlformats.org/presentationml/2006/main">
   <p:cSld>
@@ -4621,7 +4740,7 @@
       </p:grpSpPr>
       <p:sp>
         <p:nvSpPr>
-          <p:cNvPr id="3" name="タイトル 2"/>
+          <p:cNvPr id="2" name="タイトル 1"/>
           <p:cNvSpPr>
             <a:spLocks noGrp="1"/>
           </p:cNvSpPr>
@@ -4635,90 +4754,47 @@
           <a:lstStyle/>
           <a:p>
             <a:r>
-              <a:rPr lang="ja-JP" altLang="en-US" dirty="0" smtClean="0"/>
-              <a:t>決勝戦説明</a:t>
+              <a:rPr kumimoji="1" lang="en-US" altLang="ja-JP" dirty="0" smtClean="0"/>
+              <a:t>RDS</a:t>
             </a:r>
             <a:endParaRPr kumimoji="1" lang="ja-JP" altLang="en-US" dirty="0"/>
           </a:p>
         </p:txBody>
       </p:sp>
-      <p:sp>
-        <p:nvSpPr>
-          <p:cNvPr id="4" name="コンテンツ プレースホルダー 3"/>
-          <p:cNvSpPr>
-            <a:spLocks noGrp="1"/>
-          </p:cNvSpPr>
-          <p:nvPr>
-            <p:ph idx="1"/>
-          </p:nvPr>
-        </p:nvSpPr>
+      <p:pic>
+        <p:nvPicPr>
+          <p:cNvPr id="4" name="図 3" descr="TransferOut.png"/>
+          <p:cNvPicPr>
+            <a:picLocks noChangeAspect="1"/>
+          </p:cNvPicPr>
+          <p:nvPr/>
+        </p:nvPicPr>
+        <p:blipFill>
+          <a:blip r:embed="rId2">
+            <a:extLst>
+              <a:ext uri="{28A0092B-C50C-407E-A947-70E740481C1C}">
+                <a14:useLocalDpi xmlns:a14="http://schemas.microsoft.com/office/drawing/2010/main" val="0"/>
+              </a:ext>
+            </a:extLst>
+          </a:blip>
+          <a:stretch>
+            <a:fillRect/>
+          </a:stretch>
+        </p:blipFill>
         <p:spPr>
           <a:xfrm>
-            <a:off x="457200" y="1600200"/>
-            <a:ext cx="8229600" cy="4828970"/>
+            <a:off x="785597" y="799179"/>
+            <a:ext cx="7850926" cy="5576936"/>
           </a:xfrm>
+          <a:prstGeom prst="rect">
+            <a:avLst/>
+          </a:prstGeom>
         </p:spPr>
-        <p:txBody>
-          <a:bodyPr>
-            <a:normAutofit lnSpcReduction="10000"/>
-          </a:bodyPr>
-          <a:lstStyle/>
-          <a:p>
-            <a:r>
-              <a:rPr kumimoji="1" lang="ja-JP" altLang="en-US" dirty="0" smtClean="0"/>
-              <a:t>個人、グループどちらでも参加可</a:t>
-            </a:r>
-            <a:endParaRPr kumimoji="1" lang="en-US" altLang="ja-JP" dirty="0" smtClean="0"/>
-          </a:p>
-          <a:p>
-            <a:r>
-              <a:rPr lang="ja-JP" altLang="en-US" dirty="0" smtClean="0"/>
-              <a:t>リモート参加も可</a:t>
-            </a:r>
-            <a:endParaRPr kumimoji="1" lang="en-US" altLang="ja-JP" dirty="0" smtClean="0"/>
-          </a:p>
-          <a:p>
-            <a:r>
-              <a:rPr kumimoji="1" lang="ja-JP" altLang="en-US" dirty="0" smtClean="0"/>
-              <a:t>獲得合計ポイントが一番高い人、グループが優勝</a:t>
-            </a:r>
-            <a:endParaRPr kumimoji="1" lang="en-US" altLang="ja-JP" dirty="0" smtClean="0"/>
-          </a:p>
-          <a:p>
-            <a:r>
-              <a:rPr lang="ja-JP" altLang="en-US" dirty="0" smtClean="0"/>
-              <a:t>主催者が計算した金額と同じ、もしくはより近い人がポイント獲得</a:t>
-            </a:r>
-            <a:endParaRPr lang="en-US" altLang="ja-JP" dirty="0" smtClean="0"/>
-          </a:p>
-          <a:p>
-            <a:r>
-              <a:rPr kumimoji="1" lang="ja-JP" altLang="en-US" dirty="0" smtClean="0"/>
-              <a:t>開始</a:t>
-            </a:r>
-            <a:r>
-              <a:rPr lang="ja-JP" altLang="en-US" dirty="0" smtClean="0"/>
-              <a:t>は</a:t>
-            </a:r>
-            <a:r>
-              <a:rPr lang="en-US" altLang="ja-JP" dirty="0" smtClean="0"/>
-              <a:t>15:00~</a:t>
-            </a:r>
-            <a:endParaRPr kumimoji="1" lang="en-US" altLang="ja-JP" dirty="0" smtClean="0"/>
-          </a:p>
-          <a:p>
-            <a:r>
-              <a:rPr lang="ja-JP" altLang="en-US" dirty="0" smtClean="0"/>
-              <a:t>これからお試し問題します！（加算されません）</a:t>
-            </a:r>
-            <a:endParaRPr kumimoji="1" lang="ja-JP" altLang="en-US" dirty="0"/>
-          </a:p>
-        </p:txBody>
-      </p:sp>
+      </p:pic>
     </p:spTree>
     <p:extLst>
       <p:ext uri="{BB962C8B-B14F-4D97-AF65-F5344CB8AC3E}">
-        <p14:creationId xmlns:p14="http://schemas.microsoft.com/office/powerpoint/2010/main" val="644370885"/>
+        <p14:creationId xmlns:p14="http://schemas.microsoft.com/office/powerpoint/2010/main" val="3096210855"/>
       </p:ext>
     </p:extLst>
   </p:cSld>
@@ -4747,12 +4823,12 @@
       </p:grpSpPr>
       <p:sp>
         <p:nvSpPr>
-          <p:cNvPr id="2" name="タイトル 1"/>
-          <p:cNvSpPr>
-            <a:spLocks noGrp="1"/>
-          </p:cNvSpPr>
-          <p:nvPr>
-            <p:ph type="title"/>
+          <p:cNvPr id="4" name="タイトル 3"/>
+          <p:cNvSpPr>
+            <a:spLocks noGrp="1"/>
+          </p:cNvSpPr>
+          <p:nvPr>
+            <p:ph type="ctrTitle"/>
           </p:nvPr>
         </p:nvSpPr>
         <p:spPr/>
@@ -4762,7 +4838,7 @@
           <a:p>
             <a:r>
               <a:rPr kumimoji="1" lang="ja-JP" altLang="en-US" dirty="0" smtClean="0"/>
-              <a:t>大事な事</a:t>
+              <a:t>その他</a:t>
             </a:r>
             <a:endParaRPr kumimoji="1" lang="ja-JP" altLang="en-US" dirty="0"/>
           </a:p>
@@ -4770,12 +4846,12 @@
       </p:sp>
       <p:sp>
         <p:nvSpPr>
-          <p:cNvPr id="3" name="コンテンツ プレースホルダー 2"/>
-          <p:cNvSpPr>
-            <a:spLocks noGrp="1"/>
-          </p:cNvSpPr>
-          <p:nvPr>
-            <p:ph idx="1"/>
+          <p:cNvPr id="5" name="サブタイトル 4"/>
+          <p:cNvSpPr>
+            <a:spLocks noGrp="1"/>
+          </p:cNvSpPr>
+          <p:nvPr>
+            <p:ph type="subTitle" idx="1"/>
           </p:nvPr>
         </p:nvSpPr>
         <p:spPr/>
@@ -4783,66 +4859,6 @@
           <a:bodyPr/>
           <a:lstStyle/>
           <a:p>
-            <a:r>
-              <a:rPr lang="en-US" altLang="ja-JP" dirty="0" smtClean="0"/>
-              <a:t>1</a:t>
-            </a:r>
-            <a:r>
-              <a:rPr lang="ja-JP" altLang="en-US" dirty="0" smtClean="0"/>
-              <a:t>ヶ月</a:t>
-            </a:r>
-            <a:r>
-              <a:rPr lang="en-US" altLang="ja-JP" dirty="0" smtClean="0"/>
-              <a:t>31</a:t>
-            </a:r>
-            <a:r>
-              <a:rPr lang="ja-JP" altLang="en-US" dirty="0" smtClean="0"/>
-              <a:t>日とします</a:t>
-            </a:r>
-            <a:endParaRPr lang="en-US" altLang="ja-JP" dirty="0" smtClean="0"/>
-          </a:p>
-          <a:p>
-            <a:r>
-              <a:rPr lang="ja-JP" altLang="en-US" dirty="0" smtClean="0"/>
-              <a:t>東京リージョン前提</a:t>
-            </a:r>
-            <a:endParaRPr lang="en-US" altLang="ja-JP" dirty="0" smtClean="0"/>
-          </a:p>
-          <a:p>
-            <a:r>
-              <a:rPr kumimoji="1" lang="ja-JP" altLang="en-US" dirty="0" smtClean="0"/>
-              <a:t>ディスク</a:t>
-            </a:r>
-            <a:r>
-              <a:rPr kumimoji="1" lang="en-US" altLang="ja-JP" dirty="0" smtClean="0"/>
-              <a:t>I/O</a:t>
-            </a:r>
-            <a:r>
-              <a:rPr kumimoji="1" lang="ja-JP" altLang="en-US" dirty="0" smtClean="0"/>
-              <a:t>は計算しなくてもいい。</a:t>
-            </a:r>
-            <a:endParaRPr kumimoji="1" lang="en-US" altLang="ja-JP" dirty="0" smtClean="0"/>
-          </a:p>
-          <a:p>
-            <a:r>
-              <a:rPr lang="ja-JP" altLang="en-US" dirty="0" smtClean="0"/>
-              <a:t>タイプ変更がある場合は該当日の</a:t>
-            </a:r>
-            <a:r>
-              <a:rPr lang="en-US" altLang="ja-JP" dirty="0" smtClean="0"/>
-              <a:t>00:00</a:t>
-            </a:r>
-            <a:r>
-              <a:rPr lang="ja-JP" altLang="en-US" dirty="0" smtClean="0"/>
-              <a:t>に実行したものとします。</a:t>
-            </a:r>
-            <a:endParaRPr lang="en-US" altLang="ja-JP" dirty="0" smtClean="0"/>
-          </a:p>
-          <a:p>
-            <a:r>
-              <a:rPr lang="ja-JP" altLang="en-US" dirty="0" smtClean="0"/>
-              <a:t>上記に反する場合はその旨明記します。</a:t>
-            </a:r>
             <a:endParaRPr kumimoji="1" lang="ja-JP" altLang="en-US" dirty="0"/>
           </a:p>
         </p:txBody>
@@ -4850,7 +4866,7 @@
     </p:spTree>
     <p:extLst>
       <p:ext uri="{BB962C8B-B14F-4D97-AF65-F5344CB8AC3E}">
-        <p14:creationId xmlns:p14="http://schemas.microsoft.com/office/powerpoint/2010/main" val="170471879"/>
+        <p14:creationId xmlns:p14="http://schemas.microsoft.com/office/powerpoint/2010/main" val="697698735"/>
       </p:ext>
     </p:extLst>
   </p:cSld>
@@ -5046,37 +5062,91 @@
           <a:lstStyle/>
           <a:p>
             <a:r>
-              <a:rPr kumimoji="1" lang="ja-JP" altLang="en-US" dirty="0" smtClean="0"/>
-              <a:t>お試し問題その</a:t>
-            </a:r>
-            <a:r>
               <a:rPr kumimoji="1" lang="en-US" altLang="ja-JP" dirty="0" smtClean="0"/>
-              <a:t>1: EC2</a:t>
-            </a:r>
-            <a:r>
-              <a:rPr kumimoji="1" lang="ja-JP" altLang="en-US" dirty="0" smtClean="0"/>
-              <a:t>金額算出</a:t>
+              <a:t>S3</a:t>
             </a:r>
             <a:endParaRPr kumimoji="1" lang="ja-JP" altLang="en-US" dirty="0"/>
           </a:p>
         </p:txBody>
       </p:sp>
-      <p:sp>
-        <p:nvSpPr>
-          <p:cNvPr id="3" name="コンテンツ プレースホルダー 2"/>
-          <p:cNvSpPr>
-            <a:spLocks noGrp="1"/>
-          </p:cNvSpPr>
-          <p:nvPr>
-            <p:ph idx="1"/>
-          </p:nvPr>
-        </p:nvSpPr>
+      <p:pic>
+        <p:nvPicPr>
+          <p:cNvPr id="3" name="図 2" descr="リクエスト.png"/>
+          <p:cNvPicPr>
+            <a:picLocks noChangeAspect="1"/>
+          </p:cNvPicPr>
+          <p:nvPr/>
+        </p:nvPicPr>
+        <p:blipFill>
+          <a:blip r:embed="rId2">
+            <a:extLst>
+              <a:ext uri="{28A0092B-C50C-407E-A947-70E740481C1C}">
+                <a14:useLocalDpi xmlns:a14="http://schemas.microsoft.com/office/drawing/2010/main" val="0"/>
+              </a:ext>
+            </a:extLst>
+          </a:blip>
+          <a:stretch>
+            <a:fillRect/>
+          </a:stretch>
+        </p:blipFill>
         <p:spPr>
           <a:xfrm>
-            <a:off x="457199" y="1600200"/>
-            <a:ext cx="4046879" cy="5130133"/>
+            <a:off x="1608537" y="1273941"/>
+            <a:ext cx="5372100" cy="3594100"/>
           </a:xfrm>
+          <a:prstGeom prst="rect">
+            <a:avLst/>
+          </a:prstGeom>
         </p:spPr>
+      </p:pic>
+    </p:spTree>
+    <p:extLst>
+      <p:ext uri="{BB962C8B-B14F-4D97-AF65-F5344CB8AC3E}">
+        <p14:creationId xmlns:p14="http://schemas.microsoft.com/office/powerpoint/2010/main" val="884151711"/>
+      </p:ext>
+    </p:extLst>
+  </p:cSld>
+  <p:clrMapOvr>
+    <a:masterClrMapping/>
+  </p:clrMapOvr>
+  <p:timing>
+    <p:tnLst>
+      <p:par>
+        <p:cTn xmlns:p14="http://schemas.microsoft.com/office/powerpoint/2010/main" id="1" dur="indefinite" restart="never" nodeType="tmRoot"/>
+      </p:par>
+    </p:tnLst>
+  </p:timing>
+</p:sld>
+</file>
+
+<file path=ppt/slides/slide21.xml><?xml version="1.0" encoding="utf-8"?>
+<p:sld xmlns:a="http://schemas.openxmlformats.org/drawingml/2006/main" xmlns:r="http://schemas.openxmlformats.org/officeDocument/2006/relationships" xmlns:p="http://schemas.openxmlformats.org/presentationml/2006/main">
+  <p:cSld>
+    <p:spTree>
+      <p:nvGrpSpPr>
+        <p:cNvPr id="1" name=""/>
+        <p:cNvGrpSpPr/>
+        <p:nvPr/>
+      </p:nvGrpSpPr>
+      <p:grpSpPr>
+        <a:xfrm>
+          <a:off x="0" y="0"/>
+          <a:ext cx="0" cy="0"/>
+          <a:chOff x="0" y="0"/>
+          <a:chExt cx="0" cy="0"/>
+        </a:xfrm>
+      </p:grpSpPr>
+      <p:sp>
+        <p:nvSpPr>
+          <p:cNvPr id="2" name="タイトル 1"/>
+          <p:cNvSpPr>
+            <a:spLocks noGrp="1"/>
+          </p:cNvSpPr>
+          <p:nvPr>
+            <p:ph type="title"/>
+          </p:nvPr>
+        </p:nvSpPr>
+        <p:spPr/>
         <p:txBody>
           <a:bodyPr>
             <a:normAutofit/>
@@ -5084,84 +5154,727 @@
           <a:lstStyle/>
           <a:p>
             <a:r>
+              <a:rPr kumimoji="1" lang="en-US" altLang="ja-JP" dirty="0" smtClean="0"/>
+              <a:t>Route53</a:t>
+            </a:r>
+            <a:endParaRPr kumimoji="1" lang="ja-JP" altLang="en-US" dirty="0"/>
+          </a:p>
+        </p:txBody>
+      </p:sp>
+      <p:pic>
+        <p:nvPicPr>
+          <p:cNvPr id="3" name="図 2" descr="ホストゾーン.png"/>
+          <p:cNvPicPr>
+            <a:picLocks noChangeAspect="1"/>
+          </p:cNvPicPr>
+          <p:nvPr/>
+        </p:nvPicPr>
+        <p:blipFill>
+          <a:blip r:embed="rId2">
+            <a:extLst>
+              <a:ext uri="{28A0092B-C50C-407E-A947-70E740481C1C}">
+                <a14:useLocalDpi xmlns:a14="http://schemas.microsoft.com/office/drawing/2010/main" val="0"/>
+              </a:ext>
+            </a:extLst>
+          </a:blip>
+          <a:stretch>
+            <a:fillRect/>
+          </a:stretch>
+        </p:blipFill>
+        <p:spPr>
+          <a:xfrm>
+            <a:off x="1139208" y="536855"/>
+            <a:ext cx="4638571" cy="3444139"/>
+          </a:xfrm>
+          <a:prstGeom prst="rect">
+            <a:avLst/>
+          </a:prstGeom>
+        </p:spPr>
+      </p:pic>
+      <p:pic>
+        <p:nvPicPr>
+          <p:cNvPr id="5" name="図 4" descr="クエリ.png"/>
+          <p:cNvPicPr>
+            <a:picLocks noChangeAspect="1"/>
+          </p:cNvPicPr>
+          <p:nvPr/>
+        </p:nvPicPr>
+        <p:blipFill>
+          <a:blip r:embed="rId3">
+            <a:extLst>
+              <a:ext uri="{28A0092B-C50C-407E-A947-70E740481C1C}">
+                <a14:useLocalDpi xmlns:a14="http://schemas.microsoft.com/office/drawing/2010/main" val="0"/>
+              </a:ext>
+            </a:extLst>
+          </a:blip>
+          <a:stretch>
+            <a:fillRect/>
+          </a:stretch>
+        </p:blipFill>
+        <p:spPr>
+          <a:xfrm>
+            <a:off x="1139208" y="4164310"/>
+            <a:ext cx="6664375" cy="2316494"/>
+          </a:xfrm>
+          <a:prstGeom prst="rect">
+            <a:avLst/>
+          </a:prstGeom>
+        </p:spPr>
+      </p:pic>
+    </p:spTree>
+    <p:extLst>
+      <p:ext uri="{BB962C8B-B14F-4D97-AF65-F5344CB8AC3E}">
+        <p14:creationId xmlns:p14="http://schemas.microsoft.com/office/powerpoint/2010/main" val="1231260668"/>
+      </p:ext>
+    </p:extLst>
+  </p:cSld>
+  <p:clrMapOvr>
+    <a:masterClrMapping/>
+  </p:clrMapOvr>
+</p:sld>
+</file>
+
+<file path=ppt/slides/slide22.xml><?xml version="1.0" encoding="utf-8"?>
+<p:sld xmlns:a="http://schemas.openxmlformats.org/drawingml/2006/main" xmlns:r="http://schemas.openxmlformats.org/officeDocument/2006/relationships" xmlns:p="http://schemas.openxmlformats.org/presentationml/2006/main">
+  <p:cSld>
+    <p:spTree>
+      <p:nvGrpSpPr>
+        <p:cNvPr id="1" name=""/>
+        <p:cNvGrpSpPr/>
+        <p:nvPr/>
+      </p:nvGrpSpPr>
+      <p:grpSpPr>
+        <a:xfrm>
+          <a:off x="0" y="0"/>
+          <a:ext cx="0" cy="0"/>
+          <a:chOff x="0" y="0"/>
+          <a:chExt cx="0" cy="0"/>
+        </a:xfrm>
+      </p:grpSpPr>
+      <p:sp>
+        <p:nvSpPr>
+          <p:cNvPr id="2" name="タイトル 1"/>
+          <p:cNvSpPr>
+            <a:spLocks noGrp="1"/>
+          </p:cNvSpPr>
+          <p:nvPr>
+            <p:ph type="title"/>
+          </p:nvPr>
+        </p:nvSpPr>
+        <p:spPr/>
+        <p:txBody>
+          <a:bodyPr>
+            <a:normAutofit/>
+          </a:bodyPr>
+          <a:lstStyle/>
+          <a:p>
+            <a:r>
+              <a:rPr kumimoji="1" lang="en-US" altLang="ja-JP" dirty="0" smtClean="0"/>
+              <a:t>Route53</a:t>
+            </a:r>
+            <a:endParaRPr kumimoji="1" lang="ja-JP" altLang="en-US" dirty="0"/>
+          </a:p>
+        </p:txBody>
+      </p:sp>
+      <p:pic>
+        <p:nvPicPr>
+          <p:cNvPr id="4" name="図 3" descr="ヘルスチェック.png"/>
+          <p:cNvPicPr>
+            <a:picLocks noChangeAspect="1"/>
+          </p:cNvPicPr>
+          <p:nvPr/>
+        </p:nvPicPr>
+        <p:blipFill>
+          <a:blip r:embed="rId2">
+            <a:extLst>
+              <a:ext uri="{28A0092B-C50C-407E-A947-70E740481C1C}">
+                <a14:useLocalDpi xmlns:a14="http://schemas.microsoft.com/office/drawing/2010/main" val="0"/>
+              </a:ext>
+            </a:extLst>
+          </a:blip>
+          <a:stretch>
+            <a:fillRect/>
+          </a:stretch>
+        </p:blipFill>
+        <p:spPr>
+          <a:xfrm>
+            <a:off x="1380020" y="772547"/>
+            <a:ext cx="6142461" cy="5509315"/>
+          </a:xfrm>
+          <a:prstGeom prst="rect">
+            <a:avLst/>
+          </a:prstGeom>
+        </p:spPr>
+      </p:pic>
+    </p:spTree>
+    <p:extLst>
+      <p:ext uri="{BB962C8B-B14F-4D97-AF65-F5344CB8AC3E}">
+        <p14:creationId xmlns:p14="http://schemas.microsoft.com/office/powerpoint/2010/main" val="3567135651"/>
+      </p:ext>
+    </p:extLst>
+  </p:cSld>
+  <p:clrMapOvr>
+    <a:masterClrMapping/>
+  </p:clrMapOvr>
+</p:sld>
+</file>
+
+<file path=ppt/slides/slide23.xml><?xml version="1.0" encoding="utf-8"?>
+<p:sld xmlns:a="http://schemas.openxmlformats.org/drawingml/2006/main" xmlns:r="http://schemas.openxmlformats.org/officeDocument/2006/relationships" xmlns:p="http://schemas.openxmlformats.org/presentationml/2006/main">
+  <p:cSld>
+    <p:spTree>
+      <p:nvGrpSpPr>
+        <p:cNvPr id="1" name=""/>
+        <p:cNvGrpSpPr/>
+        <p:nvPr/>
+      </p:nvGrpSpPr>
+      <p:grpSpPr>
+        <a:xfrm>
+          <a:off x="0" y="0"/>
+          <a:ext cx="0" cy="0"/>
+          <a:chOff x="0" y="0"/>
+          <a:chExt cx="0" cy="0"/>
+        </a:xfrm>
+      </p:grpSpPr>
+      <p:sp>
+        <p:nvSpPr>
+          <p:cNvPr id="2" name="タイトル 1"/>
+          <p:cNvSpPr>
+            <a:spLocks noGrp="1"/>
+          </p:cNvSpPr>
+          <p:nvPr>
+            <p:ph type="title"/>
+          </p:nvPr>
+        </p:nvSpPr>
+        <p:spPr/>
+        <p:txBody>
+          <a:bodyPr>
+            <a:normAutofit/>
+          </a:bodyPr>
+          <a:lstStyle/>
+          <a:p>
+            <a:r>
+              <a:rPr kumimoji="1" lang="en-US" altLang="ja-JP" dirty="0" smtClean="0"/>
+              <a:t>EIP</a:t>
+            </a:r>
+            <a:endParaRPr kumimoji="1" lang="ja-JP" altLang="en-US" dirty="0"/>
+          </a:p>
+        </p:txBody>
+      </p:sp>
+      <p:pic>
+        <p:nvPicPr>
+          <p:cNvPr id="4" name="図 3" descr="EIP.png"/>
+          <p:cNvPicPr>
+            <a:picLocks noChangeAspect="1"/>
+          </p:cNvPicPr>
+          <p:nvPr/>
+        </p:nvPicPr>
+        <p:blipFill>
+          <a:blip r:embed="rId2">
+            <a:extLst>
+              <a:ext uri="{28A0092B-C50C-407E-A947-70E740481C1C}">
+                <a14:useLocalDpi xmlns:a14="http://schemas.microsoft.com/office/drawing/2010/main" val="0"/>
+              </a:ext>
+            </a:extLst>
+          </a:blip>
+          <a:stretch>
+            <a:fillRect/>
+          </a:stretch>
+        </p:blipFill>
+        <p:spPr>
+          <a:xfrm>
+            <a:off x="1720223" y="1441889"/>
+            <a:ext cx="5397500" cy="3479800"/>
+          </a:xfrm>
+          <a:prstGeom prst="rect">
+            <a:avLst/>
+          </a:prstGeom>
+          <a:noFill/>
+          <a:ln>
+            <a:noFill/>
+          </a:ln>
+        </p:spPr>
+      </p:pic>
+    </p:spTree>
+    <p:extLst>
+      <p:ext uri="{BB962C8B-B14F-4D97-AF65-F5344CB8AC3E}">
+        <p14:creationId xmlns:p14="http://schemas.microsoft.com/office/powerpoint/2010/main" val="2233141023"/>
+      </p:ext>
+    </p:extLst>
+  </p:cSld>
+  <p:clrMapOvr>
+    <a:masterClrMapping/>
+  </p:clrMapOvr>
+</p:sld>
+</file>
+
+<file path=ppt/slides/slide24.xml><?xml version="1.0" encoding="utf-8"?>
+<p:sld xmlns:a="http://schemas.openxmlformats.org/drawingml/2006/main" xmlns:r="http://schemas.openxmlformats.org/officeDocument/2006/relationships" xmlns:p="http://schemas.openxmlformats.org/presentationml/2006/main">
+  <p:cSld>
+    <p:spTree>
+      <p:nvGrpSpPr>
+        <p:cNvPr id="1" name=""/>
+        <p:cNvGrpSpPr/>
+        <p:nvPr/>
+      </p:nvGrpSpPr>
+      <p:grpSpPr>
+        <a:xfrm>
+          <a:off x="0" y="0"/>
+          <a:ext cx="0" cy="0"/>
+          <a:chOff x="0" y="0"/>
+          <a:chExt cx="0" cy="0"/>
+        </a:xfrm>
+      </p:grpSpPr>
+      <p:sp>
+        <p:nvSpPr>
+          <p:cNvPr id="3" name="タイトル 2"/>
+          <p:cNvSpPr>
+            <a:spLocks noGrp="1"/>
+          </p:cNvSpPr>
+          <p:nvPr>
+            <p:ph type="title"/>
+          </p:nvPr>
+        </p:nvSpPr>
+        <p:spPr/>
+        <p:txBody>
+          <a:bodyPr/>
+          <a:lstStyle/>
+          <a:p>
+            <a:r>
+              <a:rPr lang="ja-JP" altLang="en-US" dirty="0" smtClean="0"/>
+              <a:t>決勝戦説明</a:t>
+            </a:r>
+            <a:endParaRPr kumimoji="1" lang="ja-JP" altLang="en-US" dirty="0"/>
+          </a:p>
+        </p:txBody>
+      </p:sp>
+      <p:sp>
+        <p:nvSpPr>
+          <p:cNvPr id="4" name="コンテンツ プレースホルダー 3"/>
+          <p:cNvSpPr>
+            <a:spLocks noGrp="1"/>
+          </p:cNvSpPr>
+          <p:nvPr>
+            <p:ph idx="1"/>
+          </p:nvPr>
+        </p:nvSpPr>
+        <p:spPr>
+          <a:xfrm>
+            <a:off x="863091" y="1600200"/>
+            <a:ext cx="7582057" cy="4828970"/>
+          </a:xfrm>
+        </p:spPr>
+        <p:txBody>
+          <a:bodyPr>
+            <a:normAutofit/>
+          </a:bodyPr>
+          <a:lstStyle/>
+          <a:p>
+            <a:r>
+              <a:rPr kumimoji="1" lang="ja-JP" altLang="en-US" sz="2800" dirty="0" smtClean="0"/>
+              <a:t>個人、グループどちらでも参加可</a:t>
+            </a:r>
+            <a:endParaRPr kumimoji="1" lang="en-US" altLang="ja-JP" sz="2800" dirty="0" smtClean="0"/>
+          </a:p>
+          <a:p>
+            <a:r>
+              <a:rPr lang="ja-JP" altLang="en-US" sz="2800" dirty="0" smtClean="0"/>
+              <a:t>リモート参加も可</a:t>
+            </a:r>
+            <a:endParaRPr kumimoji="1" lang="en-US" altLang="ja-JP" sz="2800" dirty="0" smtClean="0"/>
+          </a:p>
+          <a:p>
+            <a:r>
+              <a:rPr kumimoji="1" lang="ja-JP" altLang="en-US" sz="2800" dirty="0" smtClean="0"/>
+              <a:t>獲得合計ポイントが一番高い人、グループが優勝</a:t>
+            </a:r>
+            <a:endParaRPr kumimoji="1" lang="en-US" altLang="ja-JP" sz="2800" dirty="0" smtClean="0"/>
+          </a:p>
+          <a:p>
+            <a:r>
+              <a:rPr lang="ja-JP" altLang="en-US" sz="2800" dirty="0" smtClean="0"/>
+              <a:t>主催者が計算した金額と同じ、もしくはより近い人がポイント獲得</a:t>
+            </a:r>
+            <a:endParaRPr lang="en-US" altLang="ja-JP" sz="2800" dirty="0" smtClean="0"/>
+          </a:p>
+          <a:p>
+            <a:r>
+              <a:rPr kumimoji="1" lang="ja-JP" altLang="en-US" sz="2800" dirty="0" smtClean="0"/>
+              <a:t>開始</a:t>
+            </a:r>
+            <a:r>
+              <a:rPr lang="ja-JP" altLang="en-US" sz="2800" dirty="0" smtClean="0"/>
+              <a:t>は</a:t>
+            </a:r>
+            <a:r>
+              <a:rPr lang="en-US" altLang="ja-JP" sz="2800" dirty="0" smtClean="0"/>
+              <a:t>15:00~</a:t>
+            </a:r>
+            <a:endParaRPr kumimoji="1" lang="en-US" altLang="ja-JP" sz="2800" dirty="0" smtClean="0"/>
+          </a:p>
+          <a:p>
+            <a:r>
+              <a:rPr lang="ja-JP" altLang="en-US" sz="2800" dirty="0" smtClean="0"/>
+              <a:t>これからお試し問題します！（加算されません）</a:t>
+            </a:r>
+            <a:endParaRPr kumimoji="1" lang="ja-JP" altLang="en-US" sz="2800" dirty="0"/>
+          </a:p>
+        </p:txBody>
+      </p:sp>
+    </p:spTree>
+    <p:extLst>
+      <p:ext uri="{BB962C8B-B14F-4D97-AF65-F5344CB8AC3E}">
+        <p14:creationId xmlns:p14="http://schemas.microsoft.com/office/powerpoint/2010/main" val="644370885"/>
+      </p:ext>
+    </p:extLst>
+  </p:cSld>
+  <p:clrMapOvr>
+    <a:masterClrMapping/>
+  </p:clrMapOvr>
+</p:sld>
+</file>
+
+<file path=ppt/slides/slide25.xml><?xml version="1.0" encoding="utf-8"?>
+<p:sld xmlns:a="http://schemas.openxmlformats.org/drawingml/2006/main" xmlns:r="http://schemas.openxmlformats.org/officeDocument/2006/relationships" xmlns:p="http://schemas.openxmlformats.org/presentationml/2006/main">
+  <p:cSld>
+    <p:spTree>
+      <p:nvGrpSpPr>
+        <p:cNvPr id="1" name=""/>
+        <p:cNvGrpSpPr/>
+        <p:nvPr/>
+      </p:nvGrpSpPr>
+      <p:grpSpPr>
+        <a:xfrm>
+          <a:off x="0" y="0"/>
+          <a:ext cx="0" cy="0"/>
+          <a:chOff x="0" y="0"/>
+          <a:chExt cx="0" cy="0"/>
+        </a:xfrm>
+      </p:grpSpPr>
+      <p:sp>
+        <p:nvSpPr>
+          <p:cNvPr id="2" name="タイトル 1"/>
+          <p:cNvSpPr>
+            <a:spLocks noGrp="1"/>
+          </p:cNvSpPr>
+          <p:nvPr>
+            <p:ph type="title"/>
+          </p:nvPr>
+        </p:nvSpPr>
+        <p:spPr/>
+        <p:txBody>
+          <a:bodyPr/>
+          <a:lstStyle/>
+          <a:p>
+            <a:r>
+              <a:rPr kumimoji="1" lang="ja-JP" altLang="en-US" dirty="0" smtClean="0"/>
+              <a:t>大事な事</a:t>
+            </a:r>
+            <a:endParaRPr kumimoji="1" lang="ja-JP" altLang="en-US" dirty="0"/>
+          </a:p>
+        </p:txBody>
+      </p:sp>
+      <p:sp>
+        <p:nvSpPr>
+          <p:cNvPr id="3" name="コンテンツ プレースホルダー 2"/>
+          <p:cNvSpPr>
+            <a:spLocks noGrp="1"/>
+          </p:cNvSpPr>
+          <p:nvPr>
+            <p:ph idx="1"/>
+          </p:nvPr>
+        </p:nvSpPr>
+        <p:spPr/>
+        <p:txBody>
+          <a:bodyPr/>
+          <a:lstStyle/>
+          <a:p>
+            <a:r>
               <a:rPr lang="en-US" altLang="ja-JP" dirty="0" smtClean="0"/>
+              <a:t>1</a:t>
+            </a:r>
+            <a:r>
+              <a:rPr lang="ja-JP" altLang="en-US" dirty="0" smtClean="0"/>
+              <a:t>ヶ月</a:t>
+            </a:r>
+            <a:r>
+              <a:rPr lang="en-US" altLang="ja-JP" dirty="0" smtClean="0"/>
+              <a:t>31</a:t>
+            </a:r>
+            <a:r>
+              <a:rPr lang="ja-JP" altLang="en-US" dirty="0" smtClean="0"/>
+              <a:t>日</a:t>
+            </a:r>
+            <a:endParaRPr lang="en-US" altLang="ja-JP" dirty="0" smtClean="0"/>
+          </a:p>
+          <a:p>
+            <a:r>
+              <a:rPr lang="ja-JP" altLang="en-US" dirty="0" smtClean="0"/>
+              <a:t>みんな大好き</a:t>
+            </a:r>
+            <a:r>
+              <a:rPr lang="ja-JP" altLang="en-US" dirty="0" smtClean="0"/>
+              <a:t>東京リージョン</a:t>
+            </a:r>
+            <a:endParaRPr lang="en-US" altLang="ja-JP" dirty="0" smtClean="0"/>
+          </a:p>
+          <a:p>
+            <a:r>
+              <a:rPr lang="ja-JP" altLang="en-US" dirty="0" smtClean="0"/>
+              <a:t>有償アプリ怖い</a:t>
+            </a:r>
+            <a:r>
+              <a:rPr lang="en-US" altLang="ja-JP" dirty="0" smtClean="0"/>
+              <a:t>(=Linux/MySQL)</a:t>
+            </a:r>
+            <a:endParaRPr lang="en-US" altLang="ja-JP" dirty="0" smtClean="0"/>
+          </a:p>
+          <a:p>
+            <a:r>
+              <a:rPr kumimoji="1" lang="ja-JP" altLang="en-US" dirty="0" smtClean="0"/>
+              <a:t>ディスク</a:t>
+            </a:r>
+            <a:r>
+              <a:rPr kumimoji="1" lang="en-US" altLang="ja-JP" dirty="0" smtClean="0"/>
+              <a:t>I/O</a:t>
+            </a:r>
+            <a:r>
+              <a:rPr kumimoji="1" lang="ja-JP" altLang="en-US" dirty="0" smtClean="0"/>
+              <a:t>は</a:t>
+            </a:r>
+            <a:r>
+              <a:rPr kumimoji="1" lang="ja-JP" altLang="en-US" dirty="0" smtClean="0"/>
+              <a:t>計算</a:t>
+            </a:r>
+            <a:r>
+              <a:rPr kumimoji="1" lang="ja-JP" altLang="en-US" dirty="0" smtClean="0"/>
+              <a:t>しない</a:t>
+            </a:r>
+            <a:endParaRPr kumimoji="1" lang="en-US" altLang="ja-JP" dirty="0" smtClean="0"/>
+          </a:p>
+          <a:p>
+            <a:r>
+              <a:rPr lang="ja-JP" altLang="en-US" dirty="0" smtClean="0"/>
+              <a:t>タイプ</a:t>
+            </a:r>
+            <a:r>
+              <a:rPr lang="ja-JP" altLang="en-US" dirty="0" smtClean="0"/>
+              <a:t>変更がある場合は該当日の</a:t>
+            </a:r>
+            <a:r>
+              <a:rPr lang="en-US" altLang="ja-JP" dirty="0" smtClean="0"/>
+              <a:t>00:00</a:t>
+            </a:r>
+            <a:r>
+              <a:rPr lang="ja-JP" altLang="en-US" dirty="0" smtClean="0"/>
+              <a:t>に</a:t>
+            </a:r>
+            <a:r>
+              <a:rPr lang="ja-JP" altLang="en-US" dirty="0" smtClean="0"/>
+              <a:t>実行</a:t>
+            </a:r>
+            <a:endParaRPr lang="en-US" altLang="ja-JP" dirty="0" smtClean="0"/>
+          </a:p>
+          <a:p>
+            <a:r>
+              <a:rPr lang="ja-JP" altLang="en-US" dirty="0" smtClean="0"/>
+              <a:t>上記</a:t>
+            </a:r>
+            <a:r>
+              <a:rPr lang="ja-JP" altLang="en-US" dirty="0" smtClean="0"/>
+              <a:t>に反する場合はその旨</a:t>
+            </a:r>
+            <a:r>
+              <a:rPr lang="ja-JP" altLang="en-US" dirty="0" smtClean="0"/>
+              <a:t>明記。</a:t>
+            </a:r>
+            <a:endParaRPr kumimoji="1" lang="ja-JP" altLang="en-US" dirty="0"/>
+          </a:p>
+        </p:txBody>
+      </p:sp>
+    </p:spTree>
+    <p:extLst>
+      <p:ext uri="{BB962C8B-B14F-4D97-AF65-F5344CB8AC3E}">
+        <p14:creationId xmlns:p14="http://schemas.microsoft.com/office/powerpoint/2010/main" val="170471879"/>
+      </p:ext>
+    </p:extLst>
+  </p:cSld>
+  <p:clrMapOvr>
+    <a:masterClrMapping/>
+  </p:clrMapOvr>
+</p:sld>
+</file>
+
+<file path=ppt/slides/slide26.xml><?xml version="1.0" encoding="utf-8"?>
+<p:sld xmlns:a="http://schemas.openxmlformats.org/drawingml/2006/main" xmlns:r="http://schemas.openxmlformats.org/officeDocument/2006/relationships" xmlns:p="http://schemas.openxmlformats.org/presentationml/2006/main">
+  <p:cSld>
+    <p:spTree>
+      <p:nvGrpSpPr>
+        <p:cNvPr id="1" name=""/>
+        <p:cNvGrpSpPr/>
+        <p:nvPr/>
+      </p:nvGrpSpPr>
+      <p:grpSpPr>
+        <a:xfrm>
+          <a:off x="0" y="0"/>
+          <a:ext cx="0" cy="0"/>
+          <a:chOff x="0" y="0"/>
+          <a:chExt cx="0" cy="0"/>
+        </a:xfrm>
+      </p:grpSpPr>
+      <p:sp>
+        <p:nvSpPr>
+          <p:cNvPr id="2" name="タイトル 1"/>
+          <p:cNvSpPr>
+            <a:spLocks noGrp="1"/>
+          </p:cNvSpPr>
+          <p:nvPr>
+            <p:ph type="title"/>
+          </p:nvPr>
+        </p:nvSpPr>
+        <p:spPr>
+          <a:xfrm>
+            <a:off x="457199" y="274638"/>
+            <a:ext cx="8229601" cy="1143000"/>
+          </a:xfrm>
+        </p:spPr>
+        <p:txBody>
+          <a:bodyPr>
+            <a:normAutofit/>
+          </a:bodyPr>
+          <a:lstStyle/>
+          <a:p>
+            <a:r>
+              <a:rPr kumimoji="1" lang="ja-JP" altLang="en-US" dirty="0" smtClean="0"/>
+              <a:t>お試し</a:t>
+            </a:r>
+            <a:r>
+              <a:rPr kumimoji="1" lang="ja-JP" altLang="en-US" dirty="0" smtClean="0"/>
+              <a:t>問題</a:t>
+            </a:r>
+            <a:r>
+              <a:rPr kumimoji="1" lang="en-US" altLang="ja-JP" dirty="0" smtClean="0"/>
+              <a:t>1</a:t>
+            </a:r>
+            <a:r>
+              <a:rPr kumimoji="1" lang="en-US" altLang="ja-JP" dirty="0" smtClean="0"/>
+              <a:t>: EC2</a:t>
+            </a:r>
+            <a:r>
+              <a:rPr kumimoji="1" lang="ja-JP" altLang="en-US" dirty="0" smtClean="0"/>
+              <a:t>金額算出</a:t>
+            </a:r>
+            <a:endParaRPr kumimoji="1" lang="ja-JP" altLang="en-US" dirty="0"/>
+          </a:p>
+        </p:txBody>
+      </p:sp>
+      <p:sp>
+        <p:nvSpPr>
+          <p:cNvPr id="3" name="コンテンツ プレースホルダー 2"/>
+          <p:cNvSpPr>
+            <a:spLocks noGrp="1"/>
+          </p:cNvSpPr>
+          <p:nvPr>
+            <p:ph idx="1"/>
+          </p:nvPr>
+        </p:nvSpPr>
+        <p:spPr>
+          <a:xfrm>
+            <a:off x="588132" y="1410882"/>
+            <a:ext cx="4413491" cy="5130133"/>
+          </a:xfrm>
+        </p:spPr>
+        <p:txBody>
+          <a:bodyPr>
+            <a:normAutofit/>
+          </a:bodyPr>
+          <a:lstStyle/>
+          <a:p>
+            <a:r>
+              <a:rPr lang="en-US" altLang="ja-JP" sz="2400" dirty="0" smtClean="0"/>
+              <a:t>Amazon Linux</a:t>
+            </a:r>
+          </a:p>
+          <a:p>
+            <a:r>
+              <a:rPr lang="en-US" altLang="ja-JP" sz="2400" dirty="0" smtClean="0"/>
               <a:t>15</a:t>
             </a:r>
             <a:r>
-              <a:rPr lang="ja-JP" altLang="en-US" dirty="0" smtClean="0"/>
+              <a:rPr lang="ja-JP" altLang="en-US" sz="2400" dirty="0" smtClean="0"/>
               <a:t>日まで</a:t>
             </a:r>
             <a:r>
-              <a:rPr lang="en-US" altLang="ja-JP" dirty="0" smtClean="0"/>
+              <a:rPr lang="en-US" altLang="ja-JP" sz="2400" dirty="0" smtClean="0"/>
               <a:t>m1.small</a:t>
             </a:r>
-            <a:endParaRPr lang="en-US" altLang="ja-JP" dirty="0"/>
-          </a:p>
-          <a:p>
-            <a:r>
-              <a:rPr lang="en-US" altLang="ja-JP" dirty="0" smtClean="0"/>
+            <a:endParaRPr lang="en-US" altLang="ja-JP" sz="2400" dirty="0"/>
+          </a:p>
+          <a:p>
+            <a:r>
+              <a:rPr lang="en-US" altLang="ja-JP" sz="2400" dirty="0" smtClean="0"/>
               <a:t>16</a:t>
             </a:r>
             <a:r>
-              <a:rPr lang="ja-JP" altLang="en-US" dirty="0" smtClean="0"/>
+              <a:rPr lang="ja-JP" altLang="en-US" sz="2400" dirty="0" smtClean="0"/>
               <a:t>日から</a:t>
             </a:r>
             <a:r>
-              <a:rPr lang="en-US" altLang="ja-JP" dirty="0" smtClean="0"/>
+              <a:rPr lang="en-US" altLang="ja-JP" sz="2400" dirty="0" smtClean="0"/>
               <a:t>m1.xlarge</a:t>
             </a:r>
           </a:p>
           <a:p>
             <a:r>
-              <a:rPr lang="en-US" altLang="ja-JP" dirty="0" smtClean="0"/>
+              <a:rPr lang="en-US" altLang="ja-JP" sz="2400" dirty="0" smtClean="0"/>
               <a:t>EBS</a:t>
             </a:r>
             <a:r>
-              <a:rPr lang="ja-JP" altLang="en-US" dirty="0" smtClean="0"/>
+              <a:rPr lang="ja-JP" altLang="en-US" sz="2400" dirty="0" smtClean="0"/>
               <a:t>無し</a:t>
             </a:r>
-            <a:endParaRPr lang="en-US" altLang="ja-JP" dirty="0" smtClean="0"/>
-          </a:p>
-          <a:p>
-            <a:r>
-              <a:rPr lang="en-US" altLang="ja-JP" dirty="0" smtClean="0"/>
+            <a:endParaRPr lang="en-US" altLang="ja-JP" sz="2400" dirty="0" smtClean="0"/>
+          </a:p>
+          <a:p>
+            <a:r>
+              <a:rPr lang="en-US" altLang="ja-JP" sz="2400" dirty="0" smtClean="0"/>
               <a:t>EIP</a:t>
             </a:r>
             <a:r>
-              <a:rPr lang="ja-JP" altLang="en-US" dirty="0" smtClean="0"/>
+              <a:rPr lang="ja-JP" altLang="en-US" sz="2400" dirty="0" smtClean="0"/>
               <a:t>あり</a:t>
             </a:r>
-            <a:endParaRPr lang="en-US" altLang="ja-JP" dirty="0" smtClean="0"/>
-          </a:p>
-          <a:p>
-            <a:r>
-              <a:rPr lang="ja-JP" altLang="en-US" dirty="0" smtClean="0"/>
+            <a:endParaRPr lang="en-US" altLang="ja-JP" sz="2400" dirty="0" smtClean="0"/>
+          </a:p>
+          <a:p>
+            <a:r>
+              <a:rPr lang="ja-JP" altLang="en-US" sz="2400" dirty="0" smtClean="0"/>
               <a:t>データ転送・ディスク</a:t>
             </a:r>
             <a:r>
-              <a:rPr lang="en-US" altLang="ja-JP" dirty="0" smtClean="0"/>
+              <a:rPr lang="en-US" altLang="ja-JP" sz="2400" dirty="0" smtClean="0"/>
               <a:t>I/O</a:t>
             </a:r>
             <a:r>
-              <a:rPr lang="ja-JP" altLang="en-US" dirty="0" smtClean="0"/>
+              <a:rPr lang="ja-JP" altLang="en-US" sz="2400" dirty="0" smtClean="0"/>
               <a:t>は計算外でよい</a:t>
             </a:r>
-            <a:endParaRPr lang="en-US" altLang="ja-JP" dirty="0" smtClean="0"/>
-          </a:p>
-          <a:p>
-            <a:r>
-              <a:rPr lang="ja-JP" altLang="en-US" dirty="0" smtClean="0"/>
+            <a:endParaRPr lang="en-US" altLang="ja-JP" sz="2400" dirty="0" smtClean="0"/>
+          </a:p>
+          <a:p>
+            <a:r>
+              <a:rPr lang="ja-JP" altLang="en-US" sz="2400" dirty="0" smtClean="0"/>
               <a:t>計算時間</a:t>
             </a:r>
             <a:r>
-              <a:rPr lang="en-US" altLang="ja-JP" dirty="0" smtClean="0"/>
+              <a:rPr lang="en-US" altLang="ja-JP" sz="2400" dirty="0" smtClean="0"/>
               <a:t>: 3</a:t>
             </a:r>
             <a:r>
-              <a:rPr lang="ja-JP" altLang="en-US" dirty="0" smtClean="0"/>
+              <a:rPr lang="ja-JP" altLang="en-US" sz="2400" dirty="0" smtClean="0"/>
               <a:t>分</a:t>
             </a:r>
-            <a:endParaRPr kumimoji="1" lang="ja-JP" altLang="en-US" dirty="0"/>
+            <a:endParaRPr kumimoji="1" lang="ja-JP" altLang="en-US" sz="2400" dirty="0"/>
           </a:p>
         </p:txBody>
       </p:sp>
@@ -5187,7 +5900,7 @@
         </p:blipFill>
         <p:spPr>
           <a:xfrm>
-            <a:off x="5371405" y="2883415"/>
+            <a:off x="5089327" y="1306130"/>
             <a:ext cx="3429000" cy="3657600"/>
           </a:xfrm>
           <a:prstGeom prst="rect">
@@ -5203,7 +5916,7 @@
         </p:nvSpPr>
         <p:spPr>
           <a:xfrm>
-            <a:off x="5263487" y="3847800"/>
+            <a:off x="4981409" y="2270515"/>
             <a:ext cx="3705391" cy="2424241"/>
           </a:xfrm>
           <a:custGeom>
@@ -5315,7 +6028,7 @@
 </p:sld>
 </file>
 
-<file path=ppt/slides/slide21.xml><?xml version="1.0" encoding="utf-8"?>
+<file path=ppt/slides/slide27.xml><?xml version="1.0" encoding="utf-8"?>
 <p:sld xmlns:a="http://schemas.openxmlformats.org/drawingml/2006/main" xmlns:r="http://schemas.openxmlformats.org/officeDocument/2006/relationships" xmlns:p="http://schemas.openxmlformats.org/presentationml/2006/main">
   <p:cSld>
     <p:spTree>
@@ -5344,15 +6057,21 @@
         </p:nvSpPr>
         <p:spPr/>
         <p:txBody>
-          <a:bodyPr/>
+          <a:bodyPr>
+            <a:normAutofit/>
+          </a:bodyPr>
           <a:lstStyle/>
           <a:p>
             <a:r>
               <a:rPr kumimoji="1" lang="ja-JP" altLang="en-US" dirty="0" smtClean="0"/>
-              <a:t>お試し問題その</a:t>
-            </a:r>
-            <a:r>
-              <a:rPr lang="en-US" altLang="ja-JP" dirty="0"/>
+              <a:t>お試し</a:t>
+            </a:r>
+            <a:r>
+              <a:rPr kumimoji="1" lang="ja-JP" altLang="en-US" dirty="0" smtClean="0"/>
+              <a:t>問題</a:t>
+            </a:r>
+            <a:r>
+              <a:rPr lang="en-US" altLang="ja-JP" dirty="0" smtClean="0"/>
               <a:t>2</a:t>
             </a:r>
             <a:r>
@@ -5380,7 +6099,7 @@
         <p:spPr>
           <a:xfrm>
             <a:off x="457199" y="1600200"/>
-            <a:ext cx="4046879" cy="5130133"/>
+            <a:ext cx="4780102" cy="5130133"/>
           </a:xfrm>
         </p:spPr>
         <p:txBody>
@@ -5390,55 +6109,72 @@
           <a:lstStyle/>
           <a:p>
             <a:r>
-              <a:rPr lang="en-US" altLang="ja-JP" dirty="0" smtClean="0"/>
+              <a:rPr lang="en-US" altLang="ja-JP" sz="2400" dirty="0" smtClean="0"/>
               <a:t>EBS</a:t>
             </a:r>
             <a:r>
-              <a:rPr lang="ja-JP" altLang="en-US" dirty="0" smtClean="0"/>
+              <a:rPr lang="ja-JP" altLang="en-US" sz="2400" dirty="0" smtClean="0"/>
               <a:t>を</a:t>
             </a:r>
             <a:r>
-              <a:rPr lang="en-US" altLang="ja-JP" dirty="0" smtClean="0"/>
+              <a:rPr lang="en-US" altLang="ja-JP" sz="2400" dirty="0" smtClean="0"/>
               <a:t>15</a:t>
             </a:r>
             <a:r>
-              <a:rPr lang="ja-JP" altLang="en-US" dirty="0" smtClean="0"/>
+              <a:rPr lang="ja-JP" altLang="en-US" sz="2400" dirty="0" smtClean="0"/>
               <a:t>日まで</a:t>
             </a:r>
             <a:r>
-              <a:rPr lang="en-US" altLang="ja-JP" dirty="0" smtClean="0"/>
+              <a:rPr lang="en-US" altLang="ja-JP" sz="2400" dirty="0" smtClean="0"/>
               <a:t>10GB</a:t>
             </a:r>
           </a:p>
           <a:p>
             <a:r>
-              <a:rPr lang="en-US" altLang="ja-JP" dirty="0" smtClean="0"/>
+              <a:rPr lang="en-US" altLang="ja-JP" sz="2400" dirty="0" smtClean="0"/>
               <a:t>16</a:t>
             </a:r>
             <a:r>
-              <a:rPr lang="ja-JP" altLang="en-US" dirty="0" smtClean="0"/>
+              <a:rPr lang="ja-JP" altLang="en-US" sz="2400" dirty="0" smtClean="0"/>
               <a:t>日から</a:t>
             </a:r>
             <a:r>
-              <a:rPr lang="en-US" altLang="ja-JP" dirty="0" smtClean="0"/>
+              <a:rPr lang="en-US" altLang="ja-JP" sz="2400" dirty="0" smtClean="0"/>
               <a:t>100G</a:t>
             </a:r>
-            <a:endParaRPr lang="ja-JP" altLang="en-US" dirty="0" smtClean="0"/>
-          </a:p>
-          <a:p>
-            <a:r>
-              <a:rPr lang="ja-JP" altLang="en-US" dirty="0" smtClean="0"/>
+          </a:p>
+          <a:p>
+            <a:r>
+              <a:rPr lang="ja-JP" altLang="en-US" sz="2400" dirty="0" smtClean="0"/>
+              <a:t>スタンダード</a:t>
+            </a:r>
+            <a:r>
+              <a:rPr lang="en-US" altLang="ja-JP" sz="2400" dirty="0" smtClean="0"/>
+              <a:t/>
+            </a:r>
+            <a:br>
+              <a:rPr lang="en-US" altLang="ja-JP" sz="2400" dirty="0" smtClean="0"/>
+            </a:br>
+            <a:r>
+              <a:rPr lang="ja-JP" altLang="en-US" sz="2400" dirty="0" smtClean="0"/>
+              <a:t>ストレージ</a:t>
+            </a:r>
+            <a:endParaRPr lang="ja-JP" altLang="en-US" sz="2400" dirty="0" smtClean="0"/>
+          </a:p>
+          <a:p>
+            <a:r>
+              <a:rPr lang="ja-JP" altLang="en-US" sz="2400" dirty="0" smtClean="0"/>
               <a:t>計算時間</a:t>
             </a:r>
             <a:r>
-              <a:rPr lang="en-US" altLang="ja-JP" dirty="0" smtClean="0"/>
+              <a:rPr lang="en-US" altLang="ja-JP" sz="2400" dirty="0" smtClean="0"/>
               <a:t>: 3</a:t>
             </a:r>
             <a:r>
-              <a:rPr lang="ja-JP" altLang="en-US" dirty="0" smtClean="0"/>
+              <a:rPr lang="ja-JP" altLang="en-US" sz="2400" dirty="0" smtClean="0"/>
               <a:t>分</a:t>
             </a:r>
-            <a:endParaRPr kumimoji="1" lang="ja-JP" altLang="en-US" dirty="0"/>
+            <a:endParaRPr kumimoji="1" lang="ja-JP" altLang="en-US" sz="2400" dirty="0"/>
           </a:p>
         </p:txBody>
       </p:sp>
@@ -5525,7 +6261,7 @@
 </p:sld>
 </file>
 
-<file path=ppt/slides/slide22.xml><?xml version="1.0" encoding="utf-8"?>
+<file path=ppt/slides/slide28.xml><?xml version="1.0" encoding="utf-8"?>
 <p:sld xmlns:a="http://schemas.openxmlformats.org/drawingml/2006/main" xmlns:r="http://schemas.openxmlformats.org/officeDocument/2006/relationships" xmlns:p="http://schemas.openxmlformats.org/presentationml/2006/main">
   <p:cSld>
     <p:spTree>
@@ -5559,11 +6295,19 @@
           <a:p>
             <a:r>
               <a:rPr kumimoji="1" lang="ja-JP" altLang="en-US" dirty="0" smtClean="0"/>
-              <a:t>お試し問題その</a:t>
+              <a:t>お試し</a:t>
+            </a:r>
+            <a:r>
+              <a:rPr kumimoji="1" lang="ja-JP" altLang="en-US" dirty="0" smtClean="0"/>
+              <a:t>問題</a:t>
             </a:r>
             <a:r>
               <a:rPr kumimoji="1" lang="en-US" altLang="ja-JP" dirty="0" smtClean="0"/>
-              <a:t>3: </a:t>
+              <a:t>3</a:t>
+            </a:r>
+            <a:r>
+              <a:rPr kumimoji="1" lang="en-US" altLang="ja-JP" dirty="0" smtClean="0"/>
+              <a:t>: </a:t>
             </a:r>
             <a:r>
               <a:rPr kumimoji="1" lang="ja-JP" altLang="en-US" dirty="0" smtClean="0"/>
@@ -5591,115 +6335,115 @@
         </p:spPr>
         <p:txBody>
           <a:bodyPr>
-            <a:normAutofit fontScale="92500"/>
+            <a:normAutofit/>
           </a:bodyPr>
           <a:lstStyle/>
           <a:p>
             <a:r>
-              <a:rPr lang="en-US" altLang="ja-JP" dirty="0" smtClean="0"/>
-              <a:t>EC2</a:t>
-            </a:r>
-            <a:r>
-              <a:rPr lang="ja-JP" altLang="en-US" dirty="0" smtClean="0"/>
-              <a:t>インスタンスは</a:t>
-            </a:r>
-            <a:r>
-              <a:rPr lang="en-US" altLang="ja-JP" dirty="0" smtClean="0"/>
-              <a:t>m1.small</a:t>
-            </a:r>
-          </a:p>
-          <a:p>
-            <a:r>
-              <a:rPr lang="en-US" altLang="ja-JP" dirty="0" smtClean="0"/>
+              <a:rPr lang="en-US" altLang="ja-JP" sz="2400" dirty="0" smtClean="0"/>
+              <a:t>Amazon Linux - </a:t>
+            </a:r>
+            <a:r>
+              <a:rPr lang="en-US" altLang="ja-JP" sz="2400" dirty="0" smtClean="0"/>
+              <a:t>m1</a:t>
+            </a:r>
+            <a:r>
+              <a:rPr lang="en-US" altLang="ja-JP" sz="2400" dirty="0" smtClean="0"/>
+              <a:t>.small</a:t>
+            </a:r>
+          </a:p>
+          <a:p>
+            <a:r>
+              <a:rPr lang="en-US" altLang="ja-JP" sz="2400" dirty="0" smtClean="0"/>
               <a:t>EBS</a:t>
             </a:r>
             <a:r>
-              <a:rPr lang="ja-JP" altLang="en-US" dirty="0" smtClean="0"/>
+              <a:rPr lang="ja-JP" altLang="en-US" sz="2400" dirty="0" smtClean="0"/>
               <a:t>は標準ストレージ</a:t>
             </a:r>
             <a:r>
-              <a:rPr lang="en-US" altLang="ja-JP" dirty="0" smtClean="0"/>
+              <a:rPr lang="en-US" altLang="ja-JP" sz="2400" dirty="0" smtClean="0"/>
               <a:t>8GB</a:t>
             </a:r>
             <a:r>
-              <a:rPr lang="en-US" altLang="ja-JP" dirty="0"/>
+              <a:rPr lang="en-US" altLang="ja-JP" sz="2400" dirty="0"/>
               <a:t/>
             </a:r>
             <a:br>
-              <a:rPr lang="en-US" altLang="ja-JP" dirty="0"/>
+              <a:rPr lang="en-US" altLang="ja-JP" sz="2400" dirty="0"/>
             </a:br>
             <a:r>
-              <a:rPr lang="ja-JP" altLang="en-US" dirty="0" smtClean="0"/>
+              <a:rPr lang="ja-JP" altLang="en-US" sz="2400" dirty="0" smtClean="0"/>
               <a:t>（スナップショットなし）</a:t>
             </a:r>
           </a:p>
           <a:p>
             <a:r>
-              <a:rPr lang="ja-JP" altLang="en-US" dirty="0" smtClean="0"/>
+              <a:rPr lang="ja-JP" altLang="en-US" sz="2400" dirty="0" smtClean="0"/>
               <a:t>ファイル数は </a:t>
             </a:r>
             <a:r>
-              <a:rPr lang="en-US" altLang="ja-JP" dirty="0" smtClean="0"/>
+              <a:rPr lang="en-US" altLang="ja-JP" sz="2400" dirty="0" smtClean="0"/>
               <a:t>1610</a:t>
             </a:r>
             <a:r>
-              <a:rPr lang="ja-JP" altLang="en-US" dirty="0" smtClean="0"/>
+              <a:rPr lang="ja-JP" altLang="en-US" sz="2400" dirty="0" smtClean="0"/>
               <a:t>ファイル（</a:t>
             </a:r>
             <a:r>
-              <a:rPr lang="en-US" altLang="ja-JP" dirty="0" smtClean="0"/>
+              <a:rPr lang="en-US" altLang="ja-JP" sz="2400" dirty="0" smtClean="0"/>
               <a:t>HTML 100 / CSS 10 / </a:t>
             </a:r>
             <a:r>
-              <a:rPr lang="ja-JP" altLang="en-US" dirty="0" smtClean="0"/>
+              <a:rPr lang="ja-JP" altLang="en-US" sz="2400" dirty="0" smtClean="0"/>
               <a:t>画像その他 </a:t>
             </a:r>
             <a:r>
-              <a:rPr lang="en-US" altLang="ja-JP" dirty="0" smtClean="0"/>
+              <a:rPr lang="en-US" altLang="ja-JP" sz="2400" dirty="0" smtClean="0"/>
               <a:t>1500</a:t>
             </a:r>
             <a:r>
-              <a:rPr lang="ja-JP" altLang="en-US" dirty="0" smtClean="0"/>
+              <a:rPr lang="ja-JP" altLang="en-US" sz="2400" dirty="0" smtClean="0"/>
               <a:t>）</a:t>
             </a:r>
-            <a:endParaRPr lang="en-US" altLang="ja-JP" dirty="0" smtClean="0"/>
-          </a:p>
-          <a:p>
-            <a:r>
-              <a:rPr lang="ja-JP" altLang="en-US" dirty="0" smtClean="0"/>
+            <a:endParaRPr lang="en-US" altLang="ja-JP" sz="2400" dirty="0" smtClean="0"/>
+          </a:p>
+          <a:p>
+            <a:r>
+              <a:rPr lang="ja-JP" altLang="en-US" sz="2400" dirty="0" smtClean="0"/>
               <a:t>アクセス数は月</a:t>
             </a:r>
             <a:r>
-              <a:rPr lang="en-US" altLang="ja-JP" dirty="0" smtClean="0"/>
+              <a:rPr lang="en-US" altLang="ja-JP" sz="2400" dirty="0" smtClean="0"/>
               <a:t>10</a:t>
             </a:r>
             <a:r>
-              <a:rPr lang="ja-JP" altLang="en-US" dirty="0" smtClean="0"/>
+              <a:rPr lang="ja-JP" altLang="en-US" sz="2400" dirty="0" smtClean="0"/>
               <a:t>万ページビュー </a:t>
             </a:r>
             <a:r>
-              <a:rPr lang="en-US" altLang="ja-JP" dirty="0" smtClean="0"/>
+              <a:rPr lang="en-US" altLang="ja-JP" sz="2400" dirty="0" smtClean="0"/>
               <a:t>/ 100</a:t>
             </a:r>
             <a:r>
-              <a:rPr lang="ja-JP" altLang="en-US" dirty="0" smtClean="0"/>
+              <a:rPr lang="ja-JP" altLang="en-US" sz="2400" dirty="0" smtClean="0"/>
               <a:t>万ヒット</a:t>
             </a:r>
           </a:p>
           <a:p>
             <a:r>
-              <a:rPr lang="ja-JP" altLang="en-US" dirty="0" smtClean="0"/>
+              <a:rPr lang="ja-JP" altLang="en-US" sz="2400" dirty="0" smtClean="0"/>
               <a:t>計算時間</a:t>
             </a:r>
             <a:r>
-              <a:rPr lang="en-US" altLang="ja-JP" dirty="0" smtClean="0"/>
+              <a:rPr lang="en-US" altLang="ja-JP" sz="2400" dirty="0" smtClean="0"/>
               <a:t>: 5</a:t>
             </a:r>
             <a:r>
-              <a:rPr lang="ja-JP" altLang="en-US" dirty="0" smtClean="0"/>
+              <a:rPr lang="ja-JP" altLang="en-US" sz="2400" dirty="0" smtClean="0"/>
               <a:t>分</a:t>
             </a:r>
-            <a:endParaRPr kumimoji="1" lang="ja-JP" altLang="en-US" dirty="0"/>
+            <a:endParaRPr kumimoji="1" lang="ja-JP" altLang="en-US" sz="2400" dirty="0"/>
           </a:p>
         </p:txBody>
       </p:sp>
@@ -5746,6 +6490,163 @@
 </p:sld>
 </file>
 
+<file path=ppt/slides/slide29.xml><?xml version="1.0" encoding="utf-8"?>
+<p:sld xmlns:a="http://schemas.openxmlformats.org/drawingml/2006/main" xmlns:r="http://schemas.openxmlformats.org/officeDocument/2006/relationships" xmlns:p="http://schemas.openxmlformats.org/presentationml/2006/main">
+  <p:cSld>
+    <p:spTree>
+      <p:nvGrpSpPr>
+        <p:cNvPr id="1" name=""/>
+        <p:cNvGrpSpPr/>
+        <p:nvPr/>
+      </p:nvGrpSpPr>
+      <p:grpSpPr>
+        <a:xfrm>
+          <a:off x="0" y="0"/>
+          <a:ext cx="0" cy="0"/>
+          <a:chOff x="0" y="0"/>
+          <a:chExt cx="0" cy="0"/>
+        </a:xfrm>
+      </p:grpSpPr>
+      <p:pic>
+        <p:nvPicPr>
+          <p:cNvPr id="9" name="図 8" descr="集中線.png"/>
+          <p:cNvPicPr>
+            <a:picLocks noChangeAspect="1"/>
+          </p:cNvPicPr>
+          <p:nvPr/>
+        </p:nvPicPr>
+        <p:blipFill>
+          <a:blip r:embed="rId2">
+            <a:extLst>
+              <a:ext uri="{28A0092B-C50C-407E-A947-70E740481C1C}">
+                <a14:useLocalDpi xmlns:a14="http://schemas.microsoft.com/office/drawing/2010/main" val="0"/>
+              </a:ext>
+            </a:extLst>
+          </a:blip>
+          <a:stretch>
+            <a:fillRect/>
+          </a:stretch>
+        </p:blipFill>
+        <p:spPr>
+          <a:xfrm>
+            <a:off x="279400" y="0"/>
+            <a:ext cx="8572500" cy="6858000"/>
+          </a:xfrm>
+          <a:prstGeom prst="rect">
+            <a:avLst/>
+          </a:prstGeom>
+        </p:spPr>
+      </p:pic>
+      <p:pic>
+        <p:nvPicPr>
+          <p:cNvPr id="8" name="図 7" descr="ドドド.png"/>
+          <p:cNvPicPr>
+            <a:picLocks noChangeAspect="1"/>
+          </p:cNvPicPr>
+          <p:nvPr/>
+        </p:nvPicPr>
+        <p:blipFill>
+          <a:blip r:embed="rId3">
+            <a:duotone>
+              <a:prstClr val="black"/>
+              <a:schemeClr val="accent2">
+                <a:tint val="45000"/>
+                <a:satMod val="400000"/>
+              </a:schemeClr>
+            </a:duotone>
+            <a:extLst>
+              <a:ext uri="{28A0092B-C50C-407E-A947-70E740481C1C}">
+                <a14:useLocalDpi xmlns:a14="http://schemas.microsoft.com/office/drawing/2010/main" val="0"/>
+              </a:ext>
+            </a:extLst>
+          </a:blip>
+          <a:stretch>
+            <a:fillRect/>
+          </a:stretch>
+        </p:blipFill>
+        <p:spPr>
+          <a:xfrm>
+            <a:off x="-130933" y="-84403"/>
+            <a:ext cx="9801854" cy="6942403"/>
+          </a:xfrm>
+          <a:prstGeom prst="rect">
+            <a:avLst/>
+          </a:prstGeom>
+        </p:spPr>
+      </p:pic>
+      <p:sp>
+        <p:nvSpPr>
+          <p:cNvPr id="4" name="タイトル 3"/>
+          <p:cNvSpPr>
+            <a:spLocks noGrp="1"/>
+          </p:cNvSpPr>
+          <p:nvPr>
+            <p:ph type="ctrTitle"/>
+          </p:nvPr>
+        </p:nvSpPr>
+        <p:spPr/>
+        <p:txBody>
+          <a:bodyPr>
+            <a:normAutofit/>
+          </a:bodyPr>
+          <a:lstStyle/>
+          <a:p>
+            <a:r>
+              <a:rPr kumimoji="1" lang="en-US" altLang="ja-JP" sz="6000" dirty="0" smtClean="0"/>
+              <a:t>15</a:t>
+            </a:r>
+            <a:r>
+              <a:rPr kumimoji="1" lang="ja-JP" altLang="en-US" sz="6000" dirty="0" smtClean="0"/>
+              <a:t>時から本戦！</a:t>
+            </a:r>
+            <a:endParaRPr kumimoji="1" lang="ja-JP" altLang="en-US" sz="6000" dirty="0"/>
+          </a:p>
+        </p:txBody>
+      </p:sp>
+      <p:sp>
+        <p:nvSpPr>
+          <p:cNvPr id="5" name="サブタイトル 4"/>
+          <p:cNvSpPr>
+            <a:spLocks noGrp="1"/>
+          </p:cNvSpPr>
+          <p:nvPr>
+            <p:ph type="subTitle" idx="1"/>
+          </p:nvPr>
+        </p:nvSpPr>
+        <p:spPr/>
+        <p:txBody>
+          <a:bodyPr/>
+          <a:lstStyle/>
+          <a:p>
+            <a:r>
+              <a:rPr lang="en-US" altLang="ja-JP" dirty="0"/>
+              <a:t>〜</a:t>
+            </a:r>
+            <a:r>
+              <a:rPr lang="ja-JP" altLang="en-US" dirty="0"/>
+              <a:t>全てを支配する覇者は誰だ</a:t>
+            </a:r>
+            <a:r>
+              <a:rPr lang="en-US" altLang="ja-JP" dirty="0" smtClean="0"/>
+              <a:t>〜</a:t>
+            </a:r>
+            <a:endParaRPr lang="ja-JP" altLang="en-US" dirty="0"/>
+          </a:p>
+        </p:txBody>
+      </p:sp>
+    </p:spTree>
+    <p:extLst>
+      <p:ext uri="{BB962C8B-B14F-4D97-AF65-F5344CB8AC3E}">
+        <p14:creationId xmlns:p14="http://schemas.microsoft.com/office/powerpoint/2010/main" val="530236568"/>
+      </p:ext>
+    </p:extLst>
+  </p:cSld>
+  <p:clrMapOvr>
+    <a:masterClrMapping/>
+  </p:clrMapOvr>
+</p:sld>
+</file>
+
 <file path=ppt/slides/slide3.xml><?xml version="1.0" encoding="utf-8"?>
 <p:sld xmlns:a="http://schemas.openxmlformats.org/drawingml/2006/main" xmlns:r="http://schemas.openxmlformats.org/officeDocument/2006/relationships" xmlns:p="http://schemas.openxmlformats.org/presentationml/2006/main">
   <p:cSld>
@@ -5796,14 +6697,14 @@
             <p:ph idx="1"/>
             <p:extLst>
               <p:ext uri="{D42A27DB-BD31-4B8C-83A1-F6EECF244321}">
-                <p14:modId xmlns:p14="http://schemas.microsoft.com/office/powerpoint/2010/main" val="1977426023"/>
+                <p14:modId xmlns:p14="http://schemas.microsoft.com/office/powerpoint/2010/main" val="3879884332"/>
               </p:ext>
             </p:extLst>
           </p:nvPr>
         </p:nvGraphicFramePr>
         <p:xfrm>
-          <a:off x="457200" y="1600200"/>
-          <a:ext cx="8229600" cy="4114800"/>
+          <a:off x="732158" y="1600200"/>
+          <a:ext cx="7804642" cy="3566160"/>
         </p:xfrm>
         <a:graphic>
           <a:graphicData uri="http://schemas.openxmlformats.org/drawingml/2006/table">
@@ -5812,9 +6713,9 @@
                 <a:tableStyleId>{5C22544A-7EE6-4342-B048-85BDC9FD1C3A}</a:tableStyleId>
               </a:tblPr>
               <a:tblGrid>
-                <a:gridCol w="1056290"/>
-                <a:gridCol w="1130768"/>
-                <a:gridCol w="6042542"/>
+                <a:gridCol w="1205643"/>
+                <a:gridCol w="1126020"/>
+                <a:gridCol w="5472979"/>
               </a:tblGrid>
               <a:tr h="370840">
                 <a:tc>
@@ -5823,10 +6724,18 @@
                     <a:lstStyle/>
                     <a:p>
                       <a:r>
-                        <a:rPr lang="ja-JP" altLang="en-US" sz="2400" dirty="0" smtClean="0"/>
+                        <a:rPr lang="ja-JP" altLang="en-US" sz="2000" dirty="0" smtClean="0">
+                          <a:latin typeface="ＤＦＰ太丸ゴシック体"/>
+                          <a:ea typeface="ＤＦＰ太丸ゴシック体"/>
+                          <a:cs typeface="ＤＦＰ太丸ゴシック体"/>
+                        </a:rPr>
                         <a:t>開始</a:t>
                       </a:r>
-                      <a:endParaRPr kumimoji="1" lang="ja-JP" altLang="en-US" sz="2400" dirty="0"/>
+                      <a:endParaRPr kumimoji="1" lang="ja-JP" altLang="en-US" sz="2000" dirty="0">
+                        <a:latin typeface="ＤＦＰ太丸ゴシック体"/>
+                        <a:ea typeface="ＤＦＰ太丸ゴシック体"/>
+                        <a:cs typeface="ＤＦＰ太丸ゴシック体"/>
+                      </a:endParaRPr>
                     </a:p>
                   </a:txBody>
                   <a:tcPr/>
@@ -5837,10 +6746,18 @@
                     <a:lstStyle/>
                     <a:p>
                       <a:r>
-                        <a:rPr lang="ja-JP" altLang="en-US" sz="2400" dirty="0" smtClean="0"/>
+                        <a:rPr lang="ja-JP" altLang="en-US" sz="2000" dirty="0" smtClean="0">
+                          <a:latin typeface="ＤＦＰ太丸ゴシック体"/>
+                          <a:ea typeface="ＤＦＰ太丸ゴシック体"/>
+                          <a:cs typeface="ＤＦＰ太丸ゴシック体"/>
+                        </a:rPr>
                         <a:t>終了</a:t>
                       </a:r>
-                      <a:endParaRPr kumimoji="1" lang="ja-JP" altLang="en-US" sz="2400" dirty="0"/>
+                      <a:endParaRPr kumimoji="1" lang="ja-JP" altLang="en-US" sz="2000" dirty="0">
+                        <a:latin typeface="ＤＦＰ太丸ゴシック体"/>
+                        <a:ea typeface="ＤＦＰ太丸ゴシック体"/>
+                        <a:cs typeface="ＤＦＰ太丸ゴシック体"/>
+                      </a:endParaRPr>
                     </a:p>
                   </a:txBody>
                   <a:tcPr/>
@@ -5868,7 +6785,11 @@
                         <a:defRPr/>
                       </a:pPr>
                       <a:r>
-                        <a:rPr lang="ja-JP" altLang="en-US" sz="2400" dirty="0" smtClean="0"/>
+                        <a:rPr lang="ja-JP" altLang="en-US" sz="2000" dirty="0" smtClean="0">
+                          <a:latin typeface="ＤＦＰ太丸ゴシック体"/>
+                          <a:ea typeface="ＤＦＰ太丸ゴシック体"/>
+                          <a:cs typeface="ＤＦＰ太丸ゴシック体"/>
+                        </a:rPr>
                         <a:t>内容</a:t>
                       </a:r>
                     </a:p>
@@ -5883,10 +6804,18 @@
                     <a:lstStyle/>
                     <a:p>
                       <a:r>
-                        <a:rPr lang="ja-JP" altLang="en-US" sz="2400" dirty="0" smtClean="0"/>
+                        <a:rPr lang="ja-JP" altLang="en-US" sz="2000" dirty="0" smtClean="0">
+                          <a:latin typeface="ＤＦＰ太丸ゴシック体"/>
+                          <a:ea typeface="ＤＦＰ太丸ゴシック体"/>
+                          <a:cs typeface="ＤＦＰ太丸ゴシック体"/>
+                        </a:rPr>
                         <a:t>料金を制覇する者は全てを支配する、王者への誘い</a:t>
                       </a:r>
-                      <a:endParaRPr kumimoji="1" lang="ja-JP" altLang="en-US" sz="2400" dirty="0"/>
+                      <a:endParaRPr kumimoji="1" lang="ja-JP" altLang="en-US" sz="2000" dirty="0">
+                        <a:latin typeface="ＤＦＰ太丸ゴシック体"/>
+                        <a:ea typeface="ＤＦＰ太丸ゴシック体"/>
+                        <a:cs typeface="ＤＦＰ太丸ゴシック体"/>
+                      </a:endParaRPr>
                     </a:p>
                   </a:txBody>
                   <a:tcPr>
@@ -5900,7 +6829,7 @@
                     <a:bodyPr/>
                     <a:lstStyle/>
                     <a:p>
-                      <a:endParaRPr kumimoji="1" lang="ja-JP" altLang="en-US" dirty="0"/>
+                      <a:endParaRPr kumimoji="1" lang="ja-JP" altLang="en-US"/>
                     </a:p>
                   </a:txBody>
                   <a:tcPr/>
@@ -5923,10 +6852,18 @@
                     <a:lstStyle/>
                     <a:p>
                       <a:r>
-                        <a:rPr lang="en-US" altLang="ja-JP" sz="2400" dirty="0" smtClean="0"/>
+                        <a:rPr lang="en-US" altLang="ja-JP" sz="2000" dirty="0" smtClean="0">
+                          <a:latin typeface="ＤＦＰ太丸ゴシック体"/>
+                          <a:ea typeface="ＤＦＰ太丸ゴシック体"/>
+                          <a:cs typeface="ＤＦＰ太丸ゴシック体"/>
+                        </a:rPr>
                         <a:t>14:00</a:t>
                       </a:r>
-                      <a:endParaRPr kumimoji="1" lang="ja-JP" altLang="en-US" sz="2400" dirty="0"/>
+                      <a:endParaRPr kumimoji="1" lang="ja-JP" altLang="en-US" sz="2000" dirty="0">
+                        <a:latin typeface="ＤＦＰ太丸ゴシック体"/>
+                        <a:ea typeface="ＤＦＰ太丸ゴシック体"/>
+                        <a:cs typeface="ＤＦＰ太丸ゴシック体"/>
+                      </a:endParaRPr>
                     </a:p>
                   </a:txBody>
                   <a:tcPr/>
@@ -5937,10 +6874,18 @@
                     <a:lstStyle/>
                     <a:p>
                       <a:r>
-                        <a:rPr lang="en-US" altLang="ja-JP" sz="2400" dirty="0" smtClean="0"/>
+                        <a:rPr lang="en-US" altLang="ja-JP" sz="2000" dirty="0" smtClean="0">
+                          <a:latin typeface="ＤＦＰ太丸ゴシック体"/>
+                          <a:ea typeface="ＤＦＰ太丸ゴシック体"/>
+                          <a:cs typeface="ＤＦＰ太丸ゴシック体"/>
+                        </a:rPr>
                         <a:t>14:10</a:t>
                       </a:r>
-                      <a:endParaRPr kumimoji="1" lang="ja-JP" altLang="en-US" sz="2400" dirty="0"/>
+                      <a:endParaRPr kumimoji="1" lang="ja-JP" altLang="en-US" sz="2000" dirty="0">
+                        <a:latin typeface="ＤＦＰ太丸ゴシック体"/>
+                        <a:ea typeface="ＤＦＰ太丸ゴシック体"/>
+                        <a:cs typeface="ＤＦＰ太丸ゴシック体"/>
+                      </a:endParaRPr>
                     </a:p>
                   </a:txBody>
                   <a:tcPr/>
@@ -5968,7 +6913,11 @@
                         <a:defRPr/>
                       </a:pPr>
                       <a:r>
-                        <a:rPr lang="ja-JP" altLang="en-US" sz="2400" dirty="0" smtClean="0"/>
+                        <a:rPr lang="ja-JP" altLang="en-US" sz="2000" dirty="0" smtClean="0">
+                          <a:latin typeface="ＤＦＰ太丸ゴシック体"/>
+                          <a:ea typeface="ＤＦＰ太丸ゴシック体"/>
+                          <a:cs typeface="ＤＦＰ太丸ゴシック体"/>
+                        </a:rPr>
                         <a:t>趣旨説明</a:t>
                       </a:r>
                     </a:p>
@@ -5983,10 +6932,18 @@
                     <a:lstStyle/>
                     <a:p>
                       <a:r>
-                        <a:rPr lang="en-US" altLang="ja-JP" sz="2400" dirty="0" smtClean="0"/>
+                        <a:rPr lang="en-US" altLang="ja-JP" sz="2000" dirty="0" smtClean="0">
+                          <a:latin typeface="ＤＦＰ太丸ゴシック体"/>
+                          <a:ea typeface="ＤＦＰ太丸ゴシック体"/>
+                          <a:cs typeface="ＤＦＰ太丸ゴシック体"/>
+                        </a:rPr>
                         <a:t>14:10</a:t>
                       </a:r>
-                      <a:endParaRPr kumimoji="1" lang="ja-JP" altLang="en-US" sz="2400" dirty="0"/>
+                      <a:endParaRPr kumimoji="1" lang="ja-JP" altLang="en-US" sz="2000" dirty="0">
+                        <a:latin typeface="ＤＦＰ太丸ゴシック体"/>
+                        <a:ea typeface="ＤＦＰ太丸ゴシック体"/>
+                        <a:cs typeface="ＤＦＰ太丸ゴシック体"/>
+                      </a:endParaRPr>
                     </a:p>
                   </a:txBody>
                   <a:tcPr/>
@@ -5997,10 +6954,18 @@
                     <a:lstStyle/>
                     <a:p>
                       <a:r>
-                        <a:rPr lang="en-US" altLang="ja-JP" sz="2400" dirty="0" smtClean="0"/>
+                        <a:rPr lang="en-US" altLang="ja-JP" sz="2000" dirty="0" smtClean="0">
+                          <a:latin typeface="ＤＦＰ太丸ゴシック体"/>
+                          <a:ea typeface="ＤＦＰ太丸ゴシック体"/>
+                          <a:cs typeface="ＤＦＰ太丸ゴシック体"/>
+                        </a:rPr>
                         <a:t>14:30</a:t>
                       </a:r>
-                      <a:endParaRPr kumimoji="1" lang="ja-JP" altLang="en-US" sz="2400" dirty="0"/>
+                      <a:endParaRPr kumimoji="1" lang="ja-JP" altLang="en-US" sz="2000" dirty="0">
+                        <a:latin typeface="ＤＦＰ太丸ゴシック体"/>
+                        <a:ea typeface="ＤＦＰ太丸ゴシック体"/>
+                        <a:cs typeface="ＤＦＰ太丸ゴシック体"/>
+                      </a:endParaRPr>
                     </a:p>
                   </a:txBody>
                   <a:tcPr/>
@@ -6028,7 +6993,11 @@
                         <a:defRPr/>
                       </a:pPr>
                       <a:r>
-                        <a:rPr lang="ja-JP" altLang="en-US" sz="2400" dirty="0" smtClean="0"/>
+                        <a:rPr lang="ja-JP" altLang="en-US" sz="2000" dirty="0" smtClean="0">
+                          <a:latin typeface="ＤＦＰ太丸ゴシック体"/>
+                          <a:ea typeface="ＤＦＰ太丸ゴシック体"/>
+                          <a:cs typeface="ＤＦＰ太丸ゴシック体"/>
+                        </a:rPr>
                         <a:t>料金体系の概要説明</a:t>
                       </a:r>
                     </a:p>
@@ -6043,10 +7012,18 @@
                     <a:lstStyle/>
                     <a:p>
                       <a:r>
-                        <a:rPr lang="en-US" altLang="ja-JP" sz="2400" dirty="0" smtClean="0"/>
+                        <a:rPr lang="en-US" altLang="ja-JP" sz="2000" dirty="0" smtClean="0">
+                          <a:latin typeface="ＤＦＰ太丸ゴシック体"/>
+                          <a:ea typeface="ＤＦＰ太丸ゴシック体"/>
+                          <a:cs typeface="ＤＦＰ太丸ゴシック体"/>
+                        </a:rPr>
                         <a:t>14:30</a:t>
                       </a:r>
-                      <a:endParaRPr kumimoji="1" lang="ja-JP" altLang="en-US" sz="2400" dirty="0"/>
+                      <a:endParaRPr kumimoji="1" lang="ja-JP" altLang="en-US" sz="2000" dirty="0">
+                        <a:latin typeface="ＤＦＰ太丸ゴシック体"/>
+                        <a:ea typeface="ＤＦＰ太丸ゴシック体"/>
+                        <a:cs typeface="ＤＦＰ太丸ゴシック体"/>
+                      </a:endParaRPr>
                     </a:p>
                   </a:txBody>
                   <a:tcPr/>
@@ -6057,10 +7034,18 @@
                     <a:lstStyle/>
                     <a:p>
                       <a:r>
-                        <a:rPr lang="en-US" altLang="ja-JP" sz="2400" dirty="0" smtClean="0"/>
+                        <a:rPr lang="en-US" altLang="ja-JP" sz="2000" dirty="0" smtClean="0">
+                          <a:latin typeface="ＤＦＰ太丸ゴシック体"/>
+                          <a:ea typeface="ＤＦＰ太丸ゴシック体"/>
+                          <a:cs typeface="ＤＦＰ太丸ゴシック体"/>
+                        </a:rPr>
                         <a:t>14:50</a:t>
                       </a:r>
-                      <a:endParaRPr kumimoji="1" lang="ja-JP" altLang="en-US" sz="2400" dirty="0"/>
+                      <a:endParaRPr kumimoji="1" lang="ja-JP" altLang="en-US" sz="2000" dirty="0">
+                        <a:latin typeface="ＤＦＰ太丸ゴシック体"/>
+                        <a:ea typeface="ＤＦＰ太丸ゴシック体"/>
+                        <a:cs typeface="ＤＦＰ太丸ゴシック体"/>
+                      </a:endParaRPr>
                     </a:p>
                   </a:txBody>
                   <a:tcPr/>
@@ -6088,7 +7073,11 @@
                         <a:defRPr/>
                       </a:pPr>
                       <a:r>
-                        <a:rPr lang="ja-JP" altLang="en-US" sz="2400" dirty="0" smtClean="0"/>
+                        <a:rPr lang="ja-JP" altLang="en-US" sz="2000" dirty="0" smtClean="0">
+                          <a:latin typeface="ＤＦＰ太丸ゴシック体"/>
+                          <a:ea typeface="ＤＦＰ太丸ゴシック体"/>
+                          <a:cs typeface="ＤＦＰ太丸ゴシック体"/>
+                        </a:rPr>
                         <a:t>決定戦の説明、お試し問題</a:t>
                       </a:r>
                     </a:p>
@@ -6103,10 +7092,18 @@
                     <a:lstStyle/>
                     <a:p>
                       <a:r>
-                        <a:rPr lang="en-US" altLang="ja-JP" sz="2400" dirty="0" smtClean="0"/>
+                        <a:rPr lang="en-US" altLang="ja-JP" sz="2000" dirty="0" smtClean="0">
+                          <a:latin typeface="ＤＦＰ太丸ゴシック体"/>
+                          <a:ea typeface="ＤＦＰ太丸ゴシック体"/>
+                          <a:cs typeface="ＤＦＰ太丸ゴシック体"/>
+                        </a:rPr>
                         <a:t>14:50</a:t>
                       </a:r>
-                      <a:endParaRPr kumimoji="1" lang="ja-JP" altLang="en-US" sz="2400" dirty="0"/>
+                      <a:endParaRPr kumimoji="1" lang="ja-JP" altLang="en-US" sz="2000" dirty="0">
+                        <a:latin typeface="ＤＦＰ太丸ゴシック体"/>
+                        <a:ea typeface="ＤＦＰ太丸ゴシック体"/>
+                        <a:cs typeface="ＤＦＰ太丸ゴシック体"/>
+                      </a:endParaRPr>
                     </a:p>
                   </a:txBody>
                   <a:tcPr/>
@@ -6117,10 +7114,18 @@
                     <a:lstStyle/>
                     <a:p>
                       <a:r>
-                        <a:rPr lang="en-US" altLang="ja-JP" sz="2400" dirty="0" smtClean="0"/>
+                        <a:rPr lang="en-US" altLang="ja-JP" sz="2000" dirty="0" smtClean="0">
+                          <a:latin typeface="ＤＦＰ太丸ゴシック体"/>
+                          <a:ea typeface="ＤＦＰ太丸ゴシック体"/>
+                          <a:cs typeface="ＤＦＰ太丸ゴシック体"/>
+                        </a:rPr>
                         <a:t>15:00</a:t>
                       </a:r>
-                      <a:endParaRPr kumimoji="1" lang="ja-JP" altLang="en-US" sz="2400" dirty="0"/>
+                      <a:endParaRPr kumimoji="1" lang="ja-JP" altLang="en-US" sz="2000" dirty="0">
+                        <a:latin typeface="ＤＦＰ太丸ゴシック体"/>
+                        <a:ea typeface="ＤＦＰ太丸ゴシック体"/>
+                        <a:cs typeface="ＤＦＰ太丸ゴシック体"/>
+                      </a:endParaRPr>
                     </a:p>
                   </a:txBody>
                   <a:tcPr/>
@@ -6148,7 +7153,11 @@
                         <a:defRPr/>
                       </a:pPr>
                       <a:r>
-                        <a:rPr lang="ja-JP" altLang="en-US" sz="2400" dirty="0" smtClean="0"/>
+                        <a:rPr lang="ja-JP" altLang="en-US" sz="2000" dirty="0" smtClean="0">
+                          <a:latin typeface="ＤＦＰ太丸ゴシック体"/>
+                          <a:ea typeface="ＤＦＰ太丸ゴシック体"/>
+                          <a:cs typeface="ＤＦＰ太丸ゴシック体"/>
+                        </a:rPr>
                         <a:t>休憩、その間にグループを組んでも良い</a:t>
                       </a:r>
                     </a:p>
@@ -6163,10 +7172,18 @@
                     <a:lstStyle/>
                     <a:p>
                       <a:r>
-                        <a:rPr lang="ja-JP" altLang="en-US" sz="2400" dirty="0" smtClean="0"/>
+                        <a:rPr lang="ja-JP" altLang="en-US" sz="2000" dirty="0" smtClean="0">
+                          <a:latin typeface="ＤＦＰ太丸ゴシック体"/>
+                          <a:ea typeface="ＤＦＰ太丸ゴシック体"/>
+                          <a:cs typeface="ＤＦＰ太丸ゴシック体"/>
+                        </a:rPr>
                         <a:t>全てを支配する覇者は誰だ</a:t>
                       </a:r>
-                      <a:endParaRPr kumimoji="1" lang="ja-JP" altLang="en-US" sz="2400" dirty="0"/>
+                      <a:endParaRPr kumimoji="1" lang="ja-JP" altLang="en-US" sz="2000" dirty="0">
+                        <a:latin typeface="ＤＦＰ太丸ゴシック体"/>
+                        <a:ea typeface="ＤＦＰ太丸ゴシック体"/>
+                        <a:cs typeface="ＤＦＰ太丸ゴシック体"/>
+                      </a:endParaRPr>
                     </a:p>
                   </a:txBody>
                   <a:tcPr>
@@ -6180,7 +7197,7 @@
                     <a:bodyPr/>
                     <a:lstStyle/>
                     <a:p>
-                      <a:endParaRPr kumimoji="1" lang="ja-JP" altLang="en-US" dirty="0"/>
+                      <a:endParaRPr kumimoji="1" lang="ja-JP" altLang="en-US"/>
                     </a:p>
                   </a:txBody>
                   <a:tcPr/>
@@ -6203,10 +7220,18 @@
                     <a:lstStyle/>
                     <a:p>
                       <a:r>
-                        <a:rPr lang="en-US" altLang="ja-JP" sz="2400" dirty="0" smtClean="0"/>
+                        <a:rPr lang="en-US" altLang="ja-JP" sz="2000" dirty="0" smtClean="0">
+                          <a:latin typeface="ＤＦＰ太丸ゴシック体"/>
+                          <a:ea typeface="ＤＦＰ太丸ゴシック体"/>
+                          <a:cs typeface="ＤＦＰ太丸ゴシック体"/>
+                        </a:rPr>
                         <a:t>15:00</a:t>
                       </a:r>
-                      <a:endParaRPr kumimoji="1" lang="ja-JP" altLang="en-US" sz="2400" dirty="0"/>
+                      <a:endParaRPr kumimoji="1" lang="ja-JP" altLang="en-US" sz="2000" dirty="0">
+                        <a:latin typeface="ＤＦＰ太丸ゴシック体"/>
+                        <a:ea typeface="ＤＦＰ太丸ゴシック体"/>
+                        <a:cs typeface="ＤＦＰ太丸ゴシック体"/>
+                      </a:endParaRPr>
                     </a:p>
                   </a:txBody>
                   <a:tcPr/>
@@ -6217,10 +7242,18 @@
                     <a:lstStyle/>
                     <a:p>
                       <a:r>
-                        <a:rPr lang="en-US" altLang="ja-JP" sz="2400" dirty="0" smtClean="0"/>
+                        <a:rPr lang="en-US" altLang="ja-JP" sz="2000" dirty="0" smtClean="0">
+                          <a:latin typeface="ＤＦＰ太丸ゴシック体"/>
+                          <a:ea typeface="ＤＦＰ太丸ゴシック体"/>
+                          <a:cs typeface="ＤＦＰ太丸ゴシック体"/>
+                        </a:rPr>
                         <a:t>15:40</a:t>
                       </a:r>
-                      <a:endParaRPr kumimoji="1" lang="ja-JP" altLang="en-US" sz="2400" dirty="0"/>
+                      <a:endParaRPr kumimoji="1" lang="ja-JP" altLang="en-US" sz="2000" dirty="0">
+                        <a:latin typeface="ＤＦＰ太丸ゴシック体"/>
+                        <a:ea typeface="ＤＦＰ太丸ゴシック体"/>
+                        <a:cs typeface="ＤＦＰ太丸ゴシック体"/>
+                      </a:endParaRPr>
                     </a:p>
                   </a:txBody>
                   <a:tcPr/>
@@ -6248,7 +7281,11 @@
                         <a:defRPr/>
                       </a:pPr>
                       <a:r>
-                        <a:rPr lang="ja-JP" altLang="en-US" sz="2400" dirty="0" smtClean="0"/>
+                        <a:rPr lang="ja-JP" altLang="en-US" sz="2000" dirty="0" smtClean="0">
+                          <a:latin typeface="ＤＦＰ太丸ゴシック体"/>
+                          <a:ea typeface="ＤＦＰ太丸ゴシック体"/>
+                          <a:cs typeface="ＤＦＰ太丸ゴシック体"/>
+                        </a:rPr>
                         <a:t>王者決定戦</a:t>
                       </a:r>
                     </a:p>
@@ -6263,10 +7300,18 @@
                     <a:lstStyle/>
                     <a:p>
                       <a:r>
-                        <a:rPr lang="en-US" altLang="ja-JP" sz="2400" dirty="0" smtClean="0"/>
+                        <a:rPr lang="en-US" altLang="ja-JP" sz="2000" dirty="0" smtClean="0">
+                          <a:latin typeface="ＤＦＰ太丸ゴシック体"/>
+                          <a:ea typeface="ＤＦＰ太丸ゴシック体"/>
+                          <a:cs typeface="ＤＦＰ太丸ゴシック体"/>
+                        </a:rPr>
                         <a:t>15:40</a:t>
                       </a:r>
-                      <a:endParaRPr kumimoji="1" lang="ja-JP" altLang="en-US" sz="2400" dirty="0"/>
+                      <a:endParaRPr kumimoji="1" lang="ja-JP" altLang="en-US" sz="2000" dirty="0">
+                        <a:latin typeface="ＤＦＰ太丸ゴシック体"/>
+                        <a:ea typeface="ＤＦＰ太丸ゴシック体"/>
+                        <a:cs typeface="ＤＦＰ太丸ゴシック体"/>
+                      </a:endParaRPr>
                     </a:p>
                   </a:txBody>
                   <a:tcPr/>
@@ -6277,10 +7322,18 @@
                     <a:lstStyle/>
                     <a:p>
                       <a:r>
-                        <a:rPr lang="en-US" altLang="ja-JP" sz="2400" dirty="0" smtClean="0"/>
+                        <a:rPr lang="en-US" altLang="ja-JP" sz="2000" dirty="0" smtClean="0">
+                          <a:latin typeface="ＤＦＰ太丸ゴシック体"/>
+                          <a:ea typeface="ＤＦＰ太丸ゴシック体"/>
+                          <a:cs typeface="ＤＦＰ太丸ゴシック体"/>
+                        </a:rPr>
                         <a:t>15:50</a:t>
                       </a:r>
-                      <a:endParaRPr kumimoji="1" lang="ja-JP" altLang="en-US" sz="2400" dirty="0"/>
+                      <a:endParaRPr kumimoji="1" lang="ja-JP" altLang="en-US" sz="2000" dirty="0">
+                        <a:latin typeface="ＤＦＰ太丸ゴシック体"/>
+                        <a:ea typeface="ＤＦＰ太丸ゴシック体"/>
+                        <a:cs typeface="ＤＦＰ太丸ゴシック体"/>
+                      </a:endParaRPr>
                     </a:p>
                   </a:txBody>
                   <a:tcPr/>
@@ -6308,7 +7361,11 @@
                         <a:defRPr/>
                       </a:pPr>
                       <a:r>
-                        <a:rPr lang="ja-JP" altLang="en-US" sz="2400" dirty="0" smtClean="0"/>
+                        <a:rPr lang="ja-JP" altLang="en-US" sz="2000" dirty="0" smtClean="0">
+                          <a:latin typeface="ＤＦＰ太丸ゴシック体"/>
+                          <a:ea typeface="ＤＦＰ太丸ゴシック体"/>
+                          <a:cs typeface="ＤＦＰ太丸ゴシック体"/>
+                        </a:rPr>
                         <a:t>表彰式</a:t>
                       </a:r>
                     </a:p>
@@ -6369,35 +7426,42 @@
         </p:nvSpPr>
         <p:spPr/>
         <p:txBody>
-          <a:bodyPr/>
-          <a:lstStyle/>
-          <a:p>
-            <a:r>
-              <a:rPr lang="ja-JP" altLang="en-US" dirty="0" smtClean="0"/>
-              <a:t>本セッション取り扱いサービス</a:t>
-            </a:r>
-            <a:endParaRPr kumimoji="1" lang="ja-JP" altLang="en-US" dirty="0"/>
-          </a:p>
-        </p:txBody>
-      </p:sp>
-      <p:sp>
-        <p:nvSpPr>
-          <p:cNvPr id="3" name="コンテンツ プレースホルダー 2"/>
-          <p:cNvSpPr>
-            <a:spLocks noGrp="1"/>
-          </p:cNvSpPr>
-          <p:nvPr>
-            <p:ph sz="half" idx="1"/>
-          </p:nvPr>
-        </p:nvSpPr>
-        <p:spPr/>
-        <p:txBody>
           <a:bodyPr>
             <a:normAutofit/>
           </a:bodyPr>
           <a:lstStyle/>
           <a:p>
             <a:r>
+              <a:rPr lang="ja-JP" altLang="en-US" sz="4000" dirty="0" smtClean="0"/>
+              <a:t>本セッション取り扱いサービス</a:t>
+            </a:r>
+            <a:endParaRPr kumimoji="1" lang="ja-JP" altLang="en-US" sz="4000" dirty="0"/>
+          </a:p>
+        </p:txBody>
+      </p:sp>
+      <p:sp>
+        <p:nvSpPr>
+          <p:cNvPr id="3" name="コンテンツ プレースホルダー 2"/>
+          <p:cNvSpPr>
+            <a:spLocks noGrp="1"/>
+          </p:cNvSpPr>
+          <p:nvPr>
+            <p:ph sz="half" idx="1"/>
+          </p:nvPr>
+        </p:nvSpPr>
+        <p:spPr>
+          <a:xfrm>
+            <a:off x="1072583" y="1600200"/>
+            <a:ext cx="3483869" cy="4525963"/>
+          </a:xfrm>
+        </p:spPr>
+        <p:txBody>
+          <a:bodyPr>
+            <a:normAutofit/>
+          </a:bodyPr>
+          <a:lstStyle/>
+          <a:p>
+            <a:r>
               <a:rPr kumimoji="1" lang="en-US" altLang="ja-JP" sz="4800" dirty="0" smtClean="0"/>
               <a:t>EC2</a:t>
             </a:r>
@@ -6413,7 +7477,6 @@
               <a:rPr kumimoji="1" lang="en-US" altLang="ja-JP" sz="4800" dirty="0" smtClean="0"/>
               <a:t>EBS</a:t>
             </a:r>
-            <a:endParaRPr kumimoji="1" lang="en-US" altLang="ja-JP" sz="4800" dirty="0" smtClean="0"/>
           </a:p>
         </p:txBody>
       </p:sp>
@@ -6567,6 +7630,13 @@
   <p:clrMapOvr>
     <a:masterClrMapping/>
   </p:clrMapOvr>
+  <p:timing>
+    <p:tnLst>
+      <p:par>
+        <p:cTn xmlns:p14="http://schemas.microsoft.com/office/powerpoint/2010/main" id="1" dur="indefinite" restart="never" nodeType="tmRoot"/>
+      </p:par>
+    </p:tnLst>
+  </p:timing>
 </p:sld>
 </file>
 
@@ -6587,44 +7657,14 @@
           <a:chExt cx="0" cy="0"/>
         </a:xfrm>
       </p:grpSpPr>
-      <p:pic>
-        <p:nvPicPr>
-          <p:cNvPr id="4" name="図 3" descr="ストレージ.png"/>
-          <p:cNvPicPr>
-            <a:picLocks noChangeAspect="1"/>
-          </p:cNvPicPr>
-          <p:nvPr/>
-        </p:nvPicPr>
-        <p:blipFill>
-          <a:blip r:embed="rId2">
-            <a:extLst>
-              <a:ext uri="{28A0092B-C50C-407E-A947-70E740481C1C}">
-                <a14:useLocalDpi xmlns:a14="http://schemas.microsoft.com/office/drawing/2010/main" val="0"/>
-              </a:ext>
-            </a:extLst>
-          </a:blip>
-          <a:stretch>
-            <a:fillRect/>
-          </a:stretch>
-        </p:blipFill>
-        <p:spPr>
-          <a:xfrm>
-            <a:off x="0" y="424874"/>
-            <a:ext cx="6908800" cy="6172200"/>
-          </a:xfrm>
-          <a:prstGeom prst="rect">
-            <a:avLst/>
-          </a:prstGeom>
-        </p:spPr>
-      </p:pic>
-      <p:sp>
-        <p:nvSpPr>
-          <p:cNvPr id="2" name="タイトル 1"/>
-          <p:cNvSpPr>
-            <a:spLocks noGrp="1"/>
-          </p:cNvSpPr>
-          <p:nvPr>
-            <p:ph type="title"/>
+      <p:sp>
+        <p:nvSpPr>
+          <p:cNvPr id="4" name="タイトル 3"/>
+          <p:cNvSpPr>
+            <a:spLocks noGrp="1"/>
+          </p:cNvSpPr>
+          <p:nvPr>
+            <p:ph type="ctrTitle"/>
           </p:nvPr>
         </p:nvSpPr>
         <p:spPr/>
@@ -6633,9 +7673,28 @@
           <a:lstStyle/>
           <a:p>
             <a:r>
-              <a:rPr kumimoji="1" lang="en-US" altLang="ja-JP" dirty="0" smtClean="0"/>
-              <a:t>S3</a:t>
-            </a:r>
+              <a:rPr lang="ja-JP" altLang="en-US" dirty="0" smtClean="0"/>
+              <a:t>稼動時間</a:t>
+            </a:r>
+            <a:endParaRPr kumimoji="1" lang="ja-JP" altLang="en-US" dirty="0"/>
+          </a:p>
+        </p:txBody>
+      </p:sp>
+      <p:sp>
+        <p:nvSpPr>
+          <p:cNvPr id="5" name="サブタイトル 4"/>
+          <p:cNvSpPr>
+            <a:spLocks noGrp="1"/>
+          </p:cNvSpPr>
+          <p:nvPr>
+            <p:ph type="subTitle" idx="1"/>
+          </p:nvPr>
+        </p:nvSpPr>
+        <p:spPr/>
+        <p:txBody>
+          <a:bodyPr/>
+          <a:lstStyle/>
+          <a:p>
             <a:endParaRPr kumimoji="1" lang="ja-JP" altLang="en-US" dirty="0"/>
           </a:p>
         </p:txBody>
@@ -6643,7 +7702,7 @@
     </p:spTree>
     <p:extLst>
       <p:ext uri="{BB962C8B-B14F-4D97-AF65-F5344CB8AC3E}">
-        <p14:creationId xmlns:p14="http://schemas.microsoft.com/office/powerpoint/2010/main" val="4061896524"/>
+        <p14:creationId xmlns:p14="http://schemas.microsoft.com/office/powerpoint/2010/main" val="393829415"/>
       </p:ext>
     </p:extLst>
   </p:cSld>
@@ -6687,7 +7746,7 @@
           <a:p>
             <a:r>
               <a:rPr kumimoji="1" lang="en-US" altLang="ja-JP" dirty="0" smtClean="0"/>
-              <a:t>S3</a:t>
+              <a:t>EC2</a:t>
             </a:r>
             <a:endParaRPr kumimoji="1" lang="ja-JP" altLang="en-US" dirty="0"/>
           </a:p>
@@ -6695,7 +7754,7 @@
       </p:sp>
       <p:pic>
         <p:nvPicPr>
-          <p:cNvPr id="3" name="図 2" descr="データ転送.png"/>
+          <p:cNvPr id="3" name="図 2" descr="Price.png"/>
           <p:cNvPicPr>
             <a:picLocks noChangeAspect="1"/>
           </p:cNvPicPr>
@@ -6715,8 +7774,8 @@
         </p:blipFill>
         <p:spPr>
           <a:xfrm>
-            <a:off x="0" y="12700"/>
-            <a:ext cx="8026400" cy="6845300"/>
+            <a:off x="602291" y="1165881"/>
+            <a:ext cx="7921418" cy="4303277"/>
           </a:xfrm>
           <a:prstGeom prst="rect">
             <a:avLst/>
@@ -6726,7 +7785,7 @@
     </p:spTree>
     <p:extLst>
       <p:ext uri="{BB962C8B-B14F-4D97-AF65-F5344CB8AC3E}">
-        <p14:creationId xmlns:p14="http://schemas.microsoft.com/office/powerpoint/2010/main" val="343156972"/>
+        <p14:creationId xmlns:p14="http://schemas.microsoft.com/office/powerpoint/2010/main" val="2340472472"/>
       </p:ext>
     </p:extLst>
   </p:cSld>
@@ -6770,7 +7829,7 @@
           <a:p>
             <a:r>
               <a:rPr kumimoji="1" lang="en-US" altLang="ja-JP" dirty="0" smtClean="0"/>
-              <a:t>S3</a:t>
+              <a:t>RDS</a:t>
             </a:r>
             <a:endParaRPr kumimoji="1" lang="ja-JP" altLang="en-US" dirty="0"/>
           </a:p>
@@ -6778,7 +7837,7 @@
       </p:sp>
       <p:pic>
         <p:nvPicPr>
-          <p:cNvPr id="3" name="図 2" descr="リクエスト.png"/>
+          <p:cNvPr id="4" name="図 3" descr="MySQL.png"/>
           <p:cNvPicPr>
             <a:picLocks noChangeAspect="1"/>
           </p:cNvPicPr>
@@ -6798,8 +7857,8 @@
         </p:blipFill>
         <p:spPr>
           <a:xfrm>
-            <a:off x="1608537" y="1273941"/>
-            <a:ext cx="5372100" cy="3594100"/>
+            <a:off x="1348837" y="576135"/>
+            <a:ext cx="6490569" cy="5970881"/>
           </a:xfrm>
           <a:prstGeom prst="rect">
             <a:avLst/>
@@ -6809,7 +7868,7 @@
     </p:spTree>
     <p:extLst>
       <p:ext uri="{BB962C8B-B14F-4D97-AF65-F5344CB8AC3E}">
-        <p14:creationId xmlns:p14="http://schemas.microsoft.com/office/powerpoint/2010/main" val="884151711"/>
+        <p14:creationId xmlns:p14="http://schemas.microsoft.com/office/powerpoint/2010/main" val="231414792"/>
       </p:ext>
     </p:extLst>
   </p:cSld>
@@ -6838,98 +7897,50 @@
       </p:grpSpPr>
       <p:sp>
         <p:nvSpPr>
-          <p:cNvPr id="2" name="タイトル 1"/>
-          <p:cNvSpPr>
-            <a:spLocks noGrp="1"/>
-          </p:cNvSpPr>
-          <p:nvPr>
-            <p:ph type="title"/>
-          </p:nvPr>
-        </p:nvSpPr>
-        <p:spPr>
-          <a:xfrm>
-            <a:off x="7148917" y="0"/>
-            <a:ext cx="1995084" cy="1143000"/>
-          </a:xfrm>
-        </p:spPr>
-        <p:txBody>
-          <a:bodyPr>
-            <a:normAutofit fontScale="90000"/>
-          </a:bodyPr>
-          <a:lstStyle/>
-          <a:p>
-            <a:r>
-              <a:rPr kumimoji="1" lang="en-US" altLang="ja-JP" dirty="0" smtClean="0"/>
-              <a:t>Route53</a:t>
+          <p:cNvPr id="4" name="タイトル 3"/>
+          <p:cNvSpPr>
+            <a:spLocks noGrp="1"/>
+          </p:cNvSpPr>
+          <p:nvPr>
+            <p:ph type="ctrTitle"/>
+          </p:nvPr>
+        </p:nvSpPr>
+        <p:spPr/>
+        <p:txBody>
+          <a:bodyPr/>
+          <a:lstStyle/>
+          <a:p>
+            <a:r>
+              <a:rPr lang="ja-JP" altLang="en-US" dirty="0" smtClean="0"/>
+              <a:t>ストレージ</a:t>
             </a:r>
             <a:endParaRPr kumimoji="1" lang="ja-JP" altLang="en-US" dirty="0"/>
           </a:p>
         </p:txBody>
       </p:sp>
-      <p:pic>
-        <p:nvPicPr>
-          <p:cNvPr id="3" name="図 2" descr="ホストゾーン.png"/>
-          <p:cNvPicPr>
-            <a:picLocks noChangeAspect="1"/>
-          </p:cNvPicPr>
-          <p:nvPr/>
-        </p:nvPicPr>
-        <p:blipFill>
-          <a:blip r:embed="rId2">
-            <a:extLst>
-              <a:ext uri="{28A0092B-C50C-407E-A947-70E740481C1C}">
-                <a14:useLocalDpi xmlns:a14="http://schemas.microsoft.com/office/drawing/2010/main" val="0"/>
-              </a:ext>
-            </a:extLst>
-          </a:blip>
-          <a:stretch>
-            <a:fillRect/>
-          </a:stretch>
-        </p:blipFill>
-        <p:spPr>
-          <a:xfrm>
-            <a:off x="209583" y="104343"/>
-            <a:ext cx="5080000" cy="3771900"/>
-          </a:xfrm>
-          <a:prstGeom prst="rect">
-            <a:avLst/>
-          </a:prstGeom>
-        </p:spPr>
-      </p:pic>
-      <p:pic>
-        <p:nvPicPr>
-          <p:cNvPr id="5" name="図 4" descr="クエリ.png"/>
-          <p:cNvPicPr>
-            <a:picLocks noChangeAspect="1"/>
-          </p:cNvPicPr>
-          <p:nvPr/>
-        </p:nvPicPr>
-        <p:blipFill>
-          <a:blip r:embed="rId3">
-            <a:extLst>
-              <a:ext uri="{28A0092B-C50C-407E-A947-70E740481C1C}">
-                <a14:useLocalDpi xmlns:a14="http://schemas.microsoft.com/office/drawing/2010/main" val="0"/>
-              </a:ext>
-            </a:extLst>
-          </a:blip>
-          <a:stretch>
-            <a:fillRect/>
-          </a:stretch>
-        </p:blipFill>
-        <p:spPr>
-          <a:xfrm>
-            <a:off x="209583" y="4235277"/>
-            <a:ext cx="7017983" cy="2439406"/>
-          </a:xfrm>
-          <a:prstGeom prst="rect">
-            <a:avLst/>
-          </a:prstGeom>
-        </p:spPr>
-      </p:pic>
+      <p:sp>
+        <p:nvSpPr>
+          <p:cNvPr id="5" name="サブタイトル 4"/>
+          <p:cNvSpPr>
+            <a:spLocks noGrp="1"/>
+          </p:cNvSpPr>
+          <p:nvPr>
+            <p:ph type="subTitle" idx="1"/>
+          </p:nvPr>
+        </p:nvSpPr>
+        <p:spPr/>
+        <p:txBody>
+          <a:bodyPr/>
+          <a:lstStyle/>
+          <a:p>
+            <a:endParaRPr kumimoji="1" lang="ja-JP" altLang="en-US" dirty="0"/>
+          </a:p>
+        </p:txBody>
+      </p:sp>
     </p:spTree>
     <p:extLst>
       <p:ext uri="{BB962C8B-B14F-4D97-AF65-F5344CB8AC3E}">
-        <p14:creationId xmlns:p14="http://schemas.microsoft.com/office/powerpoint/2010/main" val="1231260668"/>
+        <p14:creationId xmlns:p14="http://schemas.microsoft.com/office/powerpoint/2010/main" val="2870397263"/>
       </p:ext>
     </p:extLst>
   </p:cSld>

--- a/slide/AWS料金体系グランドマスター王者決定戦.pptx
+++ b/slide/AWS料金体系グランドマスター王者決定戦.pptx
@@ -31,9 +31,10 @@
     <p:sldId id="275" r:id="rId25"/>
     <p:sldId id="279" r:id="rId26"/>
     <p:sldId id="276" r:id="rId27"/>
-    <p:sldId id="277" r:id="rId28"/>
-    <p:sldId id="278" r:id="rId29"/>
-    <p:sldId id="286" r:id="rId30"/>
+    <p:sldId id="287" r:id="rId28"/>
+    <p:sldId id="277" r:id="rId29"/>
+    <p:sldId id="278" r:id="rId30"/>
+    <p:sldId id="286" r:id="rId31"/>
   </p:sldIdLst>
   <p:sldSz cx="9144000" cy="6858000" type="screen4x3"/>
   <p:notesSz cx="6858000" cy="9144000"/>
@@ -316,7 +317,7 @@
           <a:p>
             <a:fld id="{87A20906-838A-FE42-BD73-11DF18A1784C}" type="datetimeFigureOut">
               <a:rPr kumimoji="1" lang="ja-JP" altLang="en-US" smtClean="0"/>
-              <a:t>14/03/09</a:t>
+              <a:t>2014/03/15</a:t>
             </a:fld>
             <a:endParaRPr kumimoji="1" lang="ja-JP" altLang="en-US" dirty="0"/>
           </a:p>
@@ -569,7 +570,7 @@
           <a:p>
             <a:fld id="{87A20906-838A-FE42-BD73-11DF18A1784C}" type="datetimeFigureOut">
               <a:rPr kumimoji="1" lang="ja-JP" altLang="en-US" smtClean="0"/>
-              <a:t>14/03/09</a:t>
+              <a:t>2014/03/15</a:t>
             </a:fld>
             <a:endParaRPr kumimoji="1" lang="ja-JP" altLang="en-US"/>
           </a:p>
@@ -771,7 +772,7 @@
           <a:p>
             <a:fld id="{87A20906-838A-FE42-BD73-11DF18A1784C}" type="datetimeFigureOut">
               <a:rPr kumimoji="1" lang="ja-JP" altLang="en-US" smtClean="0"/>
-              <a:t>14/03/09</a:t>
+              <a:t>2014/03/15</a:t>
             </a:fld>
             <a:endParaRPr kumimoji="1" lang="ja-JP" altLang="en-US"/>
           </a:p>
@@ -983,7 +984,7 @@
           <a:p>
             <a:fld id="{87A20906-838A-FE42-BD73-11DF18A1784C}" type="datetimeFigureOut">
               <a:rPr kumimoji="1" lang="ja-JP" altLang="en-US" smtClean="0"/>
-              <a:t>14/03/09</a:t>
+              <a:t>2014/03/15</a:t>
             </a:fld>
             <a:endParaRPr kumimoji="1" lang="ja-JP" altLang="en-US"/>
           </a:p>
@@ -1185,7 +1186,7 @@
           <a:p>
             <a:fld id="{87A20906-838A-FE42-BD73-11DF18A1784C}" type="datetimeFigureOut">
               <a:rPr kumimoji="1" lang="ja-JP" altLang="en-US" smtClean="0"/>
-              <a:t>14/03/09</a:t>
+              <a:t>2014/03/15</a:t>
             </a:fld>
             <a:endParaRPr kumimoji="1" lang="ja-JP" altLang="en-US"/>
           </a:p>
@@ -1321,7 +1322,7 @@
           <a:p>
             <a:fld id="{87A20906-838A-FE42-BD73-11DF18A1784C}" type="datetimeFigureOut">
               <a:rPr kumimoji="1" lang="ja-JP" altLang="en-US" smtClean="0"/>
-              <a:t>14/03/09</a:t>
+              <a:t>2014/03/15</a:t>
             </a:fld>
             <a:endParaRPr kumimoji="1" lang="ja-JP" altLang="en-US"/>
           </a:p>
@@ -1567,7 +1568,7 @@
           <a:p>
             <a:fld id="{87A20906-838A-FE42-BD73-11DF18A1784C}" type="datetimeFigureOut">
               <a:rPr kumimoji="1" lang="ja-JP" altLang="en-US" smtClean="0"/>
-              <a:t>14/03/09</a:t>
+              <a:t>2014/03/15</a:t>
             </a:fld>
             <a:endParaRPr kumimoji="1" lang="ja-JP" altLang="en-US"/>
           </a:p>
@@ -1919,7 +1920,7 @@
           <a:p>
             <a:fld id="{87A20906-838A-FE42-BD73-11DF18A1784C}" type="datetimeFigureOut">
               <a:rPr kumimoji="1" lang="ja-JP" altLang="en-US" smtClean="0"/>
-              <a:t>14/03/09</a:t>
+              <a:t>2014/03/15</a:t>
             </a:fld>
             <a:endParaRPr kumimoji="1" lang="ja-JP" altLang="en-US"/>
           </a:p>
@@ -2405,7 +2406,7 @@
           <a:p>
             <a:fld id="{87A20906-838A-FE42-BD73-11DF18A1784C}" type="datetimeFigureOut">
               <a:rPr kumimoji="1" lang="ja-JP" altLang="en-US" smtClean="0"/>
-              <a:t>14/03/09</a:t>
+              <a:t>2014/03/15</a:t>
             </a:fld>
             <a:endParaRPr kumimoji="1" lang="ja-JP" altLang="en-US"/>
           </a:p>
@@ -2523,7 +2524,7 @@
           <a:p>
             <a:fld id="{87A20906-838A-FE42-BD73-11DF18A1784C}" type="datetimeFigureOut">
               <a:rPr kumimoji="1" lang="ja-JP" altLang="en-US" smtClean="0"/>
-              <a:t>14/03/09</a:t>
+              <a:t>2014/03/15</a:t>
             </a:fld>
             <a:endParaRPr kumimoji="1" lang="ja-JP" altLang="en-US"/>
           </a:p>
@@ -2618,7 +2619,7 @@
           <a:p>
             <a:fld id="{87A20906-838A-FE42-BD73-11DF18A1784C}" type="datetimeFigureOut">
               <a:rPr kumimoji="1" lang="ja-JP" altLang="en-US" smtClean="0"/>
-              <a:t>14/03/09</a:t>
+              <a:t>2014/03/15</a:t>
             </a:fld>
             <a:endParaRPr kumimoji="1" lang="ja-JP" altLang="en-US"/>
           </a:p>
@@ -2927,7 +2928,7 @@
           <a:p>
             <a:fld id="{87A20906-838A-FE42-BD73-11DF18A1784C}" type="datetimeFigureOut">
               <a:rPr kumimoji="1" lang="ja-JP" altLang="en-US" smtClean="0"/>
-              <a:t>14/03/09</a:t>
+              <a:t>2014/03/15</a:t>
             </a:fld>
             <a:endParaRPr kumimoji="1" lang="ja-JP" altLang="en-US"/>
           </a:p>
@@ -3296,7 +3297,7 @@
             <a:fld id="{87A20906-838A-FE42-BD73-11DF18A1784C}" type="datetimeFigureOut">
               <a:rPr lang="ja-JP" altLang="en-US" smtClean="0"/>
               <a:pPr/>
-              <a:t>14/03/09</a:t>
+              <a:t>2014/03/15</a:t>
             </a:fld>
             <a:endParaRPr lang="ja-JP" altLang="en-US"/>
           </a:p>
@@ -3417,6 +3418,47 @@
           </a:prstGeom>
         </p:spPr>
       </p:pic>
+      <p:sp>
+        <p:nvSpPr>
+          <p:cNvPr id="14" name="正方形/長方形 13"/>
+          <p:cNvSpPr/>
+          <p:nvPr userDrawn="1"/>
+        </p:nvSpPr>
+        <p:spPr>
+          <a:xfrm>
+            <a:off x="1901216" y="6158908"/>
+            <a:ext cx="6032421" cy="369332"/>
+          </a:xfrm>
+          <a:prstGeom prst="rect">
+            <a:avLst/>
+          </a:prstGeom>
+        </p:spPr>
+        <p:txBody>
+          <a:bodyPr wrap="none">
+            <a:spAutoFit/>
+          </a:bodyPr>
+          <a:lstStyle/>
+          <a:p>
+            <a:r>
+              <a:rPr lang="ja-JP" altLang="en-US" dirty="0" smtClean="0"/>
+              <a:t>資料はこちらから　</a:t>
+            </a:r>
+            <a:r>
+              <a:rPr lang="en-US" altLang="ja-JP" dirty="0" smtClean="0"/>
+              <a:t>http://</a:t>
+            </a:r>
+            <a:r>
+              <a:rPr lang="en-US" altLang="ja-JP" dirty="0" err="1" smtClean="0"/>
+              <a:t>aws-samurai.github.io</a:t>
+            </a:r>
+            <a:r>
+              <a:rPr lang="en-US" altLang="ja-JP" dirty="0" smtClean="0"/>
+              <a:t>/pricing-data/</a:t>
+            </a:r>
+            <a:endParaRPr lang="ja-JP" altLang="en-US" dirty="0"/>
+          </a:p>
+        </p:txBody>
+      </p:sp>
     </p:spTree>
     <p:extLst>
       <p:ext uri="{BB962C8B-B14F-4D97-AF65-F5344CB8AC3E}">
@@ -3776,15 +3818,7 @@
                 <a:ea typeface="ＤＦＰ太丸ゴシック体"/>
                 <a:cs typeface="ＤＦＰ太丸ゴシック体"/>
               </a:rPr>
-              <a:t>料金</a:t>
-            </a:r>
-            <a:r>
-              <a:rPr lang="ja-JP" altLang="en-US" sz="6000" dirty="0" smtClean="0">
-                <a:latin typeface="ＤＦＰ太丸ゴシック体"/>
-                <a:ea typeface="ＤＦＰ太丸ゴシック体"/>
-                <a:cs typeface="ＤＦＰ太丸ゴシック体"/>
-              </a:rPr>
-              <a:t>体系</a:t>
+              <a:t>料金体系</a:t>
             </a:r>
             <a:r>
               <a:rPr lang="en-US" altLang="ja-JP" sz="6000" dirty="0" smtClean="0">
@@ -3830,15 +3864,7 @@
                 <a:ea typeface="ＤＦＰ太丸ゴシック体"/>
                 <a:cs typeface="ＤＦＰ太丸ゴシック体"/>
               </a:rPr>
-              <a:t>王者</a:t>
-            </a:r>
-            <a:r>
-              <a:rPr lang="ja-JP" altLang="en-US" sz="6000" dirty="0" smtClean="0">
-                <a:latin typeface="ＤＦＰ太丸ゴシック体"/>
-                <a:ea typeface="ＤＦＰ太丸ゴシック体"/>
-                <a:cs typeface="ＤＦＰ太丸ゴシック体"/>
-              </a:rPr>
-              <a:t>決定戦</a:t>
+              <a:t>王者決定戦</a:t>
             </a:r>
             <a:endParaRPr kumimoji="1" lang="ja-JP" altLang="en-US" sz="6000" dirty="0">
               <a:latin typeface="ＤＦＰ太丸ゴシック体"/>
@@ -3879,18 +3905,7 @@
                 <a:ea typeface="ＤＦＰ太丸ゴシック体"/>
                 <a:cs typeface="ＤＦＰ太丸ゴシック体"/>
               </a:rPr>
-              <a:t>九州・</a:t>
-            </a:r>
-            <a:r>
-              <a:rPr lang="ja-JP" altLang="en-US" dirty="0" smtClean="0">
-                <a:solidFill>
-                  <a:schemeClr val="tx1"/>
-                </a:solidFill>
-                <a:latin typeface="ＤＦＰ太丸ゴシック体"/>
-                <a:ea typeface="ＤＦＰ太丸ゴシック体"/>
-                <a:cs typeface="ＤＦＰ太丸ゴシック体"/>
-              </a:rPr>
-              <a:t>沖縄</a:t>
+              <a:t>九州・沖縄</a:t>
             </a:r>
             <a:r>
               <a:rPr lang="en-US" altLang="ja-JP" dirty="0" smtClean="0">
@@ -3901,18 +3916,7 @@
                 <a:ea typeface="ＤＦＰ太丸ゴシック体"/>
                 <a:cs typeface="ＤＦＰ太丸ゴシック体"/>
               </a:rPr>
-              <a:t> </a:t>
-            </a:r>
-            <a:r>
-              <a:rPr lang="en-US" altLang="ja-JP" dirty="0" smtClean="0">
-                <a:solidFill>
-                  <a:schemeClr val="tx1"/>
-                </a:solidFill>
-                <a:latin typeface="ＤＦＰ太丸ゴシック体"/>
-                <a:ea typeface="ＤＦＰ太丸ゴシック体"/>
-                <a:cs typeface="ＤＦＰ太丸ゴシック体"/>
-              </a:rPr>
-              <a:t>AWS SAMURAI</a:t>
+              <a:t> AWS SAMURAI</a:t>
             </a:r>
           </a:p>
           <a:p>
@@ -4212,6 +4216,13 @@
   <p:clrMapOvr>
     <a:masterClrMapping/>
   </p:clrMapOvr>
+  <p:timing>
+    <p:tnLst>
+      <p:par>
+        <p:cTn xmlns:p14="http://schemas.microsoft.com/office/powerpoint/2010/main" id="1" dur="indefinite" restart="never" nodeType="tmRoot"/>
+      </p:par>
+    </p:tnLst>
+  </p:timing>
 </p:sld>
 </file>
 
@@ -4301,6 +4312,13 @@
   <p:clrMapOvr>
     <a:masterClrMapping/>
   </p:clrMapOvr>
+  <p:timing>
+    <p:tnLst>
+      <p:par>
+        <p:cTn xmlns:p14="http://schemas.microsoft.com/office/powerpoint/2010/main" id="1" dur="indefinite" restart="never" nodeType="tmRoot"/>
+      </p:par>
+    </p:tnLst>
+  </p:timing>
 </p:sld>
 </file>
 
@@ -4373,6 +4391,13 @@
   <p:clrMapOvr>
     <a:masterClrMapping/>
   </p:clrMapOvr>
+  <p:timing>
+    <p:tnLst>
+      <p:par>
+        <p:cTn xmlns:p14="http://schemas.microsoft.com/office/powerpoint/2010/main" id="1" dur="indefinite" restart="never" nodeType="tmRoot"/>
+      </p:par>
+    </p:tnLst>
+  </p:timing>
 </p:sld>
 </file>
 
@@ -4462,6 +4487,13 @@
   <p:clrMapOvr>
     <a:masterClrMapping/>
   </p:clrMapOvr>
+  <p:timing>
+    <p:tnLst>
+      <p:par>
+        <p:cTn xmlns:p14="http://schemas.microsoft.com/office/powerpoint/2010/main" id="1" dur="indefinite" restart="never" nodeType="tmRoot"/>
+      </p:par>
+    </p:tnLst>
+  </p:timing>
 </p:sld>
 </file>
 
@@ -4545,6 +4577,13 @@
   <p:clrMapOvr>
     <a:masterClrMapping/>
   </p:clrMapOvr>
+  <p:timing>
+    <p:tnLst>
+      <p:par>
+        <p:cTn xmlns:p14="http://schemas.microsoft.com/office/powerpoint/2010/main" id="1" dur="indefinite" restart="never" nodeType="tmRoot"/>
+      </p:par>
+    </p:tnLst>
+  </p:timing>
 </p:sld>
 </file>
 
@@ -4628,6 +4667,13 @@
   <p:clrMapOvr>
     <a:masterClrMapping/>
   </p:clrMapOvr>
+  <p:timing>
+    <p:tnLst>
+      <p:par>
+        <p:cTn xmlns:p14="http://schemas.microsoft.com/office/powerpoint/2010/main" id="1" dur="indefinite" restart="never" nodeType="tmRoot"/>
+      </p:par>
+    </p:tnLst>
+  </p:timing>
 </p:sld>
 </file>
 
@@ -4801,6 +4847,13 @@
   <p:clrMapOvr>
     <a:masterClrMapping/>
   </p:clrMapOvr>
+  <p:timing>
+    <p:tnLst>
+      <p:par>
+        <p:cTn xmlns:p14="http://schemas.microsoft.com/office/powerpoint/2010/main" id="1" dur="indefinite" restart="never" nodeType="tmRoot"/>
+      </p:par>
+    </p:tnLst>
+  </p:timing>
 </p:sld>
 </file>
 
@@ -4873,6 +4926,13 @@
   <p:clrMapOvr>
     <a:masterClrMapping/>
   </p:clrMapOvr>
+  <p:timing>
+    <p:tnLst>
+      <p:par>
+        <p:cTn xmlns:p14="http://schemas.microsoft.com/office/powerpoint/2010/main" id="1" dur="indefinite" restart="never" nodeType="tmRoot"/>
+      </p:par>
+    </p:tnLst>
+  </p:timing>
 </p:sld>
 </file>
 
@@ -5231,6 +5291,13 @@
   <p:clrMapOvr>
     <a:masterClrMapping/>
   </p:clrMapOvr>
+  <p:timing>
+    <p:tnLst>
+      <p:par>
+        <p:cTn xmlns:p14="http://schemas.microsoft.com/office/powerpoint/2010/main" id="1" dur="indefinite" restart="never" nodeType="tmRoot"/>
+      </p:par>
+    </p:tnLst>
+  </p:timing>
 </p:sld>
 </file>
 
@@ -5316,6 +5383,13 @@
   <p:clrMapOvr>
     <a:masterClrMapping/>
   </p:clrMapOvr>
+  <p:timing>
+    <p:tnLst>
+      <p:par>
+        <p:cTn xmlns:p14="http://schemas.microsoft.com/office/powerpoint/2010/main" id="1" dur="indefinite" restart="never" nodeType="tmRoot"/>
+      </p:par>
+    </p:tnLst>
+  </p:timing>
 </p:sld>
 </file>
 
@@ -5405,6 +5479,13 @@
   <p:clrMapOvr>
     <a:masterClrMapping/>
   </p:clrMapOvr>
+  <p:timing>
+    <p:tnLst>
+      <p:par>
+        <p:cTn xmlns:p14="http://schemas.microsoft.com/office/powerpoint/2010/main" id="1" dur="indefinite" restart="never" nodeType="tmRoot"/>
+      </p:par>
+    </p:tnLst>
+  </p:timing>
 </p:sld>
 </file>
 
@@ -5531,6 +5612,13 @@
   <p:clrMapOvr>
     <a:masterClrMapping/>
   </p:clrMapOvr>
+  <p:timing>
+    <p:tnLst>
+      <p:par>
+        <p:cTn xmlns:p14="http://schemas.microsoft.com/office/powerpoint/2010/main" id="1" dur="indefinite" restart="never" nodeType="tmRoot"/>
+      </p:par>
+    </p:tnLst>
+  </p:timing>
 </p:sld>
 </file>
 
@@ -5610,11 +5698,7 @@
           <a:p>
             <a:r>
               <a:rPr lang="ja-JP" altLang="en-US" dirty="0" smtClean="0"/>
-              <a:t>みんな大好き</a:t>
-            </a:r>
-            <a:r>
-              <a:rPr lang="ja-JP" altLang="en-US" dirty="0" smtClean="0"/>
-              <a:t>東京リージョン</a:t>
+              <a:t>みんな大好き東京リージョン</a:t>
             </a:r>
             <a:endParaRPr lang="en-US" altLang="ja-JP" dirty="0" smtClean="0"/>
           </a:p>
@@ -5627,7 +5711,6 @@
               <a:rPr lang="en-US" altLang="ja-JP" dirty="0" smtClean="0"/>
               <a:t>(=Linux/MySQL)</a:t>
             </a:r>
-            <a:endParaRPr lang="en-US" altLang="ja-JP" dirty="0" smtClean="0"/>
           </a:p>
           <a:p>
             <a:r>
@@ -5640,26 +5723,14 @@
             </a:r>
             <a:r>
               <a:rPr kumimoji="1" lang="ja-JP" altLang="en-US" dirty="0" smtClean="0"/>
-              <a:t>は</a:t>
-            </a:r>
-            <a:r>
-              <a:rPr kumimoji="1" lang="ja-JP" altLang="en-US" dirty="0" smtClean="0"/>
-              <a:t>計算</a:t>
-            </a:r>
-            <a:r>
-              <a:rPr kumimoji="1" lang="ja-JP" altLang="en-US" dirty="0" smtClean="0"/>
-              <a:t>しない</a:t>
+              <a:t>は計算しない</a:t>
             </a:r>
             <a:endParaRPr kumimoji="1" lang="en-US" altLang="ja-JP" dirty="0" smtClean="0"/>
           </a:p>
           <a:p>
             <a:r>
               <a:rPr lang="ja-JP" altLang="en-US" dirty="0" smtClean="0"/>
-              <a:t>タイプ</a:t>
-            </a:r>
-            <a:r>
-              <a:rPr lang="ja-JP" altLang="en-US" dirty="0" smtClean="0"/>
-              <a:t>変更がある場合は該当日の</a:t>
+              <a:t>タイプ変更がある場合は該当日の</a:t>
             </a:r>
             <a:r>
               <a:rPr lang="en-US" altLang="ja-JP" dirty="0" smtClean="0"/>
@@ -5667,26 +5738,14 @@
             </a:r>
             <a:r>
               <a:rPr lang="ja-JP" altLang="en-US" dirty="0" smtClean="0"/>
-              <a:t>に</a:t>
-            </a:r>
+              <a:t>に実行</a:t>
+            </a:r>
+            <a:endParaRPr lang="en-US" altLang="ja-JP" dirty="0" smtClean="0"/>
+          </a:p>
+          <a:p>
             <a:r>
               <a:rPr lang="ja-JP" altLang="en-US" dirty="0" smtClean="0"/>
-              <a:t>実行</a:t>
-            </a:r>
-            <a:endParaRPr lang="en-US" altLang="ja-JP" dirty="0" smtClean="0"/>
-          </a:p>
-          <a:p>
-            <a:r>
-              <a:rPr lang="ja-JP" altLang="en-US" dirty="0" smtClean="0"/>
-              <a:t>上記</a:t>
-            </a:r>
-            <a:r>
-              <a:rPr lang="ja-JP" altLang="en-US" dirty="0" smtClean="0"/>
-              <a:t>に反する場合はその旨</a:t>
-            </a:r>
-            <a:r>
-              <a:rPr lang="ja-JP" altLang="en-US" dirty="0" smtClean="0"/>
-              <a:t>明記。</a:t>
+              <a:t>上記に反する場合はその旨明記。</a:t>
             </a:r>
             <a:endParaRPr kumimoji="1" lang="ja-JP" altLang="en-US" dirty="0"/>
           </a:p>
@@ -5702,6 +5761,13 @@
   <p:clrMapOvr>
     <a:masterClrMapping/>
   </p:clrMapOvr>
+  <p:timing>
+    <p:tnLst>
+      <p:par>
+        <p:cTn xmlns:p14="http://schemas.microsoft.com/office/powerpoint/2010/main" id="1" dur="indefinite" restart="never" nodeType="tmRoot"/>
+      </p:par>
+    </p:tnLst>
+  </p:timing>
 </p:sld>
 </file>
 
@@ -5746,19 +5812,11 @@
           <a:p>
             <a:r>
               <a:rPr kumimoji="1" lang="ja-JP" altLang="en-US" dirty="0" smtClean="0"/>
-              <a:t>お試し</a:t>
-            </a:r>
-            <a:r>
-              <a:rPr kumimoji="1" lang="ja-JP" altLang="en-US" dirty="0" smtClean="0"/>
-              <a:t>問題</a:t>
+              <a:t>お試し問題</a:t>
             </a:r>
             <a:r>
               <a:rPr kumimoji="1" lang="en-US" altLang="ja-JP" dirty="0" smtClean="0"/>
-              <a:t>1</a:t>
-            </a:r>
-            <a:r>
-              <a:rPr kumimoji="1" lang="en-US" altLang="ja-JP" dirty="0" smtClean="0"/>
-              <a:t>: EC2</a:t>
+              <a:t>1: EC2</a:t>
             </a:r>
             <a:r>
               <a:rPr kumimoji="1" lang="ja-JP" altLang="en-US" dirty="0" smtClean="0"/>
@@ -6025,6 +6083,13 @@
   <p:clrMapOvr>
     <a:masterClrMapping/>
   </p:clrMapOvr>
+  <p:timing>
+    <p:tnLst>
+      <p:par>
+        <p:cTn xmlns:p14="http://schemas.microsoft.com/office/powerpoint/2010/main" id="1" dur="indefinite" restart="never" nodeType="tmRoot"/>
+      </p:par>
+    </p:tnLst>
+  </p:timing>
 </p:sld>
 </file>
 
@@ -6057,6 +6122,176 @@
         </p:nvSpPr>
         <p:spPr/>
         <p:txBody>
+          <a:bodyPr/>
+          <a:lstStyle/>
+          <a:p>
+            <a:endParaRPr kumimoji="1" lang="ja-JP" altLang="en-US"/>
+          </a:p>
+        </p:txBody>
+      </p:sp>
+      <p:graphicFrame>
+        <p:nvGraphicFramePr>
+          <p:cNvPr id="4" name="コンテンツ プレースホルダー 3"/>
+          <p:cNvGraphicFramePr>
+            <a:graphicFrameLocks noGrp="1"/>
+          </p:cNvGraphicFramePr>
+          <p:nvPr>
+            <p:ph idx="1"/>
+            <p:extLst>
+              <p:ext uri="{D42A27DB-BD31-4B8C-83A1-F6EECF244321}">
+                <p14:modId xmlns:p14="http://schemas.microsoft.com/office/powerpoint/2010/main" val="1616291813"/>
+              </p:ext>
+            </p:extLst>
+          </p:nvPr>
+        </p:nvGraphicFramePr>
+        <p:xfrm>
+          <a:off x="457200" y="1600200"/>
+          <a:ext cx="8229600" cy="1010920"/>
+        </p:xfrm>
+        <a:graphic>
+          <a:graphicData uri="http://schemas.openxmlformats.org/drawingml/2006/table">
+            <a:tbl>
+              <a:tblPr firstRow="1" bandRow="1">
+                <a:tableStyleId>{5C22544A-7EE6-4342-B048-85BDC9FD1C3A}</a:tableStyleId>
+              </a:tblPr>
+              <a:tblGrid>
+                <a:gridCol w="2743200"/>
+                <a:gridCol w="2743200"/>
+                <a:gridCol w="2743200"/>
+              </a:tblGrid>
+              <a:tr h="370840">
+                <a:tc>
+                  <a:txBody>
+                    <a:bodyPr/>
+                    <a:lstStyle/>
+                    <a:p>
+                      <a:endParaRPr kumimoji="1" lang="ja-JP" altLang="en-US" dirty="0"/>
+                    </a:p>
+                  </a:txBody>
+                  <a:tcPr/>
+                </a:tc>
+                <a:tc>
+                  <a:txBody>
+                    <a:bodyPr/>
+                    <a:lstStyle/>
+                    <a:p>
+                      <a:endParaRPr kumimoji="1" lang="ja-JP" altLang="en-US"/>
+                    </a:p>
+                  </a:txBody>
+                  <a:tcPr/>
+                </a:tc>
+                <a:tc>
+                  <a:txBody>
+                    <a:bodyPr/>
+                    <a:lstStyle/>
+                    <a:p>
+                      <a:endParaRPr kumimoji="1" lang="ja-JP" altLang="en-US"/>
+                    </a:p>
+                  </a:txBody>
+                  <a:tcPr/>
+                </a:tc>
+              </a:tr>
+              <a:tr h="370840">
+                <a:tc>
+                  <a:txBody>
+                    <a:bodyPr/>
+                    <a:lstStyle/>
+                    <a:p>
+                      <a:r>
+                        <a:rPr kumimoji="1" lang="en-US" altLang="ja-JP" dirty="0" smtClean="0"/>
+                        <a:t>m1.small</a:t>
+                      </a:r>
+                      <a:endParaRPr kumimoji="1" lang="ja-JP" altLang="en-US" dirty="0"/>
+                    </a:p>
+                  </a:txBody>
+                  <a:tcPr/>
+                </a:tc>
+                <a:tc>
+                  <a:txBody>
+                    <a:bodyPr/>
+                    <a:lstStyle/>
+                    <a:p>
+                      <a:r>
+                        <a:rPr kumimoji="1" lang="en-US" altLang="ja-JP" dirty="0" smtClean="0"/>
+                        <a:t>$0.0088</a:t>
+                      </a:r>
+                      <a:r>
+                        <a:rPr kumimoji="1" lang="en-US" altLang="ja-JP" baseline="0" dirty="0" smtClean="0"/>
+                        <a:t> x 15 days x 24 hours</a:t>
+                      </a:r>
+                      <a:endParaRPr kumimoji="1" lang="ja-JP" altLang="en-US" dirty="0"/>
+                    </a:p>
+                  </a:txBody>
+                  <a:tcPr/>
+                </a:tc>
+                <a:tc>
+                  <a:txBody>
+                    <a:bodyPr/>
+                    <a:lstStyle/>
+                    <a:p>
+                      <a:r>
+                        <a:rPr kumimoji="1" lang="en-US" altLang="ja-JP" dirty="0" smtClean="0"/>
+                        <a:t>$31.68</a:t>
+                      </a:r>
+                      <a:endParaRPr kumimoji="1" lang="ja-JP" altLang="en-US" dirty="0"/>
+                    </a:p>
+                  </a:txBody>
+                  <a:tcPr/>
+                </a:tc>
+              </a:tr>
+            </a:tbl>
+          </a:graphicData>
+        </a:graphic>
+      </p:graphicFrame>
+    </p:spTree>
+    <p:extLst>
+      <p:ext uri="{BB962C8B-B14F-4D97-AF65-F5344CB8AC3E}">
+        <p14:creationId xmlns:p14="http://schemas.microsoft.com/office/powerpoint/2010/main" val="2705803962"/>
+      </p:ext>
+    </p:extLst>
+  </p:cSld>
+  <p:clrMapOvr>
+    <a:masterClrMapping/>
+  </p:clrMapOvr>
+  <p:timing>
+    <p:tnLst>
+      <p:par>
+        <p:cTn xmlns:p14="http://schemas.microsoft.com/office/powerpoint/2010/main" id="1" dur="indefinite" restart="never" nodeType="tmRoot"/>
+      </p:par>
+    </p:tnLst>
+  </p:timing>
+</p:sld>
+</file>
+
+<file path=ppt/slides/slide28.xml><?xml version="1.0" encoding="utf-8"?>
+<p:sld xmlns:a="http://schemas.openxmlformats.org/drawingml/2006/main" xmlns:r="http://schemas.openxmlformats.org/officeDocument/2006/relationships" xmlns:p="http://schemas.openxmlformats.org/presentationml/2006/main">
+  <p:cSld>
+    <p:spTree>
+      <p:nvGrpSpPr>
+        <p:cNvPr id="1" name=""/>
+        <p:cNvGrpSpPr/>
+        <p:nvPr/>
+      </p:nvGrpSpPr>
+      <p:grpSpPr>
+        <a:xfrm>
+          <a:off x="0" y="0"/>
+          <a:ext cx="0" cy="0"/>
+          <a:chOff x="0" y="0"/>
+          <a:chExt cx="0" cy="0"/>
+        </a:xfrm>
+      </p:grpSpPr>
+      <p:sp>
+        <p:nvSpPr>
+          <p:cNvPr id="2" name="タイトル 1"/>
+          <p:cNvSpPr>
+            <a:spLocks noGrp="1"/>
+          </p:cNvSpPr>
+          <p:nvPr>
+            <p:ph type="title"/>
+          </p:nvPr>
+        </p:nvSpPr>
+        <p:spPr/>
+        <p:txBody>
           <a:bodyPr>
             <a:normAutofit/>
           </a:bodyPr>
@@ -6064,11 +6299,7 @@
           <a:p>
             <a:r>
               <a:rPr kumimoji="1" lang="ja-JP" altLang="en-US" dirty="0" smtClean="0"/>
-              <a:t>お試し</a:t>
-            </a:r>
-            <a:r>
-              <a:rPr kumimoji="1" lang="ja-JP" altLang="en-US" dirty="0" smtClean="0"/>
-              <a:t>問題</a:t>
+              <a:t>お試し問題</a:t>
             </a:r>
             <a:r>
               <a:rPr lang="en-US" altLang="ja-JP" dirty="0" smtClean="0"/>
@@ -6159,7 +6390,6 @@
               <a:rPr lang="ja-JP" altLang="en-US" sz="2400" dirty="0" smtClean="0"/>
               <a:t>ストレージ</a:t>
             </a:r>
-            <a:endParaRPr lang="ja-JP" altLang="en-US" sz="2400" dirty="0" smtClean="0"/>
           </a:p>
           <a:p>
             <a:r>
@@ -6258,10 +6488,17 @@
   <p:clrMapOvr>
     <a:masterClrMapping/>
   </p:clrMapOvr>
+  <p:timing>
+    <p:tnLst>
+      <p:par>
+        <p:cTn xmlns:p14="http://schemas.microsoft.com/office/powerpoint/2010/main" id="1" dur="indefinite" restart="never" nodeType="tmRoot"/>
+      </p:par>
+    </p:tnLst>
+  </p:timing>
 </p:sld>
 </file>
 
-<file path=ppt/slides/slide28.xml><?xml version="1.0" encoding="utf-8"?>
+<file path=ppt/slides/slide29.xml><?xml version="1.0" encoding="utf-8"?>
 <p:sld xmlns:a="http://schemas.openxmlformats.org/drawingml/2006/main" xmlns:r="http://schemas.openxmlformats.org/officeDocument/2006/relationships" xmlns:p="http://schemas.openxmlformats.org/presentationml/2006/main">
   <p:cSld>
     <p:spTree>
@@ -6295,19 +6532,11 @@
           <a:p>
             <a:r>
               <a:rPr kumimoji="1" lang="ja-JP" altLang="en-US" dirty="0" smtClean="0"/>
-              <a:t>お試し</a:t>
-            </a:r>
-            <a:r>
-              <a:rPr kumimoji="1" lang="ja-JP" altLang="en-US" dirty="0" smtClean="0"/>
-              <a:t>問題</a:t>
+              <a:t>お試し問題</a:t>
             </a:r>
             <a:r>
               <a:rPr kumimoji="1" lang="en-US" altLang="ja-JP" dirty="0" smtClean="0"/>
-              <a:t>3</a:t>
-            </a:r>
-            <a:r>
-              <a:rPr kumimoji="1" lang="en-US" altLang="ja-JP" dirty="0" smtClean="0"/>
-              <a:t>: </a:t>
+              <a:t>3: </a:t>
             </a:r>
             <a:r>
               <a:rPr kumimoji="1" lang="ja-JP" altLang="en-US" dirty="0" smtClean="0"/>
@@ -6341,15 +6570,7 @@
           <a:p>
             <a:r>
               <a:rPr lang="en-US" altLang="ja-JP" sz="2400" dirty="0" smtClean="0"/>
-              <a:t>Amazon Linux - </a:t>
-            </a:r>
-            <a:r>
-              <a:rPr lang="en-US" altLang="ja-JP" sz="2400" dirty="0" smtClean="0"/>
-              <a:t>m1</a:t>
-            </a:r>
-            <a:r>
-              <a:rPr lang="en-US" altLang="ja-JP" sz="2400" dirty="0" smtClean="0"/>
-              <a:t>.small</a:t>
+              <a:t>Amazon Linux - m1.small</a:t>
             </a:r>
           </a:p>
           <a:p>
@@ -6427,8 +6648,20 @@
             </a:r>
             <a:r>
               <a:rPr lang="ja-JP" altLang="en-US" sz="2400" dirty="0" smtClean="0"/>
-              <a:t>万ヒット</a:t>
-            </a:r>
+              <a:t>万</a:t>
+            </a:r>
+            <a:r>
+              <a:rPr lang="ja-JP" altLang="en-US" sz="2400" dirty="0" smtClean="0"/>
+              <a:t>ヒット</a:t>
+            </a:r>
+            <a:endParaRPr lang="en-US" altLang="ja-JP" sz="2400" dirty="0" smtClean="0"/>
+          </a:p>
+          <a:p>
+            <a:r>
+              <a:rPr lang="en-US" altLang="ja-JP" sz="2400" smtClean="0"/>
+              <a:t>1PV = 2MB</a:t>
+            </a:r>
+            <a:endParaRPr lang="ja-JP" altLang="en-US" sz="2400" dirty="0" smtClean="0"/>
           </a:p>
           <a:p>
             <a:r>
@@ -6487,163 +6720,13 @@
   <p:clrMapOvr>
     <a:masterClrMapping/>
   </p:clrMapOvr>
-</p:sld>
-</file>
-
-<file path=ppt/slides/slide29.xml><?xml version="1.0" encoding="utf-8"?>
-<p:sld xmlns:a="http://schemas.openxmlformats.org/drawingml/2006/main" xmlns:r="http://schemas.openxmlformats.org/officeDocument/2006/relationships" xmlns:p="http://schemas.openxmlformats.org/presentationml/2006/main">
-  <p:cSld>
-    <p:spTree>
-      <p:nvGrpSpPr>
-        <p:cNvPr id="1" name=""/>
-        <p:cNvGrpSpPr/>
-        <p:nvPr/>
-      </p:nvGrpSpPr>
-      <p:grpSpPr>
-        <a:xfrm>
-          <a:off x="0" y="0"/>
-          <a:ext cx="0" cy="0"/>
-          <a:chOff x="0" y="0"/>
-          <a:chExt cx="0" cy="0"/>
-        </a:xfrm>
-      </p:grpSpPr>
-      <p:pic>
-        <p:nvPicPr>
-          <p:cNvPr id="9" name="図 8" descr="集中線.png"/>
-          <p:cNvPicPr>
-            <a:picLocks noChangeAspect="1"/>
-          </p:cNvPicPr>
-          <p:nvPr/>
-        </p:nvPicPr>
-        <p:blipFill>
-          <a:blip r:embed="rId2">
-            <a:extLst>
-              <a:ext uri="{28A0092B-C50C-407E-A947-70E740481C1C}">
-                <a14:useLocalDpi xmlns:a14="http://schemas.microsoft.com/office/drawing/2010/main" val="0"/>
-              </a:ext>
-            </a:extLst>
-          </a:blip>
-          <a:stretch>
-            <a:fillRect/>
-          </a:stretch>
-        </p:blipFill>
-        <p:spPr>
-          <a:xfrm>
-            <a:off x="279400" y="0"/>
-            <a:ext cx="8572500" cy="6858000"/>
-          </a:xfrm>
-          <a:prstGeom prst="rect">
-            <a:avLst/>
-          </a:prstGeom>
-        </p:spPr>
-      </p:pic>
-      <p:pic>
-        <p:nvPicPr>
-          <p:cNvPr id="8" name="図 7" descr="ドドド.png"/>
-          <p:cNvPicPr>
-            <a:picLocks noChangeAspect="1"/>
-          </p:cNvPicPr>
-          <p:nvPr/>
-        </p:nvPicPr>
-        <p:blipFill>
-          <a:blip r:embed="rId3">
-            <a:duotone>
-              <a:prstClr val="black"/>
-              <a:schemeClr val="accent2">
-                <a:tint val="45000"/>
-                <a:satMod val="400000"/>
-              </a:schemeClr>
-            </a:duotone>
-            <a:extLst>
-              <a:ext uri="{28A0092B-C50C-407E-A947-70E740481C1C}">
-                <a14:useLocalDpi xmlns:a14="http://schemas.microsoft.com/office/drawing/2010/main" val="0"/>
-              </a:ext>
-            </a:extLst>
-          </a:blip>
-          <a:stretch>
-            <a:fillRect/>
-          </a:stretch>
-        </p:blipFill>
-        <p:spPr>
-          <a:xfrm>
-            <a:off x="-130933" y="-84403"/>
-            <a:ext cx="9801854" cy="6942403"/>
-          </a:xfrm>
-          <a:prstGeom prst="rect">
-            <a:avLst/>
-          </a:prstGeom>
-        </p:spPr>
-      </p:pic>
-      <p:sp>
-        <p:nvSpPr>
-          <p:cNvPr id="4" name="タイトル 3"/>
-          <p:cNvSpPr>
-            <a:spLocks noGrp="1"/>
-          </p:cNvSpPr>
-          <p:nvPr>
-            <p:ph type="ctrTitle"/>
-          </p:nvPr>
-        </p:nvSpPr>
-        <p:spPr/>
-        <p:txBody>
-          <a:bodyPr>
-            <a:normAutofit/>
-          </a:bodyPr>
-          <a:lstStyle/>
-          <a:p>
-            <a:r>
-              <a:rPr kumimoji="1" lang="en-US" altLang="ja-JP" sz="6000" dirty="0" smtClean="0"/>
-              <a:t>15</a:t>
-            </a:r>
-            <a:r>
-              <a:rPr kumimoji="1" lang="ja-JP" altLang="en-US" sz="6000" dirty="0" smtClean="0"/>
-              <a:t>時から本戦！</a:t>
-            </a:r>
-            <a:endParaRPr kumimoji="1" lang="ja-JP" altLang="en-US" sz="6000" dirty="0"/>
-          </a:p>
-        </p:txBody>
-      </p:sp>
-      <p:sp>
-        <p:nvSpPr>
-          <p:cNvPr id="5" name="サブタイトル 4"/>
-          <p:cNvSpPr>
-            <a:spLocks noGrp="1"/>
-          </p:cNvSpPr>
-          <p:nvPr>
-            <p:ph type="subTitle" idx="1"/>
-          </p:nvPr>
-        </p:nvSpPr>
-        <p:spPr/>
-        <p:txBody>
-          <a:bodyPr/>
-          <a:lstStyle/>
-          <a:p>
-            <a:r>
-              <a:rPr lang="en-US" altLang="ja-JP" dirty="0"/>
-              <a:t>〜</a:t>
-            </a:r>
-            <a:r>
-              <a:rPr lang="ja-JP" altLang="en-US" dirty="0"/>
-              <a:t>全てを支配する覇者は誰だ</a:t>
-            </a:r>
-            <a:r>
-              <a:rPr lang="en-US" altLang="ja-JP" dirty="0" smtClean="0"/>
-              <a:t>〜</a:t>
-            </a:r>
-            <a:endParaRPr lang="ja-JP" altLang="en-US" dirty="0"/>
-          </a:p>
-        </p:txBody>
-      </p:sp>
-    </p:spTree>
-    <p:extLst>
-      <p:ext uri="{BB962C8B-B14F-4D97-AF65-F5344CB8AC3E}">
-        <p14:creationId xmlns:p14="http://schemas.microsoft.com/office/powerpoint/2010/main" val="530236568"/>
-      </p:ext>
-    </p:extLst>
-  </p:cSld>
-  <p:clrMapOvr>
-    <a:masterClrMapping/>
-  </p:clrMapOvr>
+  <p:timing>
+    <p:tnLst>
+      <p:par>
+        <p:cTn xmlns:p14="http://schemas.microsoft.com/office/powerpoint/2010/main" id="1" dur="indefinite" restart="never" nodeType="tmRoot"/>
+      </p:par>
+    </p:tnLst>
+  </p:timing>
 </p:sld>
 </file>
 
@@ -7397,6 +7480,170 @@
 </p:sld>
 </file>
 
+<file path=ppt/slides/slide30.xml><?xml version="1.0" encoding="utf-8"?>
+<p:sld xmlns:a="http://schemas.openxmlformats.org/drawingml/2006/main" xmlns:r="http://schemas.openxmlformats.org/officeDocument/2006/relationships" xmlns:p="http://schemas.openxmlformats.org/presentationml/2006/main">
+  <p:cSld>
+    <p:spTree>
+      <p:nvGrpSpPr>
+        <p:cNvPr id="1" name=""/>
+        <p:cNvGrpSpPr/>
+        <p:nvPr/>
+      </p:nvGrpSpPr>
+      <p:grpSpPr>
+        <a:xfrm>
+          <a:off x="0" y="0"/>
+          <a:ext cx="0" cy="0"/>
+          <a:chOff x="0" y="0"/>
+          <a:chExt cx="0" cy="0"/>
+        </a:xfrm>
+      </p:grpSpPr>
+      <p:pic>
+        <p:nvPicPr>
+          <p:cNvPr id="9" name="図 8" descr="集中線.png"/>
+          <p:cNvPicPr>
+            <a:picLocks noChangeAspect="1"/>
+          </p:cNvPicPr>
+          <p:nvPr/>
+        </p:nvPicPr>
+        <p:blipFill>
+          <a:blip r:embed="rId2">
+            <a:extLst>
+              <a:ext uri="{28A0092B-C50C-407E-A947-70E740481C1C}">
+                <a14:useLocalDpi xmlns:a14="http://schemas.microsoft.com/office/drawing/2010/main" val="0"/>
+              </a:ext>
+            </a:extLst>
+          </a:blip>
+          <a:stretch>
+            <a:fillRect/>
+          </a:stretch>
+        </p:blipFill>
+        <p:spPr>
+          <a:xfrm>
+            <a:off x="279400" y="0"/>
+            <a:ext cx="8572500" cy="6858000"/>
+          </a:xfrm>
+          <a:prstGeom prst="rect">
+            <a:avLst/>
+          </a:prstGeom>
+        </p:spPr>
+      </p:pic>
+      <p:pic>
+        <p:nvPicPr>
+          <p:cNvPr id="8" name="図 7" descr="ドドド.png"/>
+          <p:cNvPicPr>
+            <a:picLocks noChangeAspect="1"/>
+          </p:cNvPicPr>
+          <p:nvPr/>
+        </p:nvPicPr>
+        <p:blipFill>
+          <a:blip r:embed="rId3">
+            <a:duotone>
+              <a:prstClr val="black"/>
+              <a:schemeClr val="accent2">
+                <a:tint val="45000"/>
+                <a:satMod val="400000"/>
+              </a:schemeClr>
+            </a:duotone>
+            <a:extLst>
+              <a:ext uri="{28A0092B-C50C-407E-A947-70E740481C1C}">
+                <a14:useLocalDpi xmlns:a14="http://schemas.microsoft.com/office/drawing/2010/main" val="0"/>
+              </a:ext>
+            </a:extLst>
+          </a:blip>
+          <a:stretch>
+            <a:fillRect/>
+          </a:stretch>
+        </p:blipFill>
+        <p:spPr>
+          <a:xfrm>
+            <a:off x="-130933" y="-84403"/>
+            <a:ext cx="9801854" cy="6942403"/>
+          </a:xfrm>
+          <a:prstGeom prst="rect">
+            <a:avLst/>
+          </a:prstGeom>
+        </p:spPr>
+      </p:pic>
+      <p:sp>
+        <p:nvSpPr>
+          <p:cNvPr id="4" name="タイトル 3"/>
+          <p:cNvSpPr>
+            <a:spLocks noGrp="1"/>
+          </p:cNvSpPr>
+          <p:nvPr>
+            <p:ph type="ctrTitle"/>
+          </p:nvPr>
+        </p:nvSpPr>
+        <p:spPr/>
+        <p:txBody>
+          <a:bodyPr>
+            <a:normAutofit/>
+          </a:bodyPr>
+          <a:lstStyle/>
+          <a:p>
+            <a:r>
+              <a:rPr kumimoji="1" lang="en-US" altLang="ja-JP" sz="6000" dirty="0" smtClean="0"/>
+              <a:t>15</a:t>
+            </a:r>
+            <a:r>
+              <a:rPr kumimoji="1" lang="ja-JP" altLang="en-US" sz="6000" dirty="0" smtClean="0"/>
+              <a:t>時から本戦！</a:t>
+            </a:r>
+            <a:endParaRPr kumimoji="1" lang="ja-JP" altLang="en-US" sz="6000" dirty="0"/>
+          </a:p>
+        </p:txBody>
+      </p:sp>
+      <p:sp>
+        <p:nvSpPr>
+          <p:cNvPr id="5" name="サブタイトル 4"/>
+          <p:cNvSpPr>
+            <a:spLocks noGrp="1"/>
+          </p:cNvSpPr>
+          <p:nvPr>
+            <p:ph type="subTitle" idx="1"/>
+          </p:nvPr>
+        </p:nvSpPr>
+        <p:spPr/>
+        <p:txBody>
+          <a:bodyPr/>
+          <a:lstStyle/>
+          <a:p>
+            <a:r>
+              <a:rPr lang="en-US" altLang="ja-JP" dirty="0"/>
+              <a:t>〜</a:t>
+            </a:r>
+            <a:r>
+              <a:rPr lang="ja-JP" altLang="en-US" dirty="0"/>
+              <a:t>全てを支配する覇者は誰だ</a:t>
+            </a:r>
+            <a:r>
+              <a:rPr lang="en-US" altLang="ja-JP" dirty="0" smtClean="0"/>
+              <a:t>〜</a:t>
+            </a:r>
+            <a:endParaRPr lang="ja-JP" altLang="en-US" dirty="0"/>
+          </a:p>
+        </p:txBody>
+      </p:sp>
+    </p:spTree>
+    <p:extLst>
+      <p:ext uri="{BB962C8B-B14F-4D97-AF65-F5344CB8AC3E}">
+        <p14:creationId xmlns:p14="http://schemas.microsoft.com/office/powerpoint/2010/main" val="530236568"/>
+      </p:ext>
+    </p:extLst>
+  </p:cSld>
+  <p:clrMapOvr>
+    <a:masterClrMapping/>
+  </p:clrMapOvr>
+  <p:timing>
+    <p:tnLst>
+      <p:par>
+        <p:cTn xmlns:p14="http://schemas.microsoft.com/office/powerpoint/2010/main" id="1" dur="indefinite" restart="never" nodeType="tmRoot"/>
+      </p:par>
+    </p:tnLst>
+  </p:timing>
+</p:sld>
+</file>
+
 <file path=ppt/slides/slide4.xml><?xml version="1.0" encoding="utf-8"?>
 <p:sld xmlns:a="http://schemas.openxmlformats.org/drawingml/2006/main" xmlns:r="http://schemas.openxmlformats.org/officeDocument/2006/relationships" xmlns:p="http://schemas.openxmlformats.org/presentationml/2006/main">
   <p:cSld>
@@ -7539,6 +7786,13 @@
   <p:clrMapOvr>
     <a:masterClrMapping/>
   </p:clrMapOvr>
+  <p:timing>
+    <p:tnLst>
+      <p:par>
+        <p:cTn xmlns:p14="http://schemas.microsoft.com/office/powerpoint/2010/main" id="1" dur="indefinite" restart="never" nodeType="tmRoot"/>
+      </p:par>
+    </p:tnLst>
+  </p:timing>
 </p:sld>
 </file>
 
@@ -7709,6 +7963,13 @@
   <p:clrMapOvr>
     <a:masterClrMapping/>
   </p:clrMapOvr>
+  <p:timing>
+    <p:tnLst>
+      <p:par>
+        <p:cTn xmlns:p14="http://schemas.microsoft.com/office/powerpoint/2010/main" id="1" dur="indefinite" restart="never" nodeType="tmRoot"/>
+      </p:par>
+    </p:tnLst>
+  </p:timing>
 </p:sld>
 </file>
 
@@ -7792,6 +8053,13 @@
   <p:clrMapOvr>
     <a:masterClrMapping/>
   </p:clrMapOvr>
+  <p:timing>
+    <p:tnLst>
+      <p:par>
+        <p:cTn xmlns:p14="http://schemas.microsoft.com/office/powerpoint/2010/main" id="1" dur="indefinite" restart="never" nodeType="tmRoot"/>
+      </p:par>
+    </p:tnLst>
+  </p:timing>
 </p:sld>
 </file>
 
@@ -7875,6 +8143,13 @@
   <p:clrMapOvr>
     <a:masterClrMapping/>
   </p:clrMapOvr>
+  <p:timing>
+    <p:tnLst>
+      <p:par>
+        <p:cTn xmlns:p14="http://schemas.microsoft.com/office/powerpoint/2010/main" id="1" dur="indefinite" restart="never" nodeType="tmRoot"/>
+      </p:par>
+    </p:tnLst>
+  </p:timing>
 </p:sld>
 </file>
 
@@ -7947,6 +8222,13 @@
   <p:clrMapOvr>
     <a:masterClrMapping/>
   </p:clrMapOvr>
+  <p:timing>
+    <p:tnLst>
+      <p:par>
+        <p:cTn xmlns:p14="http://schemas.microsoft.com/office/powerpoint/2010/main" id="1" dur="indefinite" restart="never" nodeType="tmRoot"/>
+      </p:par>
+    </p:tnLst>
+  </p:timing>
 </p:sld>
 </file>
 
